--- a/ai/9.1.pptx
+++ b/ai/9.1.pptx
@@ -226,7 +226,7 @@
   </p:defaultTextStyle>
   <p:extLst>
     <p:ext uri="{EFAFB233-063F-42B5-8137-9DF3F51BA10A}">
-      <p15:sldGuideLst xmlns="" xmlns:p15="http://schemas.microsoft.com/office/powerpoint/2012/main">
+      <p15:sldGuideLst xmlns:p15="http://schemas.microsoft.com/office/powerpoint/2012/main">
         <p15:guide id="1" orient="horz" pos="2880">
           <p15:clr>
             <a:srgbClr val="A4A3A4"/>
@@ -775,7 +775,7 @@
               </a:spcBef>
               <a:buNone/>
             </a:pPr>
-            <a:endParaRPr/>
+            <a:endParaRPr dirty="0"/>
           </a:p>
         </p:txBody>
       </p:sp>
@@ -1882,7 +1882,7 @@
           </a:lstStyle>
           <a:p>
             <a:r>
-              <a:rPr lang="en-US" smtClean="0"/>
+              <a:rPr lang="en-US"/>
               <a:t>Click to edit Master title style</a:t>
             </a:r>
             <a:endParaRPr lang="en-US" dirty="0"/>
@@ -1983,7 +1983,7 @@
           </a:lstStyle>
           <a:p>
             <a:r>
-              <a:rPr lang="en-US" smtClean="0"/>
+              <a:rPr lang="en-US"/>
               <a:t>Click to edit Master title style</a:t>
             </a:r>
             <a:endParaRPr lang="en-US" dirty="0"/>
@@ -2058,35 +2058,35 @@
           <a:p>
             <a:pPr lvl="0"/>
             <a:r>
-              <a:rPr lang="en-US" smtClean="0"/>
+              <a:rPr lang="en-US"/>
               <a:t>Click to edit Master text styles</a:t>
             </a:r>
           </a:p>
           <a:p>
             <a:pPr lvl="1"/>
             <a:r>
-              <a:rPr lang="en-US" smtClean="0"/>
+              <a:rPr lang="en-US"/>
               <a:t>Second level</a:t>
             </a:r>
           </a:p>
           <a:p>
             <a:pPr lvl="2"/>
             <a:r>
-              <a:rPr lang="en-US" smtClean="0"/>
+              <a:rPr lang="en-US"/>
               <a:t>Third level</a:t>
             </a:r>
           </a:p>
           <a:p>
             <a:pPr lvl="3"/>
             <a:r>
-              <a:rPr lang="en-US" smtClean="0"/>
+              <a:rPr lang="en-US"/>
               <a:t>Fourth level</a:t>
             </a:r>
           </a:p>
           <a:p>
             <a:pPr lvl="4"/>
             <a:r>
-              <a:rPr lang="en-US" smtClean="0"/>
+              <a:rPr lang="en-US"/>
               <a:t>Fifth level</a:t>
             </a:r>
             <a:endParaRPr lang="en-US" dirty="0"/>
@@ -2156,7 +2156,7 @@
           <a:p>
             <a:pPr lvl="0"/>
             <a:r>
-              <a:rPr lang="en-US" smtClean="0"/>
+              <a:rPr lang="en-US"/>
               <a:t>Click to edit Master text styles</a:t>
             </a:r>
           </a:p>
@@ -2227,7 +2227,7 @@
           </a:lstStyle>
           <a:p>
             <a:r>
-              <a:rPr lang="en-US" smtClean="0"/>
+              <a:rPr lang="en-US"/>
               <a:t>Click to edit Master title style</a:t>
             </a:r>
             <a:endParaRPr lang="en-US" dirty="0"/>
@@ -2292,10 +2292,9 @@
           </a:lstStyle>
           <a:p>
             <a:r>
-              <a:rPr lang="en-US" smtClean="0"/>
+              <a:rPr lang="en-US"/>
               <a:t>Drag picture to placeholder or click icon to add</a:t>
             </a:r>
-            <a:endParaRPr lang="en-US"/>
           </a:p>
         </p:txBody>
       </p:sp>
@@ -2364,7 +2363,7 @@
           <a:p>
             <a:pPr lvl="0"/>
             <a:r>
-              <a:rPr lang="en-US" smtClean="0"/>
+              <a:rPr lang="en-US"/>
               <a:t>Click to edit Master text styles</a:t>
             </a:r>
           </a:p>
@@ -2931,7 +2930,7 @@
           </a:lstStyle>
           <a:p>
             <a:r>
-              <a:rPr lang="en-US" smtClean="0"/>
+              <a:rPr lang="en-US"/>
               <a:t>Click to edit Master title style</a:t>
             </a:r>
             <a:endParaRPr lang="en-US" dirty="0"/>
@@ -3059,7 +3058,7 @@
           </a:lstStyle>
           <a:p>
             <a:r>
-              <a:rPr lang="en-US" smtClean="0"/>
+              <a:rPr lang="en-US"/>
               <a:t>Click to edit Master subtitle style</a:t>
             </a:r>
             <a:endParaRPr lang="en-US" dirty="0"/>
@@ -3138,7 +3137,7 @@
           </a:lstStyle>
           <a:p>
             <a:r>
-              <a:rPr lang="en-US" smtClean="0"/>
+              <a:rPr lang="en-US"/>
               <a:t>Click to edit Master title style</a:t>
             </a:r>
             <a:endParaRPr lang="en-US" dirty="0"/>
@@ -3203,35 +3202,35 @@
           <a:p>
             <a:pPr lvl="0"/>
             <a:r>
-              <a:rPr lang="en-US" smtClean="0"/>
+              <a:rPr lang="en-US"/>
               <a:t>Click to edit Master text styles</a:t>
             </a:r>
           </a:p>
           <a:p>
             <a:pPr lvl="1"/>
             <a:r>
-              <a:rPr lang="en-US" smtClean="0"/>
+              <a:rPr lang="en-US"/>
               <a:t>Second level</a:t>
             </a:r>
           </a:p>
           <a:p>
             <a:pPr lvl="2"/>
             <a:r>
-              <a:rPr lang="en-US" smtClean="0"/>
+              <a:rPr lang="en-US"/>
               <a:t>Third level</a:t>
             </a:r>
           </a:p>
           <a:p>
             <a:pPr lvl="3"/>
             <a:r>
-              <a:rPr lang="en-US" smtClean="0"/>
+              <a:rPr lang="en-US"/>
               <a:t>Fourth level</a:t>
             </a:r>
           </a:p>
           <a:p>
             <a:pPr lvl="4"/>
             <a:r>
-              <a:rPr lang="en-US" smtClean="0"/>
+              <a:rPr lang="en-US"/>
               <a:t>Fifth level</a:t>
             </a:r>
             <a:endParaRPr lang="en-US" dirty="0"/>
@@ -3301,7 +3300,7 @@
           </a:lstStyle>
           <a:p>
             <a:r>
-              <a:rPr lang="en-US" smtClean="0"/>
+              <a:rPr lang="en-US"/>
               <a:t>Click to edit Master title style</a:t>
             </a:r>
             <a:endParaRPr lang="en-US" dirty="0"/>
@@ -3421,7 +3420,7 @@
           <a:p>
             <a:pPr lvl="0"/>
             <a:r>
-              <a:rPr lang="en-US" smtClean="0"/>
+              <a:rPr lang="en-US"/>
               <a:t>Click to edit Master text styles</a:t>
             </a:r>
           </a:p>
@@ -3492,7 +3491,7 @@
           </a:lstStyle>
           <a:p>
             <a:r>
-              <a:rPr lang="en-US" smtClean="0"/>
+              <a:rPr lang="en-US"/>
               <a:t>Click to edit Master title style</a:t>
             </a:r>
             <a:endParaRPr lang="en-US" dirty="0"/>
@@ -3567,35 +3566,35 @@
           <a:p>
             <a:pPr lvl="0"/>
             <a:r>
-              <a:rPr lang="en-US" smtClean="0"/>
+              <a:rPr lang="en-US"/>
               <a:t>Click to edit Master text styles</a:t>
             </a:r>
           </a:p>
           <a:p>
             <a:pPr lvl="1"/>
             <a:r>
-              <a:rPr lang="en-US" smtClean="0"/>
+              <a:rPr lang="en-US"/>
               <a:t>Second level</a:t>
             </a:r>
           </a:p>
           <a:p>
             <a:pPr lvl="2"/>
             <a:r>
-              <a:rPr lang="en-US" smtClean="0"/>
+              <a:rPr lang="en-US"/>
               <a:t>Third level</a:t>
             </a:r>
           </a:p>
           <a:p>
             <a:pPr lvl="3"/>
             <a:r>
-              <a:rPr lang="en-US" smtClean="0"/>
+              <a:rPr lang="en-US"/>
               <a:t>Fourth level</a:t>
             </a:r>
           </a:p>
           <a:p>
             <a:pPr lvl="4"/>
             <a:r>
-              <a:rPr lang="en-US" smtClean="0"/>
+              <a:rPr lang="en-US"/>
               <a:t>Fifth level</a:t>
             </a:r>
             <a:endParaRPr lang="en-US" dirty="0"/>
@@ -3670,35 +3669,35 @@
           <a:p>
             <a:pPr lvl="0"/>
             <a:r>
-              <a:rPr lang="en-US" smtClean="0"/>
+              <a:rPr lang="en-US"/>
               <a:t>Click to edit Master text styles</a:t>
             </a:r>
           </a:p>
           <a:p>
             <a:pPr lvl="1"/>
             <a:r>
-              <a:rPr lang="en-US" smtClean="0"/>
+              <a:rPr lang="en-US"/>
               <a:t>Second level</a:t>
             </a:r>
           </a:p>
           <a:p>
             <a:pPr lvl="2"/>
             <a:r>
-              <a:rPr lang="en-US" smtClean="0"/>
+              <a:rPr lang="en-US"/>
               <a:t>Third level</a:t>
             </a:r>
           </a:p>
           <a:p>
             <a:pPr lvl="3"/>
             <a:r>
-              <a:rPr lang="en-US" smtClean="0"/>
+              <a:rPr lang="en-US"/>
               <a:t>Fourth level</a:t>
             </a:r>
           </a:p>
           <a:p>
             <a:pPr lvl="4"/>
             <a:r>
-              <a:rPr lang="en-US" smtClean="0"/>
+              <a:rPr lang="en-US"/>
               <a:t>Fifth level</a:t>
             </a:r>
             <a:endParaRPr lang="en-US" dirty="0"/>
@@ -3770,7 +3769,7 @@
           </a:lstStyle>
           <a:p>
             <a:r>
-              <a:rPr lang="en-US" smtClean="0"/>
+              <a:rPr lang="en-US"/>
               <a:t>Click to edit Master title style</a:t>
             </a:r>
             <a:endParaRPr lang="en-US" dirty="0"/>
@@ -3845,7 +3844,7 @@
           <a:p>
             <a:pPr lvl="0"/>
             <a:r>
-              <a:rPr lang="en-US" smtClean="0"/>
+              <a:rPr lang="en-US"/>
               <a:t>Click to edit Master text styles</a:t>
             </a:r>
           </a:p>
@@ -3916,35 +3915,35 @@
           <a:p>
             <a:pPr lvl="0"/>
             <a:r>
-              <a:rPr lang="en-US" smtClean="0"/>
+              <a:rPr lang="en-US"/>
               <a:t>Click to edit Master text styles</a:t>
             </a:r>
           </a:p>
           <a:p>
             <a:pPr lvl="1"/>
             <a:r>
-              <a:rPr lang="en-US" smtClean="0"/>
+              <a:rPr lang="en-US"/>
               <a:t>Second level</a:t>
             </a:r>
           </a:p>
           <a:p>
             <a:pPr lvl="2"/>
             <a:r>
-              <a:rPr lang="en-US" smtClean="0"/>
+              <a:rPr lang="en-US"/>
               <a:t>Third level</a:t>
             </a:r>
           </a:p>
           <a:p>
             <a:pPr lvl="3"/>
             <a:r>
-              <a:rPr lang="en-US" smtClean="0"/>
+              <a:rPr lang="en-US"/>
               <a:t>Fourth level</a:t>
             </a:r>
           </a:p>
           <a:p>
             <a:pPr lvl="4"/>
             <a:r>
-              <a:rPr lang="en-US" smtClean="0"/>
+              <a:rPr lang="en-US"/>
               <a:t>Fifth level</a:t>
             </a:r>
             <a:endParaRPr lang="en-US" dirty="0"/>
@@ -4019,7 +4018,7 @@
           <a:p>
             <a:pPr lvl="0"/>
             <a:r>
-              <a:rPr lang="en-US" smtClean="0"/>
+              <a:rPr lang="en-US"/>
               <a:t>Click to edit Master text styles</a:t>
             </a:r>
           </a:p>
@@ -4090,35 +4089,35 @@
           <a:p>
             <a:pPr lvl="0"/>
             <a:r>
-              <a:rPr lang="en-US" smtClean="0"/>
+              <a:rPr lang="en-US"/>
               <a:t>Click to edit Master text styles</a:t>
             </a:r>
           </a:p>
           <a:p>
             <a:pPr lvl="1"/>
             <a:r>
-              <a:rPr lang="en-US" smtClean="0"/>
+              <a:rPr lang="en-US"/>
               <a:t>Second level</a:t>
             </a:r>
           </a:p>
           <a:p>
             <a:pPr lvl="2"/>
             <a:r>
-              <a:rPr lang="en-US" smtClean="0"/>
+              <a:rPr lang="en-US"/>
               <a:t>Third level</a:t>
             </a:r>
           </a:p>
           <a:p>
             <a:pPr lvl="3"/>
             <a:r>
-              <a:rPr lang="en-US" smtClean="0"/>
+              <a:rPr lang="en-US"/>
               <a:t>Fourth level</a:t>
             </a:r>
           </a:p>
           <a:p>
             <a:pPr lvl="4"/>
             <a:r>
-              <a:rPr lang="en-US" smtClean="0"/>
+              <a:rPr lang="en-US"/>
               <a:t>Fifth level</a:t>
             </a:r>
             <a:endParaRPr lang="en-US" dirty="0"/>
@@ -4412,7 +4411,6 @@
           <a:ln>
             <a:noFill/>
           </a:ln>
-          <a:extLst/>
         </p:spPr>
         <p:txBody>
           <a:bodyPr/>
@@ -4536,7 +4534,7 @@
             <a:pPr eaLnBrk="1" hangingPunct="1">
               <a:defRPr/>
             </a:pPr>
-            <a:endParaRPr lang="en-US" altLang="en-US" sz="3600" smtClean="0"/>
+            <a:endParaRPr lang="en-US" altLang="en-US" sz="3600"/>
           </a:p>
         </p:txBody>
       </p:sp>
@@ -4562,7 +4560,6 @@
           <a:ln>
             <a:noFill/>
           </a:ln>
-          <a:extLst/>
         </p:spPr>
         <p:txBody>
           <a:bodyPr/>
@@ -4686,7 +4683,7 @@
             <a:pPr eaLnBrk="1" hangingPunct="1">
               <a:defRPr/>
             </a:pPr>
-            <a:endParaRPr lang="en-US" altLang="en-US" sz="3600" smtClean="0"/>
+            <a:endParaRPr lang="en-US" altLang="en-US" sz="3600"/>
           </a:p>
         </p:txBody>
       </p:sp>
@@ -5200,35 +5197,35 @@
           <a:p>
             <a:pPr lvl="0"/>
             <a:r>
-              <a:rPr lang="en-US" smtClean="0"/>
+              <a:rPr lang="en-US"/>
               <a:t>Click to edit Master text styles</a:t>
             </a:r>
           </a:p>
           <a:p>
             <a:pPr lvl="1"/>
             <a:r>
-              <a:rPr lang="en-US" smtClean="0"/>
+              <a:rPr lang="en-US"/>
               <a:t>Second level</a:t>
             </a:r>
           </a:p>
           <a:p>
             <a:pPr lvl="2"/>
             <a:r>
-              <a:rPr lang="en-US" smtClean="0"/>
+              <a:rPr lang="en-US"/>
               <a:t>Third level</a:t>
             </a:r>
           </a:p>
           <a:p>
             <a:pPr lvl="3"/>
             <a:r>
-              <a:rPr lang="en-US" smtClean="0"/>
+              <a:rPr lang="en-US"/>
               <a:t>Fourth level</a:t>
             </a:r>
           </a:p>
           <a:p>
             <a:pPr lvl="4"/>
             <a:r>
-              <a:rPr lang="en-US" smtClean="0"/>
+              <a:rPr lang="en-US"/>
               <a:t>Fifth level</a:t>
             </a:r>
             <a:endParaRPr lang="en-US" dirty="0"/>
@@ -5288,7 +5285,7 @@
           <a:lstStyle/>
           <a:p>
             <a:r>
-              <a:rPr lang="en-US" sz="2300" dirty="0" smtClean="0">
+              <a:rPr lang="en-US" sz="2300" dirty="0">
                 <a:solidFill>
                   <a:srgbClr val="FFFFFF"/>
                 </a:solidFill>
@@ -5297,13 +5294,6 @@
               </a:rPr>
               <a:t>Dictionaries – Part 1</a:t>
             </a:r>
-            <a:endParaRPr lang="en-US" sz="2300" dirty="0">
-              <a:solidFill>
-                <a:srgbClr val="FFFFFF"/>
-              </a:solidFill>
-              <a:latin typeface="Lucida Grande"/>
-              <a:cs typeface="Lucida Grande"/>
-            </a:endParaRPr>
           </a:p>
         </p:txBody>
       </p:sp>
@@ -5331,7 +5321,7 @@
           <a:p>
             <a:pPr algn="ctr"/>
             <a:r>
-              <a:rPr lang="en-US" sz="1700" b="0" dirty="0" smtClean="0">
+              <a:rPr lang="en-US" sz="1700" b="0" dirty="0">
                 <a:solidFill>
                   <a:schemeClr val="bg1"/>
                 </a:solidFill>
@@ -5341,7 +5331,7 @@
               <a:t>PYTHON</a:t>
             </a:r>
             <a:r>
-              <a:rPr lang="en-US" sz="1700" baseline="0" dirty="0" smtClean="0">
+              <a:rPr lang="en-US" sz="1700" baseline="0" dirty="0">
                 <a:solidFill>
                   <a:schemeClr val="bg1"/>
                 </a:solidFill>
@@ -5354,7 +5344,7 @@
           <a:p>
             <a:pPr algn="ctr"/>
             <a:r>
-              <a:rPr lang="en-US" sz="1700" baseline="0" dirty="0" smtClean="0">
+              <a:rPr lang="en-US" sz="1700" baseline="0" dirty="0">
                 <a:solidFill>
                   <a:schemeClr val="bg1"/>
                 </a:solidFill>
@@ -5392,13 +5382,6 @@
     <p:sldLayoutId id="2147483717" r:id="rId8"/>
     <p:sldLayoutId id="2147483718" r:id="rId9"/>
   </p:sldLayoutIdLst>
-  <p:timing>
-    <p:tnLst>
-      <p:par>
-        <p:cTn xmlns:p14="http://schemas.microsoft.com/office/powerpoint/2010/main" id="1" dur="indefinite" restart="never" nodeType="tmRoot"/>
-      </p:par>
-    </p:tnLst>
-  </p:timing>
   <p:hf sldNum="0" hdr="0" ftr="0" dt="0"/>
   <p:txStyles>
     <p:titleStyle>
@@ -5713,7 +5696,7 @@
               <a:buNone/>
             </a:pPr>
             <a:r>
-              <a:rPr lang="en-US" sz="7600" u="none" strike="noStrike" cap="none">
+              <a:rPr lang="es-MX" sz="7600">
                 <a:solidFill>
                   <a:srgbClr val="FFFF00"/>
                 </a:solidFill>
@@ -5722,8 +5705,17 @@
                 <a:cs typeface="Arial" charset="0"/>
                 <a:sym typeface="Cabin"/>
               </a:rPr>
-              <a:t>Python Dictionaries</a:t>
-            </a:r>
+              <a:t>Diccionarios en Python</a:t>
+            </a:r>
+            <a:endParaRPr lang="es-MX" sz="7600" u="none" strike="noStrike" cap="none">
+              <a:solidFill>
+                <a:srgbClr val="FFFF00"/>
+              </a:solidFill>
+              <a:latin typeface="Arial" charset="0"/>
+              <a:ea typeface="Arial" charset="0"/>
+              <a:cs typeface="Arial" charset="0"/>
+              <a:sym typeface="Cabin"/>
+            </a:endParaRPr>
           </a:p>
         </p:txBody>
       </p:sp>
@@ -5770,7 +5762,7 @@
               <a:buNone/>
             </a:pPr>
             <a:r>
-              <a:rPr lang="en-US" sz="4800" u="none" strike="noStrike" cap="none">
+              <a:rPr lang="en-US" sz="4800" u="none" strike="noStrike" cap="none" dirty="0">
                 <a:solidFill>
                   <a:schemeClr val="lt1"/>
                 </a:solidFill>
@@ -5779,7 +5771,31 @@
                 <a:cs typeface="Arial" charset="0"/>
                 <a:sym typeface="Cabin"/>
               </a:rPr>
-              <a:t>Chapter 9</a:t>
+              <a:t>Cap</a:t>
+            </a:r>
+            <a:r>
+              <a:rPr lang="es-MX" sz="4800" u="none" strike="noStrike" cap="none" dirty="0" err="1">
+                <a:solidFill>
+                  <a:schemeClr val="lt1"/>
+                </a:solidFill>
+                <a:latin typeface="Arial" charset="0"/>
+                <a:ea typeface="Arial" charset="0"/>
+                <a:cs typeface="Arial" charset="0"/>
+                <a:sym typeface="Cabin"/>
+              </a:rPr>
+              <a:t>ítulo</a:t>
+            </a:r>
+            <a:r>
+              <a:rPr lang="en-US" sz="4800" u="none" strike="noStrike" cap="none" dirty="0">
+                <a:solidFill>
+                  <a:schemeClr val="lt1"/>
+                </a:solidFill>
+                <a:latin typeface="Arial" charset="0"/>
+                <a:ea typeface="Arial" charset="0"/>
+                <a:cs typeface="Arial" charset="0"/>
+                <a:sym typeface="Cabin"/>
+              </a:rPr>
+              <a:t> 9</a:t>
             </a:r>
           </a:p>
         </p:txBody>
@@ -5836,10 +5852,10 @@
                 <a:cs typeface="Arial" charset="0"/>
                 <a:sym typeface="Cabin"/>
               </a:rPr>
-              <a:t>Python for </a:t>
-            </a:r>
-            <a:r>
-              <a:rPr lang="en-US" sz="3200" dirty="0" smtClean="0">
+              <a:t>Python para </a:t>
+            </a:r>
+            <a:r>
+              <a:rPr lang="en-US" sz="3200" u="none" strike="noStrike" cap="none" dirty="0" err="1">
                 <a:solidFill>
                   <a:srgbClr val="FFFF00"/>
                 </a:solidFill>
@@ -5848,40 +5864,9 @@
                 <a:cs typeface="Arial" charset="0"/>
                 <a:sym typeface="Cabin"/>
               </a:rPr>
-              <a:t>Everybody</a:t>
-            </a:r>
-          </a:p>
-          <a:p>
-            <a:pPr marL="0" marR="0" lvl="0" indent="0" algn="ctr" rtl="0">
-              <a:lnSpc>
-                <a:spcPct val="100000"/>
-              </a:lnSpc>
-              <a:spcBef>
-                <a:spcPts val="0"/>
-              </a:spcBef>
-              <a:spcAft>
-                <a:spcPts val="0"/>
-              </a:spcAft>
-              <a:buClr>
-                <a:srgbClr val="FFFF00"/>
-              </a:buClr>
-              <a:buSzPct val="25000"/>
-              <a:buFont typeface="Cabin"/>
-              <a:buNone/>
-            </a:pPr>
-            <a:r>
-              <a:rPr lang="en-US" sz="3200" u="none" strike="noStrike" cap="none" dirty="0" smtClean="0">
-                <a:solidFill>
-                  <a:srgbClr val="FFFF00"/>
-                </a:solidFill>
-                <a:latin typeface="Arial" charset="0"/>
-                <a:ea typeface="Arial" charset="0"/>
-                <a:cs typeface="Arial" charset="0"/>
-                <a:sym typeface="Cabin"/>
-              </a:rPr>
-              <a:t>www.py4e.com</a:t>
-            </a:r>
-            <a:endParaRPr lang="en-US" sz="3200" u="none" strike="noStrike" cap="none" dirty="0">
+              <a:t>Todos</a:t>
+            </a:r>
+            <a:endParaRPr lang="en-US" sz="3200" dirty="0">
               <a:solidFill>
                 <a:srgbClr val="FFFF00"/>
               </a:solidFill>
@@ -5890,6 +5875,37 @@
               <a:cs typeface="Arial" charset="0"/>
               <a:sym typeface="Cabin"/>
             </a:endParaRPr>
+          </a:p>
+          <a:p>
+            <a:pPr marL="0" marR="0" lvl="0" indent="0" algn="ctr" rtl="0">
+              <a:lnSpc>
+                <a:spcPct val="100000"/>
+              </a:lnSpc>
+              <a:spcBef>
+                <a:spcPts val="0"/>
+              </a:spcBef>
+              <a:spcAft>
+                <a:spcPts val="0"/>
+              </a:spcAft>
+              <a:buClr>
+                <a:srgbClr val="FFFF00"/>
+              </a:buClr>
+              <a:buSzPct val="25000"/>
+              <a:buFont typeface="Cabin"/>
+              <a:buNone/>
+            </a:pPr>
+            <a:r>
+              <a:rPr lang="en-US" sz="3200" u="none" strike="noStrike" cap="none" dirty="0">
+                <a:solidFill>
+                  <a:srgbClr val="FFFF00"/>
+                </a:solidFill>
+                <a:latin typeface="Arial" charset="0"/>
+                <a:ea typeface="Arial" charset="0"/>
+                <a:cs typeface="Arial" charset="0"/>
+                <a:sym typeface="Cabin"/>
+              </a:rPr>
+              <a:t>es.py4e.com</a:t>
+            </a:r>
           </a:p>
         </p:txBody>
       </p:sp>
@@ -5952,13 +5968,6 @@
   <p:clrMapOvr>
     <a:masterClrMapping/>
   </p:clrMapOvr>
-  <p:timing>
-    <p:tnLst>
-      <p:par>
-        <p:cTn xmlns:p14="http://schemas.microsoft.com/office/powerpoint/2010/main" id="1" dur="indefinite" restart="never" nodeType="tmRoot"/>
-      </p:par>
-    </p:tnLst>
-  </p:timing>
 </p:sld>
 </file>
 
@@ -6022,7 +6031,7 @@
               <a:buNone/>
             </a:pPr>
             <a:r>
-              <a:rPr lang="en-US" sz="7600" u="none" strike="noStrike" cap="none" dirty="0">
+              <a:rPr lang="es-419" sz="7600" u="none" strike="noStrike" cap="none" dirty="0">
                 <a:solidFill>
                   <a:srgbClr val="FFFF00"/>
                 </a:solidFill>
@@ -6031,7 +6040,7 @@
                 <a:cs typeface="Arial" charset="0"/>
                 <a:sym typeface="Cabin"/>
               </a:rPr>
-              <a:t>Dictionary Literals (Constants)</a:t>
+              <a:t>Literales de Diccionarios (Constantes)</a:t>
             </a:r>
           </a:p>
         </p:txBody>
@@ -6048,7 +6057,7 @@
         </p:nvSpPr>
         <p:spPr>
           <a:xfrm>
-            <a:off x="1155700" y="2503604"/>
+            <a:off x="1068018" y="3032126"/>
             <a:ext cx="13931900" cy="1539874"/>
           </a:xfrm>
           <a:prstGeom prst="rect">
@@ -6077,7 +6086,7 @@
               <a:buChar char="•"/>
             </a:pPr>
             <a:r>
-              <a:rPr lang="en-US" sz="3200" b="0" u="none" strike="noStrike" cap="none" dirty="0" smtClean="0">
+              <a:rPr lang="es-419" sz="3200" b="0" u="none" strike="noStrike" cap="none" dirty="0">
                 <a:solidFill>
                   <a:schemeClr val="lt1"/>
                 </a:solidFill>
@@ -6086,70 +6095,92 @@
                 <a:cs typeface="Arial" charset="0"/>
                 <a:sym typeface="Cabin"/>
               </a:rPr>
-              <a:t>Dictionary </a:t>
-            </a:r>
-            <a:r>
-              <a:rPr lang="en-US" sz="3200" b="0" u="none" strike="noStrike" cap="none" dirty="0">
-                <a:solidFill>
-                  <a:schemeClr val="lt1"/>
+              <a:t>Las literales de diccionarios se escriben con llaves y tienen una lista en par tipo </a:t>
+            </a:r>
+            <a:r>
+              <a:rPr lang="es-419" sz="3200" b="0" dirty="0">
+                <a:solidFill>
+                  <a:srgbClr val="00FF00"/>
                 </a:solidFill>
                 <a:latin typeface="Arial" charset="0"/>
                 <a:ea typeface="Arial" charset="0"/>
                 <a:cs typeface="Arial" charset="0"/>
                 <a:sym typeface="Cabin"/>
               </a:rPr>
-              <a:t>literals use curly braces and have a list of </a:t>
-            </a:r>
-            <a:r>
-              <a:rPr lang="en-US" sz="3200" b="0" u="none" strike="noStrike" cap="none" dirty="0">
-                <a:solidFill>
-                  <a:srgbClr val="00FF00"/>
+              <a:t>clave</a:t>
+            </a:r>
+            <a:r>
+              <a:rPr lang="es-419" sz="3200" b="0" u="none" strike="noStrike" cap="none" dirty="0">
+                <a:solidFill>
+                  <a:schemeClr val="lt1"/>
                 </a:solidFill>
                 <a:latin typeface="Arial" charset="0"/>
                 <a:ea typeface="Arial" charset="0"/>
                 <a:cs typeface="Arial" charset="0"/>
                 <a:sym typeface="Cabin"/>
               </a:rPr>
-              <a:t>key</a:t>
-            </a:r>
-            <a:r>
-              <a:rPr lang="en-US" sz="3200" b="0" u="none" strike="noStrike" cap="none" dirty="0">
-                <a:solidFill>
-                  <a:schemeClr val="lt1"/>
+              <a:t> : </a:t>
+            </a:r>
+            <a:r>
+              <a:rPr lang="es-419" sz="3200" b="0" u="none" strike="noStrike" cap="none" dirty="0">
+                <a:solidFill>
+                  <a:srgbClr val="FF00FF"/>
                 </a:solidFill>
                 <a:latin typeface="Arial" charset="0"/>
                 <a:ea typeface="Arial" charset="0"/>
                 <a:cs typeface="Arial" charset="0"/>
                 <a:sym typeface="Cabin"/>
               </a:rPr>
-              <a:t> : </a:t>
-            </a:r>
-            <a:r>
-              <a:rPr lang="en-US" sz="3200" b="0" u="none" strike="noStrike" cap="none" dirty="0">
-                <a:solidFill>
-                  <a:srgbClr val="FF00FF"/>
+              <a:t>valor</a:t>
+            </a:r>
+            <a:endParaRPr lang="es-419" sz="3200" b="0" u="none" strike="noStrike" cap="none" dirty="0">
+              <a:solidFill>
+                <a:schemeClr val="lt1"/>
+              </a:solidFill>
+              <a:latin typeface="Arial" charset="0"/>
+              <a:ea typeface="Arial" charset="0"/>
+              <a:cs typeface="Arial" charset="0"/>
+              <a:sym typeface="Cabin"/>
+            </a:endParaRPr>
+          </a:p>
+          <a:p>
+            <a:pPr marL="457200" marR="0" lvl="0" indent="-457200" algn="l" rtl="0">
+              <a:spcBef>
+                <a:spcPts val="3500"/>
+              </a:spcBef>
+              <a:spcAft>
+                <a:spcPts val="0"/>
+              </a:spcAft>
+              <a:buSzPct val="100000"/>
+              <a:buFont typeface="Arial"/>
+              <a:buChar char="•"/>
+            </a:pPr>
+            <a:r>
+              <a:rPr lang="es-419" sz="3200" b="0" u="none" strike="noStrike" cap="none" dirty="0">
+                <a:solidFill>
+                  <a:schemeClr val="lt1"/>
                 </a:solidFill>
                 <a:latin typeface="Arial" charset="0"/>
                 <a:ea typeface="Arial" charset="0"/>
                 <a:cs typeface="Arial" charset="0"/>
                 <a:sym typeface="Cabin"/>
               </a:rPr>
-              <a:t>value</a:t>
-            </a:r>
-            <a:r>
-              <a:rPr lang="en-US" sz="3200" b="0" u="none" strike="noStrike" cap="none" dirty="0">
-                <a:solidFill>
-                  <a:schemeClr val="lt1"/>
+              <a:t>Puedes inicializar un </a:t>
+            </a:r>
+            <a:r>
+              <a:rPr lang="es-419" sz="3200" b="0" dirty="0">
+                <a:solidFill>
+                  <a:srgbClr val="FF7F00"/>
                 </a:solidFill>
                 <a:latin typeface="Arial" charset="0"/>
                 <a:ea typeface="Arial" charset="0"/>
                 <a:cs typeface="Arial" charset="0"/>
                 <a:sym typeface="Cabin"/>
               </a:rPr>
-              <a:t> </a:t>
-            </a:r>
-            <a:r>
-              <a:rPr lang="en-US" sz="3200" b="0" u="none" strike="noStrike" cap="none" dirty="0" smtClean="0">
+              <a:t>diccionario vacío</a:t>
+            </a:r>
+            <a:r>
+              <a:rPr lang="es-419" sz="3200" b="0" u="none" strike="noStrike" cap="none" dirty="0">
                 <a:solidFill>
                   <a:schemeClr val="lt1"/>
                 </a:solidFill>
@@ -6158,80 +6189,7 @@
                 <a:cs typeface="Arial" charset="0"/>
                 <a:sym typeface="Cabin"/>
               </a:rPr>
-              <a:t>pairs</a:t>
-            </a:r>
-          </a:p>
-          <a:p>
-            <a:pPr marL="457200" marR="0" lvl="0" indent="-457200" algn="l" rtl="0">
-              <a:spcBef>
-                <a:spcPts val="3500"/>
-              </a:spcBef>
-              <a:spcAft>
-                <a:spcPts val="0"/>
-              </a:spcAft>
-              <a:buSzPct val="100000"/>
-              <a:buFont typeface="Arial"/>
-              <a:buChar char="•"/>
-            </a:pPr>
-            <a:r>
-              <a:rPr lang="en-US" sz="3200" b="0" u="none" strike="noStrike" cap="none" dirty="0" smtClean="0">
-                <a:solidFill>
-                  <a:schemeClr val="lt1"/>
-                </a:solidFill>
-                <a:latin typeface="Arial" charset="0"/>
-                <a:ea typeface="Arial" charset="0"/>
-                <a:cs typeface="Arial" charset="0"/>
-                <a:sym typeface="Cabin"/>
-              </a:rPr>
-              <a:t>You </a:t>
-            </a:r>
-            <a:r>
-              <a:rPr lang="en-US" sz="3200" b="0" u="none" strike="noStrike" cap="none" dirty="0">
-                <a:solidFill>
-                  <a:schemeClr val="lt1"/>
-                </a:solidFill>
-                <a:latin typeface="Arial" charset="0"/>
-                <a:ea typeface="Arial" charset="0"/>
-                <a:cs typeface="Arial" charset="0"/>
-                <a:sym typeface="Cabin"/>
-              </a:rPr>
-              <a:t>can make </a:t>
-            </a:r>
-            <a:r>
-              <a:rPr lang="en-US" sz="3200" b="0" u="none" strike="noStrike" cap="none" dirty="0" smtClean="0">
-                <a:solidFill>
-                  <a:schemeClr val="lt1"/>
-                </a:solidFill>
-                <a:latin typeface="Arial" charset="0"/>
-                <a:ea typeface="Arial" charset="0"/>
-                <a:cs typeface="Arial" charset="0"/>
-                <a:sym typeface="Cabin"/>
-              </a:rPr>
-              <a:t>an </a:t>
-            </a:r>
-            <a:r>
-              <a:rPr lang="en-US" sz="3200" b="0" u="none" strike="noStrike" cap="none" dirty="0">
-                <a:solidFill>
-                  <a:srgbClr val="FF7F00"/>
-                </a:solidFill>
-                <a:latin typeface="Arial" charset="0"/>
-                <a:ea typeface="Arial" charset="0"/>
-                <a:cs typeface="Arial" charset="0"/>
-                <a:sym typeface="Cabin"/>
-              </a:rPr>
-              <a:t>empty dictionary</a:t>
-            </a:r>
-            <a:r>
-              <a:rPr lang="en-US" sz="3200" b="0" u="none" strike="noStrike" cap="none" dirty="0">
-                <a:solidFill>
-                  <a:schemeClr val="lt1"/>
-                </a:solidFill>
-                <a:latin typeface="Arial" charset="0"/>
-                <a:ea typeface="Arial" charset="0"/>
-                <a:cs typeface="Arial" charset="0"/>
-                <a:sym typeface="Cabin"/>
-              </a:rPr>
-              <a:t> using empty curly braces</a:t>
+              <a:t> escribiendo corchetes vacíos</a:t>
             </a:r>
           </a:p>
         </p:txBody>
@@ -6244,7 +6202,7 @@
         </p:nvSpPr>
         <p:spPr>
           <a:xfrm>
-            <a:off x="1994000" y="4447900"/>
+            <a:off x="1994000" y="5136831"/>
             <a:ext cx="12465600" cy="3382063"/>
           </a:xfrm>
           <a:prstGeom prst="rect">
@@ -6279,7 +6237,7 @@
               <a:buNone/>
             </a:pPr>
             <a:r>
-              <a:rPr lang="en-US" sz="3000" b="1" i="0" u="none" strike="noStrike" cap="none" dirty="0">
+              <a:rPr lang="es-419" sz="3000" b="1" i="0" u="none" strike="noStrike" cap="none" dirty="0">
                 <a:solidFill>
                   <a:schemeClr val="lt1"/>
                 </a:solidFill>
@@ -6291,7 +6249,7 @@
               <a:t>&gt;&gt;&gt; </a:t>
             </a:r>
             <a:r>
-              <a:rPr lang="en-US" sz="3000" b="1" i="0" u="none" strike="noStrike" cap="none" dirty="0" err="1">
+              <a:rPr lang="es-419" sz="3000" b="1" i="0" u="none" strike="noStrike" cap="none" dirty="0" err="1">
                 <a:solidFill>
                   <a:schemeClr val="lt1"/>
                 </a:solidFill>
@@ -6303,7 +6261,7 @@
               <a:t>jjj</a:t>
             </a:r>
             <a:r>
-              <a:rPr lang="en-US" sz="3000" b="1" i="0" u="none" strike="noStrike" cap="none" dirty="0">
+              <a:rPr lang="es-419" sz="3000" b="1" i="0" u="none" strike="noStrike" cap="none" dirty="0">
                 <a:solidFill>
                   <a:schemeClr val="lt1"/>
                 </a:solidFill>
@@ -6315,7 +6273,7 @@
               <a:t> = { '</a:t>
             </a:r>
             <a:r>
-              <a:rPr lang="en-US" sz="3000" b="1" i="0" u="none" strike="noStrike" cap="none" dirty="0">
+              <a:rPr lang="es-419" sz="3000" b="1" i="0" u="none" strike="noStrike" cap="none" dirty="0" err="1">
                 <a:solidFill>
                   <a:srgbClr val="00FF00"/>
                 </a:solidFill>
@@ -6327,7 +6285,7 @@
               <a:t>chuck</a:t>
             </a:r>
             <a:r>
-              <a:rPr lang="en-US" sz="3000" b="1" i="0" u="none" strike="noStrike" cap="none" dirty="0">
+              <a:rPr lang="es-419" sz="3000" b="1" i="0" u="none" strike="noStrike" cap="none" dirty="0">
                 <a:solidFill>
                   <a:schemeClr val="lt1"/>
                 </a:solidFill>
@@ -6339,7 +6297,7 @@
               <a:t>' : </a:t>
             </a:r>
             <a:r>
-              <a:rPr lang="en-US" sz="3000" b="1" i="0" u="none" strike="noStrike" cap="none" dirty="0">
+              <a:rPr lang="es-419" sz="3000" b="1" i="0" u="none" strike="noStrike" cap="none" dirty="0">
                 <a:solidFill>
                   <a:srgbClr val="FF00FF"/>
                 </a:solidFill>
@@ -6351,7 +6309,7 @@
               <a:t>1</a:t>
             </a:r>
             <a:r>
-              <a:rPr lang="en-US" sz="3000" b="1" i="0" u="none" strike="noStrike" cap="none" dirty="0">
+              <a:rPr lang="es-419" sz="3000" b="1" i="0" u="none" strike="noStrike" cap="none" dirty="0">
                 <a:solidFill>
                   <a:schemeClr val="lt1"/>
                 </a:solidFill>
@@ -6363,7 +6321,7 @@
               <a:t> , '</a:t>
             </a:r>
             <a:r>
-              <a:rPr lang="en-US" sz="3000" b="1" i="0" u="none" strike="noStrike" cap="none" dirty="0" err="1">
+              <a:rPr lang="es-419" sz="3000" b="1" i="0" u="none" strike="noStrike" cap="none" dirty="0" err="1">
                 <a:solidFill>
                   <a:srgbClr val="00FF00"/>
                 </a:solidFill>
@@ -6375,7 +6333,7 @@
               <a:t>fred</a:t>
             </a:r>
             <a:r>
-              <a:rPr lang="en-US" sz="3000" b="1" i="0" u="none" strike="noStrike" cap="none" dirty="0">
+              <a:rPr lang="es-419" sz="3000" b="1" i="0" u="none" strike="noStrike" cap="none" dirty="0">
                 <a:solidFill>
                   <a:schemeClr val="lt1"/>
                 </a:solidFill>
@@ -6387,7 +6345,7 @@
               <a:t>' : </a:t>
             </a:r>
             <a:r>
-              <a:rPr lang="en-US" sz="3000" b="1" i="0" u="none" strike="noStrike" cap="none" dirty="0">
+              <a:rPr lang="es-419" sz="3000" b="1" i="0" u="none" strike="noStrike" cap="none" dirty="0">
                 <a:solidFill>
                   <a:srgbClr val="FF00FF"/>
                 </a:solidFill>
@@ -6399,7 +6357,7 @@
               <a:t>42</a:t>
             </a:r>
             <a:r>
-              <a:rPr lang="en-US" sz="3000" b="1" i="0" u="none" strike="noStrike" cap="none" dirty="0">
+              <a:rPr lang="es-419" sz="3000" b="1" i="0" u="none" strike="noStrike" cap="none" dirty="0">
                 <a:solidFill>
                   <a:schemeClr val="lt1"/>
                 </a:solidFill>
@@ -6411,7 +6369,7 @@
               <a:t>, '</a:t>
             </a:r>
             <a:r>
-              <a:rPr lang="en-US" sz="3000" b="1" i="0" u="none" strike="noStrike" cap="none" dirty="0" err="1">
+              <a:rPr lang="es-419" sz="3000" b="1" i="0" u="none" strike="noStrike" cap="none" dirty="0" err="1">
                 <a:solidFill>
                   <a:srgbClr val="00FF00"/>
                 </a:solidFill>
@@ -6423,7 +6381,7 @@
               <a:t>jan</a:t>
             </a:r>
             <a:r>
-              <a:rPr lang="en-US" sz="3000" b="1" i="0" u="none" strike="noStrike" cap="none" dirty="0">
+              <a:rPr lang="es-419" sz="3000" b="1" i="0" u="none" strike="noStrike" cap="none" dirty="0">
                 <a:solidFill>
                   <a:schemeClr val="lt1"/>
                 </a:solidFill>
@@ -6435,7 +6393,7 @@
               <a:t>': </a:t>
             </a:r>
             <a:r>
-              <a:rPr lang="en-US" sz="3000" b="1" i="0" u="none" strike="noStrike" cap="none" dirty="0">
+              <a:rPr lang="es-419" sz="3000" b="1" i="0" u="none" strike="noStrike" cap="none" dirty="0">
                 <a:solidFill>
                   <a:srgbClr val="FF00FF"/>
                 </a:solidFill>
@@ -6447,7 +6405,7 @@
               <a:t>100</a:t>
             </a:r>
             <a:r>
-              <a:rPr lang="en-US" sz="3000" b="1" i="0" u="none" strike="noStrike" cap="none" dirty="0">
+              <a:rPr lang="es-419" sz="3000" b="1" i="0" u="none" strike="noStrike" cap="none" dirty="0">
                 <a:solidFill>
                   <a:schemeClr val="lt1"/>
                 </a:solidFill>
@@ -6478,7 +6436,7 @@
               <a:buNone/>
             </a:pPr>
             <a:r>
-              <a:rPr lang="en-US" sz="3000" b="1" i="0" u="none" strike="noStrike" cap="none" dirty="0">
+              <a:rPr lang="es-419" sz="3000" b="1" i="0" u="none" strike="noStrike" cap="none" dirty="0">
                 <a:solidFill>
                   <a:schemeClr val="lt1"/>
                 </a:solidFill>
@@ -6490,7 +6448,7 @@
               <a:t>&gt;&gt;&gt; </a:t>
             </a:r>
             <a:r>
-              <a:rPr lang="en-US" sz="3000" b="1" i="0" u="none" strike="noStrike" cap="none" dirty="0" smtClean="0">
+              <a:rPr lang="es-419" sz="3000" b="1" i="0" u="none" strike="noStrike" cap="none" dirty="0" err="1">
                 <a:solidFill>
                   <a:srgbClr val="FFFF00"/>
                 </a:solidFill>
@@ -6499,10 +6457,22 @@
                 <a:cs typeface="Courier New"/>
                 <a:sym typeface="Courier New"/>
               </a:rPr>
-              <a:t>print(</a:t>
-            </a:r>
-            <a:r>
-              <a:rPr lang="en-US" sz="3000" b="1" i="0" u="none" strike="noStrike" cap="none" dirty="0" err="1" smtClean="0">
+              <a:t>print</a:t>
+            </a:r>
+            <a:r>
+              <a:rPr lang="es-419" sz="3000" b="1" i="0" u="none" strike="noStrike" cap="none" dirty="0">
+                <a:solidFill>
+                  <a:srgbClr val="FFFF00"/>
+                </a:solidFill>
+                <a:latin typeface="Courier New"/>
+                <a:ea typeface="Courier New"/>
+                <a:cs typeface="Courier New"/>
+                <a:sym typeface="Courier New"/>
+              </a:rPr>
+              <a:t>(</a:t>
+            </a:r>
+            <a:r>
+              <a:rPr lang="es-419" sz="3000" b="1" i="0" u="none" strike="noStrike" cap="none" dirty="0" err="1">
                 <a:solidFill>
                   <a:schemeClr val="lt1"/>
                 </a:solidFill>
@@ -6514,7 +6484,7 @@
               <a:t>jjj</a:t>
             </a:r>
             <a:r>
-              <a:rPr lang="en-US" sz="3000" b="1" i="0" u="none" strike="noStrike" cap="none" dirty="0" smtClean="0">
+              <a:rPr lang="es-419" sz="3000" b="1" i="0" u="none" strike="noStrike" cap="none" dirty="0">
                 <a:solidFill>
                   <a:srgbClr val="FFFF00"/>
                 </a:solidFill>
@@ -6525,15 +6495,6 @@
               </a:rPr>
               <a:t>)</a:t>
             </a:r>
-            <a:endParaRPr lang="en-US" sz="3000" b="1" i="0" u="none" strike="noStrike" cap="none" dirty="0">
-              <a:solidFill>
-                <a:srgbClr val="FFFF00"/>
-              </a:solidFill>
-              <a:latin typeface="Courier New"/>
-              <a:ea typeface="Courier New"/>
-              <a:cs typeface="Courier New"/>
-              <a:sym typeface="Courier New"/>
-            </a:endParaRPr>
           </a:p>
           <a:p>
             <a:pPr marL="0" marR="0" lvl="0" indent="0" algn="l" rtl="0">
@@ -6554,7 +6515,7 @@
               <a:buNone/>
             </a:pPr>
             <a:r>
-              <a:rPr lang="en-US" sz="3000" b="1" i="0" u="none" strike="noStrike" cap="none" dirty="0">
+              <a:rPr lang="es-419" sz="3000" b="1" i="0" u="none" strike="noStrike" cap="none" dirty="0">
                 <a:solidFill>
                   <a:schemeClr val="lt1"/>
                 </a:solidFill>
@@ -6566,7 +6527,7 @@
               <a:t>{'</a:t>
             </a:r>
             <a:r>
-              <a:rPr lang="en-US" sz="3000" b="1" i="0" u="none" strike="noStrike" cap="none" dirty="0" err="1">
+              <a:rPr lang="es-419" sz="3000" b="1" i="0" u="none" strike="noStrike" cap="none" dirty="0" err="1">
                 <a:solidFill>
                   <a:srgbClr val="00FF00"/>
                 </a:solidFill>
@@ -6578,7 +6539,7 @@
               <a:t>jan</a:t>
             </a:r>
             <a:r>
-              <a:rPr lang="en-US" sz="3000" b="1" i="0" u="none" strike="noStrike" cap="none" dirty="0">
+              <a:rPr lang="es-419" sz="3000" b="1" i="0" u="none" strike="noStrike" cap="none" dirty="0">
                 <a:solidFill>
                   <a:schemeClr val="lt1"/>
                 </a:solidFill>
@@ -6590,7 +6551,7 @@
               <a:t>': </a:t>
             </a:r>
             <a:r>
-              <a:rPr lang="en-US" sz="3000" b="1" i="0" u="none" strike="noStrike" cap="none" dirty="0">
+              <a:rPr lang="es-419" sz="3000" b="1" i="0" u="none" strike="noStrike" cap="none" dirty="0">
                 <a:solidFill>
                   <a:srgbClr val="FF00FF"/>
                 </a:solidFill>
@@ -6602,7 +6563,7 @@
               <a:t>100</a:t>
             </a:r>
             <a:r>
-              <a:rPr lang="en-US" sz="3000" b="1" i="0" u="none" strike="noStrike" cap="none" dirty="0">
+              <a:rPr lang="es-419" sz="3000" b="1" i="0" u="none" strike="noStrike" cap="none" dirty="0">
                 <a:solidFill>
                   <a:schemeClr val="lt1"/>
                 </a:solidFill>
@@ -6614,7 +6575,7 @@
               <a:t>, '</a:t>
             </a:r>
             <a:r>
-              <a:rPr lang="en-US" sz="3000" b="1" i="0" u="none" strike="noStrike" cap="none" dirty="0">
+              <a:rPr lang="es-419" sz="3000" b="1" i="0" u="none" strike="noStrike" cap="none" dirty="0" err="1">
                 <a:solidFill>
                   <a:srgbClr val="00FF00"/>
                 </a:solidFill>
@@ -6626,7 +6587,7 @@
               <a:t>chuck</a:t>
             </a:r>
             <a:r>
-              <a:rPr lang="en-US" sz="3000" b="1" i="0" u="none" strike="noStrike" cap="none" dirty="0">
+              <a:rPr lang="es-419" sz="3000" b="1" i="0" u="none" strike="noStrike" cap="none" dirty="0">
                 <a:solidFill>
                   <a:schemeClr val="lt1"/>
                 </a:solidFill>
@@ -6638,7 +6599,7 @@
               <a:t>': </a:t>
             </a:r>
             <a:r>
-              <a:rPr lang="en-US" sz="3000" b="1" i="0" u="none" strike="noStrike" cap="none" dirty="0">
+              <a:rPr lang="es-419" sz="3000" b="1" i="0" u="none" strike="noStrike" cap="none" dirty="0">
                 <a:solidFill>
                   <a:srgbClr val="FF00FF"/>
                 </a:solidFill>
@@ -6650,7 +6611,7 @@
               <a:t>1</a:t>
             </a:r>
             <a:r>
-              <a:rPr lang="en-US" sz="3000" b="1" i="0" u="none" strike="noStrike" cap="none" dirty="0">
+              <a:rPr lang="es-419" sz="3000" b="1" i="0" u="none" strike="noStrike" cap="none" dirty="0">
                 <a:solidFill>
                   <a:schemeClr val="lt1"/>
                 </a:solidFill>
@@ -6662,7 +6623,7 @@
               <a:t>, '</a:t>
             </a:r>
             <a:r>
-              <a:rPr lang="en-US" sz="3000" b="1" i="0" u="none" strike="noStrike" cap="none" dirty="0" err="1">
+              <a:rPr lang="es-419" sz="3000" b="1" i="0" u="none" strike="noStrike" cap="none" dirty="0" err="1">
                 <a:solidFill>
                   <a:srgbClr val="00FF00"/>
                 </a:solidFill>
@@ -6674,7 +6635,7 @@
               <a:t>fred</a:t>
             </a:r>
             <a:r>
-              <a:rPr lang="en-US" sz="3000" b="1" i="0" u="none" strike="noStrike" cap="none" dirty="0">
+              <a:rPr lang="es-419" sz="3000" b="1" i="0" u="none" strike="noStrike" cap="none" dirty="0">
                 <a:solidFill>
                   <a:schemeClr val="lt1"/>
                 </a:solidFill>
@@ -6686,7 +6647,7 @@
               <a:t>': </a:t>
             </a:r>
             <a:r>
-              <a:rPr lang="en-US" sz="3000" b="1" i="0" u="none" strike="noStrike" cap="none" dirty="0">
+              <a:rPr lang="es-419" sz="3000" b="1" i="0" u="none" strike="noStrike" cap="none" dirty="0">
                 <a:solidFill>
                   <a:srgbClr val="FF00FF"/>
                 </a:solidFill>
@@ -6698,7 +6659,7 @@
               <a:t>42</a:t>
             </a:r>
             <a:r>
-              <a:rPr lang="en-US" sz="3000" b="1" i="0" u="none" strike="noStrike" cap="none" dirty="0">
+              <a:rPr lang="es-419" sz="3000" b="1" i="0" u="none" strike="noStrike" cap="none" dirty="0">
                 <a:solidFill>
                   <a:schemeClr val="lt1"/>
                 </a:solidFill>
@@ -6729,7 +6690,7 @@
               <a:buNone/>
             </a:pPr>
             <a:r>
-              <a:rPr lang="en-US" sz="3000" b="1" i="0" u="none" strike="noStrike" cap="none" dirty="0">
+              <a:rPr lang="es-419" sz="3000" b="1" i="0" u="none" strike="noStrike" cap="none" dirty="0">
                 <a:solidFill>
                   <a:schemeClr val="lt1"/>
                 </a:solidFill>
@@ -6741,7 +6702,7 @@
               <a:t>&gt;&gt;&gt; </a:t>
             </a:r>
             <a:r>
-              <a:rPr lang="en-US" sz="3000" b="1" i="0" u="none" strike="noStrike" cap="none" dirty="0" err="1">
+              <a:rPr lang="es-419" sz="3000" b="1" i="0" u="none" strike="noStrike" cap="none" dirty="0" err="1">
                 <a:solidFill>
                   <a:schemeClr val="lt1"/>
                 </a:solidFill>
@@ -6753,7 +6714,7 @@
               <a:t>ooo</a:t>
             </a:r>
             <a:r>
-              <a:rPr lang="en-US" sz="3000" b="1" i="0" u="none" strike="noStrike" cap="none" dirty="0">
+              <a:rPr lang="es-419" sz="3000" b="1" i="0" u="none" strike="noStrike" cap="none" dirty="0">
                 <a:solidFill>
                   <a:schemeClr val="lt1"/>
                 </a:solidFill>
@@ -6765,7 +6726,7 @@
               <a:t> = </a:t>
             </a:r>
             <a:r>
-              <a:rPr lang="en-US" sz="3000" b="1" i="0" u="none" strike="noStrike" cap="none" dirty="0" smtClean="0">
+              <a:rPr lang="es-419" sz="3000" b="1" i="0" u="none" strike="noStrike" cap="none" dirty="0">
                 <a:solidFill>
                   <a:srgbClr val="FF7F00"/>
                 </a:solidFill>
@@ -6777,7 +6738,7 @@
               <a:t>{</a:t>
             </a:r>
             <a:r>
-              <a:rPr lang="en-US" sz="3000" b="1" i="0" u="none" strike="noStrike" cap="none" dirty="0" smtClean="0">
+              <a:rPr lang="es-419" sz="3000" b="1" i="0" u="none" strike="noStrike" cap="none" dirty="0">
                 <a:solidFill>
                   <a:srgbClr val="0000FF"/>
                 </a:solidFill>
@@ -6789,7 +6750,7 @@
               <a:t> </a:t>
             </a:r>
             <a:r>
-              <a:rPr lang="en-US" sz="3000" b="1" i="0" u="none" strike="noStrike" cap="none" dirty="0" smtClean="0">
+              <a:rPr lang="es-419" sz="3000" b="1" i="0" u="none" strike="noStrike" cap="none" dirty="0">
                 <a:solidFill>
                   <a:srgbClr val="FF7F00"/>
                 </a:solidFill>
@@ -6800,15 +6761,6 @@
               </a:rPr>
               <a:t>}</a:t>
             </a:r>
-            <a:endParaRPr lang="en-US" sz="3000" b="1" i="0" u="none" strike="noStrike" cap="none" dirty="0">
-              <a:solidFill>
-                <a:srgbClr val="FF7F00"/>
-              </a:solidFill>
-              <a:latin typeface="Courier New"/>
-              <a:ea typeface="Courier New"/>
-              <a:cs typeface="Courier New"/>
-              <a:sym typeface="Courier New"/>
-            </a:endParaRPr>
           </a:p>
           <a:p>
             <a:pPr marL="0" marR="0" lvl="0" indent="0" algn="l" rtl="0">
@@ -6829,7 +6781,7 @@
               <a:buNone/>
             </a:pPr>
             <a:r>
-              <a:rPr lang="en-US" sz="3000" b="1" i="0" u="none" strike="noStrike" cap="none" dirty="0">
+              <a:rPr lang="es-419" sz="3000" b="1" i="0" u="none" strike="noStrike" cap="none" dirty="0">
                 <a:solidFill>
                   <a:schemeClr val="lt1"/>
                 </a:solidFill>
@@ -6841,7 +6793,7 @@
               <a:t>&gt;&gt;&gt; </a:t>
             </a:r>
             <a:r>
-              <a:rPr lang="en-US" sz="3000" b="1" i="0" u="none" strike="noStrike" cap="none" dirty="0" smtClean="0">
+              <a:rPr lang="es-419" sz="3000" b="1" i="0" u="none" strike="noStrike" cap="none" dirty="0" err="1">
                 <a:solidFill>
                   <a:srgbClr val="FFFF00"/>
                 </a:solidFill>
@@ -6850,10 +6802,22 @@
                 <a:cs typeface="Courier New"/>
                 <a:sym typeface="Courier New"/>
               </a:rPr>
-              <a:t>print(</a:t>
-            </a:r>
-            <a:r>
-              <a:rPr lang="en-US" sz="3000" b="1" i="0" u="none" strike="noStrike" cap="none" dirty="0" err="1" smtClean="0">
+              <a:t>print</a:t>
+            </a:r>
+            <a:r>
+              <a:rPr lang="es-419" sz="3000" b="1" i="0" u="none" strike="noStrike" cap="none" dirty="0">
+                <a:solidFill>
+                  <a:srgbClr val="FFFF00"/>
+                </a:solidFill>
+                <a:latin typeface="Courier New"/>
+                <a:ea typeface="Courier New"/>
+                <a:cs typeface="Courier New"/>
+                <a:sym typeface="Courier New"/>
+              </a:rPr>
+              <a:t>(</a:t>
+            </a:r>
+            <a:r>
+              <a:rPr lang="es-419" sz="3000" b="1" i="0" u="none" strike="noStrike" cap="none" dirty="0" err="1">
                 <a:solidFill>
                   <a:schemeClr val="lt1"/>
                 </a:solidFill>
@@ -6865,7 +6829,7 @@
               <a:t>ooo</a:t>
             </a:r>
             <a:r>
-              <a:rPr lang="en-US" sz="3000" b="1" i="0" u="none" strike="noStrike" cap="none" dirty="0" smtClean="0">
+              <a:rPr lang="es-419" sz="3000" b="1" i="0" u="none" strike="noStrike" cap="none" dirty="0">
                 <a:solidFill>
                   <a:srgbClr val="FFFF00"/>
                 </a:solidFill>
@@ -6876,15 +6840,6 @@
               </a:rPr>
               <a:t>)</a:t>
             </a:r>
-            <a:endParaRPr lang="en-US" sz="3000" b="1" i="0" u="none" strike="noStrike" cap="none" dirty="0">
-              <a:solidFill>
-                <a:srgbClr val="FFFF00"/>
-              </a:solidFill>
-              <a:latin typeface="Courier New"/>
-              <a:ea typeface="Courier New"/>
-              <a:cs typeface="Courier New"/>
-              <a:sym typeface="Courier New"/>
-            </a:endParaRPr>
           </a:p>
           <a:p>
             <a:pPr marL="0" marR="0" lvl="0" indent="0" algn="l" rtl="0">
@@ -6905,7 +6860,7 @@
               <a:buNone/>
             </a:pPr>
             <a:r>
-              <a:rPr lang="en-US" sz="3000" b="1" i="0" u="none" strike="noStrike" cap="none" dirty="0">
+              <a:rPr lang="es-419" sz="3000" b="1" i="0" u="none" strike="noStrike" cap="none" dirty="0">
                 <a:solidFill>
                   <a:srgbClr val="FF7F00"/>
                 </a:solidFill>
@@ -6936,7 +6891,7 @@
               <a:buNone/>
             </a:pPr>
             <a:r>
-              <a:rPr lang="en-US" sz="3000" b="1" i="0" u="none" strike="noStrike" cap="none" dirty="0">
+              <a:rPr lang="es-419" sz="3000" b="1" i="0" u="none" strike="noStrike" cap="none" dirty="0">
                 <a:solidFill>
                   <a:schemeClr val="lt1"/>
                 </a:solidFill>
@@ -6955,13 +6910,6 @@
   <p:clrMapOvr>
     <a:masterClrMapping/>
   </p:clrMapOvr>
-  <p:timing>
-    <p:tnLst>
-      <p:par>
-        <p:cTn xmlns:p14="http://schemas.microsoft.com/office/powerpoint/2010/main" id="1" dur="indefinite" restart="never" nodeType="tmRoot"/>
-      </p:par>
-    </p:tnLst>
-  </p:timing>
 </p:sld>
 </file>
 
@@ -6994,8 +6942,8 @@
         </p:nvSpPr>
         <p:spPr>
           <a:xfrm>
-            <a:off x="642107" y="946690"/>
-            <a:ext cx="11215461" cy="1750290"/>
+            <a:off x="175365" y="946690"/>
+            <a:ext cx="11682204" cy="1750290"/>
           </a:xfrm>
           <a:prstGeom prst="rect">
             <a:avLst/>
@@ -7029,7 +6977,7 @@
               <a:buNone/>
             </a:pPr>
             <a:r>
-              <a:rPr lang="en-US" sz="7600" u="none" strike="noStrike" cap="none" dirty="0">
+              <a:rPr lang="es-419" sz="7600" u="none" strike="noStrike" cap="none" dirty="0">
                 <a:solidFill>
                   <a:srgbClr val="FFFF00"/>
                 </a:solidFill>
@@ -7038,7 +6986,31 @@
                 <a:cs typeface="Arial" charset="0"/>
                 <a:sym typeface="Cabin"/>
               </a:rPr>
-              <a:t>What is a Collection?</a:t>
+              <a:t>¿Qué Es </a:t>
+            </a:r>
+            <a:r>
+              <a:rPr lang="es-419" sz="7600" dirty="0">
+                <a:solidFill>
+                  <a:srgbClr val="FFFF00"/>
+                </a:solidFill>
+                <a:latin typeface="Arial" charset="0"/>
+                <a:ea typeface="Arial" charset="0"/>
+                <a:cs typeface="Arial" charset="0"/>
+                <a:sym typeface="Cabin"/>
+              </a:rPr>
+              <a:t>U</a:t>
+            </a:r>
+            <a:r>
+              <a:rPr lang="es-419" sz="7600" u="none" strike="noStrike" cap="none" dirty="0">
+                <a:solidFill>
+                  <a:srgbClr val="FFFF00"/>
+                </a:solidFill>
+                <a:latin typeface="Arial" charset="0"/>
+                <a:ea typeface="Arial" charset="0"/>
+                <a:cs typeface="Arial" charset="0"/>
+                <a:sym typeface="Cabin"/>
+              </a:rPr>
+              <a:t>na Colección?</a:t>
             </a:r>
           </a:p>
         </p:txBody>
@@ -7090,7 +7062,7 @@
               <a:buChar char="•"/>
             </a:pPr>
             <a:r>
-              <a:rPr lang="en-US" sz="3600" b="0" u="none" strike="noStrike" cap="none" dirty="0">
+              <a:rPr lang="es-419" sz="3600" b="0" dirty="0">
                 <a:solidFill>
                   <a:schemeClr val="lt1"/>
                 </a:solidFill>
@@ -7099,32 +7071,17 @@
                 <a:cs typeface="Arial" charset="0"/>
                 <a:sym typeface="Cabin"/>
               </a:rPr>
-              <a:t>A collection is nice because we can put more than one value in </a:t>
-            </a:r>
-            <a:r>
-              <a:rPr lang="en-US" sz="3600" b="0" dirty="0">
-                <a:solidFill>
-                  <a:schemeClr val="lt1"/>
-                </a:solidFill>
-                <a:latin typeface="Arial" charset="0"/>
-                <a:ea typeface="Arial" charset="0"/>
-                <a:cs typeface="Arial" charset="0"/>
-                <a:sym typeface="Cabin"/>
-              </a:rPr>
-              <a:t>it</a:t>
-            </a:r>
-            <a:r>
-              <a:rPr lang="en-US" sz="3600" b="0" u="none" strike="noStrike" cap="none" dirty="0">
-                <a:solidFill>
-                  <a:schemeClr val="lt1"/>
-                </a:solidFill>
-                <a:latin typeface="Arial" charset="0"/>
-                <a:ea typeface="Arial" charset="0"/>
-                <a:cs typeface="Arial" charset="0"/>
-                <a:sym typeface="Cabin"/>
-              </a:rPr>
-              <a:t> and carry them all around in one convenient package</a:t>
-            </a:r>
+              <a:t>Una colección es genial porque podemos poner más de un valor en ella y moverla alrededor en un paquete muy conveniente</a:t>
+            </a:r>
+            <a:endParaRPr lang="es-419" sz="3600" b="0" u="none" strike="noStrike" cap="none" dirty="0">
+              <a:solidFill>
+                <a:schemeClr val="lt1"/>
+              </a:solidFill>
+              <a:latin typeface="Arial" charset="0"/>
+              <a:ea typeface="Arial" charset="0"/>
+              <a:cs typeface="Arial" charset="0"/>
+              <a:sym typeface="Cabin"/>
+            </a:endParaRPr>
           </a:p>
           <a:p>
             <a:pPr marL="749300" marR="0" lvl="0" indent="-371094" algn="l" rtl="0">
@@ -7145,7 +7102,7 @@
               <a:buChar char="•"/>
             </a:pPr>
             <a:r>
-              <a:rPr lang="en-US" sz="3600" b="0" u="none" strike="noStrike" cap="none" dirty="0">
+              <a:rPr lang="es-419" sz="3600" b="0" u="none" strike="noStrike" cap="none" dirty="0">
                 <a:solidFill>
                   <a:schemeClr val="lt1"/>
                 </a:solidFill>
@@ -7154,10 +7111,10 @@
                 <a:cs typeface="Arial" charset="0"/>
                 <a:sym typeface="Cabin"/>
               </a:rPr>
-              <a:t>We have a bunch of values in a single </a:t>
-            </a:r>
-            <a:r>
-              <a:rPr lang="en-US" sz="3600" b="0" i="0" u="none" strike="noStrike" cap="none" dirty="0">
+              <a:t>Tenemos un grupo de valores en una sola </a:t>
+            </a:r>
+            <a:r>
+              <a:rPr lang="es-419" sz="3600" b="0" i="0" u="none" strike="noStrike" cap="none" dirty="0">
                 <a:solidFill>
                   <a:schemeClr val="lt1"/>
                 </a:solidFill>
@@ -7169,7 +7126,7 @@
               <a:t>“</a:t>
             </a:r>
             <a:r>
-              <a:rPr lang="en-US" sz="3600" b="0" u="none" strike="noStrike" cap="none" dirty="0">
+              <a:rPr lang="es-419" sz="3600" b="0" u="none" strike="noStrike" cap="none" dirty="0">
                 <a:solidFill>
                   <a:schemeClr val="lt1"/>
                 </a:solidFill>
@@ -7181,7 +7138,7 @@
               <a:t>variable</a:t>
             </a:r>
             <a:r>
-              <a:rPr lang="en-US" sz="3600" b="0" i="0" u="none" strike="noStrike" cap="none" dirty="0">
+              <a:rPr lang="es-419" sz="3600" b="0" i="0" u="none" strike="noStrike" cap="none" dirty="0">
                 <a:solidFill>
                   <a:schemeClr val="lt1"/>
                 </a:solidFill>
@@ -7212,7 +7169,7 @@
               <a:buChar char="•"/>
             </a:pPr>
             <a:r>
-              <a:rPr lang="en-US" sz="3600" b="0" u="none" strike="noStrike" cap="none" dirty="0">
+              <a:rPr lang="es-419" sz="3600" b="0" u="none" strike="noStrike" cap="none" dirty="0">
                 <a:solidFill>
                   <a:schemeClr val="lt1"/>
                 </a:solidFill>
@@ -7221,55 +7178,7 @@
                 <a:cs typeface="Arial" charset="0"/>
                 <a:sym typeface="Cabin"/>
               </a:rPr>
-              <a:t>We do this by having more than one place </a:t>
-            </a:r>
-            <a:r>
-              <a:rPr lang="en-US" sz="3600" b="0" i="0" u="none" strike="noStrike" cap="none" dirty="0">
-                <a:solidFill>
-                  <a:schemeClr val="lt1"/>
-                </a:solidFill>
-                <a:latin typeface="Arial"/>
-                <a:ea typeface="Arial"/>
-                <a:cs typeface="Arial"/>
-                <a:sym typeface="Arial"/>
-              </a:rPr>
-              <a:t>“</a:t>
-            </a:r>
-            <a:r>
-              <a:rPr lang="en-US" sz="3600" b="0" u="none" strike="noStrike" cap="none" dirty="0">
-                <a:solidFill>
-                  <a:schemeClr val="lt1"/>
-                </a:solidFill>
-                <a:latin typeface="Arial" charset="0"/>
-                <a:ea typeface="Arial" charset="0"/>
-                <a:cs typeface="Arial" charset="0"/>
-                <a:sym typeface="Cabin"/>
-              </a:rPr>
-              <a:t>in</a:t>
-            </a:r>
-            <a:r>
-              <a:rPr lang="en-US" sz="3600" b="0" i="0" u="none" strike="noStrike" cap="none" dirty="0">
-                <a:solidFill>
-                  <a:schemeClr val="lt1"/>
-                </a:solidFill>
-                <a:latin typeface="Arial"/>
-                <a:ea typeface="Arial"/>
-                <a:cs typeface="Arial"/>
-                <a:sym typeface="Arial"/>
-              </a:rPr>
-              <a:t>”</a:t>
-            </a:r>
-            <a:r>
-              <a:rPr lang="en-US" sz="3600" b="0" u="none" strike="noStrike" cap="none" dirty="0">
-                <a:solidFill>
-                  <a:schemeClr val="lt1"/>
-                </a:solidFill>
-                <a:latin typeface="Arial" charset="0"/>
-                <a:ea typeface="Arial" charset="0"/>
-                <a:cs typeface="Arial" charset="0"/>
-                <a:sym typeface="Cabin"/>
-              </a:rPr>
-              <a:t> the variable</a:t>
+              <a:t>Hacemos esto al tener más de un solo lugar “en” la variable</a:t>
             </a:r>
           </a:p>
           <a:p>
@@ -7291,7 +7200,7 @@
               <a:buChar char="•"/>
             </a:pPr>
             <a:r>
-              <a:rPr lang="en-US" sz="3600" b="0" u="none" strike="noStrike" cap="none" dirty="0">
+              <a:rPr lang="es-419" sz="3600" b="0" u="none" strike="noStrike" cap="none" dirty="0">
                 <a:solidFill>
                   <a:schemeClr val="lt1"/>
                 </a:solidFill>
@@ -7300,7 +7209,7 @@
                 <a:cs typeface="Arial" charset="0"/>
                 <a:sym typeface="Cabin"/>
               </a:rPr>
-              <a:t>We have ways of finding the different places in the variable</a:t>
+              <a:t>Tenemos forma de definir los diferentes lugares en la variable</a:t>
             </a:r>
           </a:p>
         </p:txBody>
@@ -7337,13 +7246,6 @@
   <p:clrMapOvr>
     <a:masterClrMapping/>
   </p:clrMapOvr>
-  <p:timing>
-    <p:tnLst>
-      <p:par>
-        <p:cTn xmlns:p14="http://schemas.microsoft.com/office/powerpoint/2010/main" id="1" dur="indefinite" restart="never" nodeType="tmRoot"/>
-      </p:par>
-    </p:tnLst>
-  </p:timing>
 </p:sld>
 </file>
 
@@ -7407,7 +7309,7 @@
               <a:buNone/>
             </a:pPr>
             <a:r>
-              <a:rPr lang="en-US" sz="7600" u="none" strike="noStrike" cap="none" dirty="0">
+              <a:rPr lang="es-419" sz="7600" u="none" strike="noStrike" cap="none" dirty="0">
                 <a:solidFill>
                   <a:srgbClr val="FFFF00"/>
                 </a:solidFill>
@@ -7416,70 +7318,10 @@
                 <a:cs typeface="Arial" charset="0"/>
                 <a:sym typeface="Cabin"/>
               </a:rPr>
-              <a:t>What </a:t>
-            </a:r>
-            <a:r>
-              <a:rPr lang="en-US" sz="7600" u="none" strike="noStrike" cap="none" dirty="0" smtClean="0">
-                <a:solidFill>
-                  <a:srgbClr val="FFFF00"/>
-                </a:solidFill>
-                <a:latin typeface="Arial" charset="0"/>
-                <a:ea typeface="Arial" charset="0"/>
-                <a:cs typeface="Arial" charset="0"/>
-                <a:sym typeface="Cabin"/>
-              </a:rPr>
-              <a:t>Is </a:t>
-            </a:r>
-            <a:r>
-              <a:rPr lang="en-US" sz="7600" dirty="0">
-                <a:solidFill>
-                  <a:srgbClr val="FFFF00"/>
-                </a:solidFill>
-                <a:latin typeface="Arial" charset="0"/>
-                <a:ea typeface="Arial" charset="0"/>
-                <a:cs typeface="Arial" charset="0"/>
-                <a:sym typeface="Cabin"/>
-              </a:rPr>
-              <a:t>N</a:t>
-            </a:r>
-            <a:r>
-              <a:rPr lang="en-US" sz="7600" u="none" strike="noStrike" cap="none" dirty="0" smtClean="0">
-                <a:solidFill>
-                  <a:srgbClr val="FFFF00"/>
-                </a:solidFill>
-                <a:latin typeface="Arial" charset="0"/>
-                <a:ea typeface="Arial" charset="0"/>
-                <a:cs typeface="Arial" charset="0"/>
-                <a:sym typeface="Cabin"/>
-              </a:rPr>
-              <a:t>ot </a:t>
-            </a:r>
-            <a:r>
-              <a:rPr lang="en-US" sz="7600" dirty="0">
-                <a:solidFill>
-                  <a:srgbClr val="FFFF00"/>
-                </a:solidFill>
-                <a:latin typeface="Arial" charset="0"/>
-                <a:ea typeface="Arial" charset="0"/>
-                <a:cs typeface="Arial" charset="0"/>
-                <a:sym typeface="Cabin"/>
-              </a:rPr>
-              <a:t>A</a:t>
-            </a:r>
-            <a:r>
-              <a:rPr lang="en-US" sz="7600" u="none" strike="noStrike" cap="none" dirty="0" smtClean="0">
-                <a:solidFill>
-                  <a:srgbClr val="FFFF00"/>
-                </a:solidFill>
-                <a:latin typeface="Arial" charset="0"/>
-                <a:ea typeface="Arial" charset="0"/>
-                <a:cs typeface="Arial" charset="0"/>
-                <a:sym typeface="Cabin"/>
-              </a:rPr>
-              <a:t> </a:t>
-            </a:r>
-            <a:r>
-              <a:rPr lang="en-US" sz="7600" i="0" u="none" strike="noStrike" cap="none" dirty="0">
+              <a:t>¿Qué No Es Una “Colección</a:t>
+            </a:r>
+            <a:r>
+              <a:rPr lang="es-419" sz="7600" i="0" u="none" strike="noStrike" cap="none" dirty="0">
                 <a:solidFill>
                   <a:srgbClr val="FFFF00"/>
                 </a:solidFill>
@@ -7488,41 +7330,8 @@
                 <a:cs typeface="Arial"/>
                 <a:sym typeface="Arial"/>
               </a:rPr>
-              <a:t>“</a:t>
-            </a:r>
-            <a:r>
-              <a:rPr lang="en-US" sz="7600" u="none" strike="noStrike" cap="none" dirty="0">
-                <a:solidFill>
-                  <a:srgbClr val="FFFF00"/>
-                </a:solidFill>
-                <a:latin typeface="Arial" charset="0"/>
-                <a:ea typeface="Arial" charset="0"/>
-                <a:cs typeface="Arial" charset="0"/>
-                <a:sym typeface="Cabin"/>
-              </a:rPr>
-              <a:t>Collection</a:t>
-            </a:r>
-            <a:r>
-              <a:rPr lang="en-US" sz="7600" i="0" u="none" strike="noStrike" cap="none" dirty="0" smtClean="0">
-                <a:solidFill>
-                  <a:srgbClr val="FFFF00"/>
-                </a:solidFill>
-                <a:latin typeface="Arial"/>
-                <a:ea typeface="Arial"/>
-                <a:cs typeface="Arial"/>
-                <a:sym typeface="Arial"/>
-              </a:rPr>
               <a:t>”?</a:t>
             </a:r>
-            <a:endParaRPr lang="en-US" sz="7600" i="0" u="none" strike="noStrike" cap="none" dirty="0">
-              <a:solidFill>
-                <a:srgbClr val="FFFF00"/>
-              </a:solidFill>
-              <a:latin typeface="Arial"/>
-              <a:ea typeface="Arial"/>
-              <a:cs typeface="Arial"/>
-              <a:sym typeface="Arial"/>
-            </a:endParaRPr>
           </a:p>
         </p:txBody>
       </p:sp>
@@ -7570,7 +7379,7 @@
               <a:buChar char="•"/>
             </a:pPr>
             <a:r>
-              <a:rPr lang="en-US" sz="3600" b="0" u="none" strike="noStrike" cap="none" dirty="0">
+              <a:rPr lang="es-419" sz="3600" b="0" u="none" strike="noStrike" cap="none" dirty="0">
                 <a:solidFill>
                   <a:schemeClr val="lt1"/>
                 </a:solidFill>
@@ -7579,10 +7388,10 @@
                 <a:cs typeface="Arial" charset="0"/>
                 <a:sym typeface="Cabin"/>
               </a:rPr>
-              <a:t>Most of our </a:t>
-            </a:r>
-            <a:r>
-              <a:rPr lang="en-US" sz="3600" b="0" u="none" strike="noStrike" cap="none" dirty="0">
+              <a:t>La mayoría de nuestras </a:t>
+            </a:r>
+            <a:r>
+              <a:rPr lang="es-419" sz="3600" b="0" u="none" strike="noStrike" cap="none" dirty="0">
                 <a:solidFill>
                   <a:srgbClr val="00FF00"/>
                 </a:solidFill>
@@ -7594,7 +7403,7 @@
               <a:t>variables</a:t>
             </a:r>
             <a:r>
-              <a:rPr lang="en-US" sz="3600" b="0" u="none" strike="noStrike" cap="none" dirty="0">
+              <a:rPr lang="es-419" sz="3600" b="0" u="none" strike="noStrike" cap="none" dirty="0">
                 <a:solidFill>
                   <a:schemeClr val="lt1"/>
                 </a:solidFill>
@@ -7603,22 +7412,22 @@
                 <a:cs typeface="Arial" charset="0"/>
                 <a:sym typeface="Cabin"/>
               </a:rPr>
-              <a:t> have one value in them - when we put a new value in the </a:t>
-            </a:r>
-            <a:r>
-              <a:rPr lang="en-US" sz="3600" b="0" u="none" strike="noStrike" cap="none" dirty="0">
-                <a:solidFill>
-                  <a:srgbClr val="00FF00"/>
+              <a:t> tienen un </a:t>
+            </a:r>
+            <a:r>
+              <a:rPr lang="es-419" sz="3600" b="0" dirty="0">
+                <a:solidFill>
+                  <a:schemeClr val="lt1"/>
                 </a:solidFill>
                 <a:latin typeface="Arial" charset="0"/>
                 <a:ea typeface="Arial" charset="0"/>
                 <a:cs typeface="Arial" charset="0"/>
                 <a:sym typeface="Cabin"/>
               </a:rPr>
-              <a:t>variable</a:t>
-            </a:r>
-            <a:r>
-              <a:rPr lang="en-US" sz="3600" b="0" u="none" strike="noStrike" cap="none" dirty="0">
+              <a:t>único valor en ellas – cuando ponemos un nuevo valor en la</a:t>
+            </a:r>
+            <a:r>
+              <a:rPr lang="es-419" sz="3600" b="0" u="none" strike="noStrike" cap="none" dirty="0">
                 <a:solidFill>
                   <a:schemeClr val="lt1"/>
                 </a:solidFill>
@@ -7627,7 +7436,31 @@
                 <a:cs typeface="Arial" charset="0"/>
                 <a:sym typeface="Cabin"/>
               </a:rPr>
-              <a:t> - the old value is overwritten</a:t>
+              <a:t> </a:t>
+            </a:r>
+            <a:r>
+              <a:rPr lang="es-419" sz="3600" b="0" u="none" strike="noStrike" cap="none" dirty="0">
+                <a:solidFill>
+                  <a:srgbClr val="00FF00"/>
+                </a:solidFill>
+                <a:latin typeface="Arial" charset="0"/>
+                <a:ea typeface="Arial" charset="0"/>
+                <a:cs typeface="Arial" charset="0"/>
+                <a:sym typeface="Cabin"/>
+              </a:rPr>
+              <a:t>variable</a:t>
+            </a:r>
+            <a:r>
+              <a:rPr lang="es-419" sz="3600" b="0" u="none" strike="noStrike" cap="none" dirty="0">
+                <a:solidFill>
+                  <a:schemeClr val="lt1"/>
+                </a:solidFill>
+                <a:latin typeface="Arial" charset="0"/>
+                <a:ea typeface="Arial" charset="0"/>
+                <a:cs typeface="Arial" charset="0"/>
+                <a:sym typeface="Cabin"/>
+              </a:rPr>
+              <a:t> – el valor anterior se sobrescribe</a:t>
             </a:r>
           </a:p>
         </p:txBody>
@@ -7675,7 +7508,7 @@
               <a:buNone/>
             </a:pPr>
             <a:r>
-              <a:rPr lang="en-US" sz="3000" b="1" i="0" u="none" strike="noStrike" cap="none" dirty="0">
+              <a:rPr lang="es-419" sz="3000" b="1" i="0" u="none" strike="noStrike" cap="none" dirty="0">
                 <a:solidFill>
                   <a:schemeClr val="lt1"/>
                 </a:solidFill>
@@ -7687,7 +7520,7 @@
               <a:t>$ </a:t>
             </a:r>
             <a:r>
-              <a:rPr lang="en-US" sz="3000" b="1" i="0" u="none" strike="noStrike" cap="none" dirty="0">
+              <a:rPr lang="es-419" sz="3000" b="1" i="0" u="none" strike="noStrike" cap="none" dirty="0" err="1">
                 <a:solidFill>
                   <a:srgbClr val="FFFF00"/>
                 </a:solidFill>
@@ -7698,184 +7531,7 @@
               </a:rPr>
               <a:t>python</a:t>
             </a:r>
-          </a:p>
-          <a:p>
-            <a:pPr marL="0" marR="0" lvl="0" indent="0" algn="l" rtl="0">
-              <a:lnSpc>
-                <a:spcPct val="100000"/>
-              </a:lnSpc>
-              <a:spcBef>
-                <a:spcPts val="0"/>
-              </a:spcBef>
-              <a:spcAft>
-                <a:spcPts val="0"/>
-              </a:spcAft>
-              <a:buClr>
-                <a:schemeClr val="lt1"/>
-              </a:buClr>
-              <a:buSzPct val="25000"/>
-              <a:buFont typeface="Cabin"/>
-              <a:buNone/>
-            </a:pPr>
-            <a:r>
-              <a:rPr lang="en-US" sz="3000" b="1" i="0" u="none" strike="noStrike" cap="none" dirty="0" smtClean="0">
-                <a:solidFill>
-                  <a:schemeClr val="lt1"/>
-                </a:solidFill>
-                <a:latin typeface="Courier New"/>
-                <a:ea typeface="Courier New"/>
-                <a:cs typeface="Courier New"/>
-                <a:sym typeface="Courier New"/>
-              </a:rPr>
-              <a:t>&gt;&gt;&gt; </a:t>
-            </a:r>
-            <a:r>
-              <a:rPr lang="en-US" sz="3000" b="1" i="0" u="none" strike="noStrike" cap="none" dirty="0">
-                <a:solidFill>
-                  <a:srgbClr val="00FF00"/>
-                </a:solidFill>
-                <a:latin typeface="Courier New"/>
-                <a:ea typeface="Courier New"/>
-                <a:cs typeface="Courier New"/>
-                <a:sym typeface="Courier New"/>
-              </a:rPr>
-              <a:t>x</a:t>
-            </a:r>
-            <a:r>
-              <a:rPr lang="en-US" sz="3000" b="1" i="0" u="none" strike="noStrike" cap="none" dirty="0">
-                <a:solidFill>
-                  <a:schemeClr val="lt1"/>
-                </a:solidFill>
-                <a:latin typeface="Courier New"/>
-                <a:ea typeface="Courier New"/>
-                <a:cs typeface="Courier New"/>
-                <a:sym typeface="Courier New"/>
-              </a:rPr>
-              <a:t> = 2</a:t>
-            </a:r>
-          </a:p>
-          <a:p>
-            <a:pPr marL="0" marR="0" lvl="0" indent="0" algn="l" rtl="0">
-              <a:lnSpc>
-                <a:spcPct val="100000"/>
-              </a:lnSpc>
-              <a:spcBef>
-                <a:spcPts val="0"/>
-              </a:spcBef>
-              <a:spcAft>
-                <a:spcPts val="0"/>
-              </a:spcAft>
-              <a:buClr>
-                <a:schemeClr val="lt1"/>
-              </a:buClr>
-              <a:buSzPct val="25000"/>
-              <a:buFont typeface="Cabin"/>
-              <a:buNone/>
-            </a:pPr>
-            <a:r>
-              <a:rPr lang="en-US" sz="3000" b="1" i="0" u="none" strike="noStrike" cap="none" dirty="0">
-                <a:solidFill>
-                  <a:schemeClr val="lt1"/>
-                </a:solidFill>
-                <a:latin typeface="Courier New"/>
-                <a:ea typeface="Courier New"/>
-                <a:cs typeface="Courier New"/>
-                <a:sym typeface="Courier New"/>
-              </a:rPr>
-              <a:t>&gt;&gt;&gt; </a:t>
-            </a:r>
-            <a:r>
-              <a:rPr lang="en-US" sz="3000" b="1" i="0" u="none" strike="noStrike" cap="none" dirty="0">
-                <a:solidFill>
-                  <a:srgbClr val="00FF00"/>
-                </a:solidFill>
-                <a:latin typeface="Courier New"/>
-                <a:ea typeface="Courier New"/>
-                <a:cs typeface="Courier New"/>
-                <a:sym typeface="Courier New"/>
-              </a:rPr>
-              <a:t>x</a:t>
-            </a:r>
-            <a:r>
-              <a:rPr lang="en-US" sz="3000" b="1" i="0" u="none" strike="noStrike" cap="none" dirty="0">
-                <a:solidFill>
-                  <a:schemeClr val="lt1"/>
-                </a:solidFill>
-                <a:latin typeface="Courier New"/>
-                <a:ea typeface="Courier New"/>
-                <a:cs typeface="Courier New"/>
-                <a:sym typeface="Courier New"/>
-              </a:rPr>
-              <a:t> = 4</a:t>
-            </a:r>
-          </a:p>
-          <a:p>
-            <a:pPr marL="0" marR="0" lvl="0" indent="0" algn="l" rtl="0">
-              <a:lnSpc>
-                <a:spcPct val="100000"/>
-              </a:lnSpc>
-              <a:spcBef>
-                <a:spcPts val="0"/>
-              </a:spcBef>
-              <a:spcAft>
-                <a:spcPts val="0"/>
-              </a:spcAft>
-              <a:buClr>
-                <a:schemeClr val="lt1"/>
-              </a:buClr>
-              <a:buSzPct val="25000"/>
-              <a:buFont typeface="Cabin"/>
-              <a:buNone/>
-            </a:pPr>
-            <a:r>
-              <a:rPr lang="en-US" sz="3000" b="1" i="0" u="none" strike="noStrike" cap="none" dirty="0">
-                <a:solidFill>
-                  <a:schemeClr val="lt1"/>
-                </a:solidFill>
-                <a:latin typeface="Courier New"/>
-                <a:ea typeface="Courier New"/>
-                <a:cs typeface="Courier New"/>
-                <a:sym typeface="Courier New"/>
-              </a:rPr>
-              <a:t>&gt;&gt;&gt; </a:t>
-            </a:r>
-            <a:r>
-              <a:rPr lang="en-US" sz="3000" b="1" i="0" u="none" strike="noStrike" cap="none" dirty="0" smtClean="0">
-                <a:solidFill>
-                  <a:srgbClr val="FFFF00"/>
-                </a:solidFill>
-                <a:latin typeface="Courier New"/>
-                <a:ea typeface="Courier New"/>
-                <a:cs typeface="Courier New"/>
-                <a:sym typeface="Courier New"/>
-              </a:rPr>
-              <a:t>print(</a:t>
-            </a:r>
-            <a:r>
-              <a:rPr lang="en-US" sz="3000" b="1" i="0" u="none" strike="noStrike" cap="none" dirty="0" smtClean="0">
-                <a:solidFill>
-                  <a:srgbClr val="00FF00"/>
-                </a:solidFill>
-                <a:latin typeface="Courier New"/>
-                <a:ea typeface="Courier New"/>
-                <a:cs typeface="Courier New"/>
-                <a:sym typeface="Courier New"/>
-              </a:rPr>
-              <a:t>x</a:t>
-            </a:r>
-            <a:r>
-              <a:rPr lang="en-US" sz="3000" b="1" i="0" u="none" strike="noStrike" cap="none" dirty="0" smtClean="0">
-                <a:solidFill>
-                  <a:srgbClr val="FFFF00"/>
-                </a:solidFill>
-                <a:latin typeface="Courier New"/>
-                <a:ea typeface="Courier New"/>
-                <a:cs typeface="Courier New"/>
-                <a:sym typeface="Courier New"/>
-              </a:rPr>
-              <a:t>)</a:t>
-            </a:r>
-            <a:endParaRPr lang="en-US" sz="3000" b="1" i="0" u="none" strike="noStrike" cap="none" dirty="0">
+            <a:endParaRPr lang="es-419" sz="3000" b="1" i="0" u="none" strike="noStrike" cap="none" dirty="0">
               <a:solidFill>
                 <a:srgbClr val="FFFF00"/>
               </a:solidFill>
@@ -7904,7 +7560,196 @@
               <a:buNone/>
             </a:pPr>
             <a:r>
-              <a:rPr lang="en-US" sz="3000" b="1" i="0" u="none" strike="noStrike" cap="none" dirty="0">
+              <a:rPr lang="es-419" sz="3000" b="1" i="0" u="none" strike="noStrike" cap="none" dirty="0">
+                <a:solidFill>
+                  <a:schemeClr val="lt1"/>
+                </a:solidFill>
+                <a:latin typeface="Courier New"/>
+                <a:ea typeface="Courier New"/>
+                <a:cs typeface="Courier New"/>
+                <a:sym typeface="Courier New"/>
+              </a:rPr>
+              <a:t>&gt;&gt;&gt; </a:t>
+            </a:r>
+            <a:r>
+              <a:rPr lang="es-419" sz="3000" b="1" i="0" u="none" strike="noStrike" cap="none" dirty="0">
+                <a:solidFill>
+                  <a:srgbClr val="00FF00"/>
+                </a:solidFill>
+                <a:latin typeface="Courier New"/>
+                <a:ea typeface="Courier New"/>
+                <a:cs typeface="Courier New"/>
+                <a:sym typeface="Courier New"/>
+              </a:rPr>
+              <a:t>x</a:t>
+            </a:r>
+            <a:r>
+              <a:rPr lang="es-419" sz="3000" b="1" i="0" u="none" strike="noStrike" cap="none" dirty="0">
+                <a:solidFill>
+                  <a:schemeClr val="lt1"/>
+                </a:solidFill>
+                <a:latin typeface="Courier New"/>
+                <a:ea typeface="Courier New"/>
+                <a:cs typeface="Courier New"/>
+                <a:sym typeface="Courier New"/>
+              </a:rPr>
+              <a:t> = 2</a:t>
+            </a:r>
+          </a:p>
+          <a:p>
+            <a:pPr marL="0" marR="0" lvl="0" indent="0" algn="l" rtl="0">
+              <a:lnSpc>
+                <a:spcPct val="100000"/>
+              </a:lnSpc>
+              <a:spcBef>
+                <a:spcPts val="0"/>
+              </a:spcBef>
+              <a:spcAft>
+                <a:spcPts val="0"/>
+              </a:spcAft>
+              <a:buClr>
+                <a:schemeClr val="lt1"/>
+              </a:buClr>
+              <a:buSzPct val="25000"/>
+              <a:buFont typeface="Cabin"/>
+              <a:buNone/>
+            </a:pPr>
+            <a:r>
+              <a:rPr lang="es-419" sz="3000" b="1" i="0" u="none" strike="noStrike" cap="none" dirty="0">
+                <a:solidFill>
+                  <a:schemeClr val="lt1"/>
+                </a:solidFill>
+                <a:latin typeface="Courier New"/>
+                <a:ea typeface="Courier New"/>
+                <a:cs typeface="Courier New"/>
+                <a:sym typeface="Courier New"/>
+              </a:rPr>
+              <a:t>&gt;&gt;&gt; </a:t>
+            </a:r>
+            <a:r>
+              <a:rPr lang="es-419" sz="3000" b="1" i="0" u="none" strike="noStrike" cap="none" dirty="0">
+                <a:solidFill>
+                  <a:srgbClr val="00FF00"/>
+                </a:solidFill>
+                <a:latin typeface="Courier New"/>
+                <a:ea typeface="Courier New"/>
+                <a:cs typeface="Courier New"/>
+                <a:sym typeface="Courier New"/>
+              </a:rPr>
+              <a:t>x</a:t>
+            </a:r>
+            <a:r>
+              <a:rPr lang="es-419" sz="3000" b="1" i="0" u="none" strike="noStrike" cap="none" dirty="0">
+                <a:solidFill>
+                  <a:schemeClr val="lt1"/>
+                </a:solidFill>
+                <a:latin typeface="Courier New"/>
+                <a:ea typeface="Courier New"/>
+                <a:cs typeface="Courier New"/>
+                <a:sym typeface="Courier New"/>
+              </a:rPr>
+              <a:t> = 4</a:t>
+            </a:r>
+          </a:p>
+          <a:p>
+            <a:pPr marL="0" marR="0" lvl="0" indent="0" algn="l" rtl="0">
+              <a:lnSpc>
+                <a:spcPct val="100000"/>
+              </a:lnSpc>
+              <a:spcBef>
+                <a:spcPts val="0"/>
+              </a:spcBef>
+              <a:spcAft>
+                <a:spcPts val="0"/>
+              </a:spcAft>
+              <a:buClr>
+                <a:schemeClr val="lt1"/>
+              </a:buClr>
+              <a:buSzPct val="25000"/>
+              <a:buFont typeface="Cabin"/>
+              <a:buNone/>
+            </a:pPr>
+            <a:r>
+              <a:rPr lang="es-419" sz="3000" b="1" i="0" u="none" strike="noStrike" cap="none" dirty="0">
+                <a:solidFill>
+                  <a:schemeClr val="lt1"/>
+                </a:solidFill>
+                <a:latin typeface="Courier New"/>
+                <a:ea typeface="Courier New"/>
+                <a:cs typeface="Courier New"/>
+                <a:sym typeface="Courier New"/>
+              </a:rPr>
+              <a:t>&gt;&gt;&gt; </a:t>
+            </a:r>
+            <a:r>
+              <a:rPr lang="es-419" sz="3000" b="1" i="0" u="none" strike="noStrike" cap="none" dirty="0" err="1">
+                <a:solidFill>
+                  <a:srgbClr val="FFFF00"/>
+                </a:solidFill>
+                <a:latin typeface="Courier New"/>
+                <a:ea typeface="Courier New"/>
+                <a:cs typeface="Courier New"/>
+                <a:sym typeface="Courier New"/>
+              </a:rPr>
+              <a:t>print</a:t>
+            </a:r>
+            <a:r>
+              <a:rPr lang="es-419" sz="3000" b="1" i="0" u="none" strike="noStrike" cap="none" dirty="0">
+                <a:solidFill>
+                  <a:srgbClr val="FFFF00"/>
+                </a:solidFill>
+                <a:latin typeface="Courier New"/>
+                <a:ea typeface="Courier New"/>
+                <a:cs typeface="Courier New"/>
+                <a:sym typeface="Courier New"/>
+              </a:rPr>
+              <a:t>(</a:t>
+            </a:r>
+            <a:r>
+              <a:rPr lang="es-419" sz="3000" b="1" i="0" u="none" strike="noStrike" cap="none" dirty="0">
+                <a:solidFill>
+                  <a:srgbClr val="00FF00"/>
+                </a:solidFill>
+                <a:latin typeface="Courier New"/>
+                <a:ea typeface="Courier New"/>
+                <a:cs typeface="Courier New"/>
+                <a:sym typeface="Courier New"/>
+              </a:rPr>
+              <a:t>x</a:t>
+            </a:r>
+            <a:r>
+              <a:rPr lang="es-419" sz="3000" b="1" i="0" u="none" strike="noStrike" cap="none" dirty="0">
+                <a:solidFill>
+                  <a:srgbClr val="FFFF00"/>
+                </a:solidFill>
+                <a:latin typeface="Courier New"/>
+                <a:ea typeface="Courier New"/>
+                <a:cs typeface="Courier New"/>
+                <a:sym typeface="Courier New"/>
+              </a:rPr>
+              <a:t>)</a:t>
+            </a:r>
+          </a:p>
+          <a:p>
+            <a:pPr marL="0" marR="0" lvl="0" indent="0" algn="l" rtl="0">
+              <a:lnSpc>
+                <a:spcPct val="100000"/>
+              </a:lnSpc>
+              <a:spcBef>
+                <a:spcPts val="0"/>
+              </a:spcBef>
+              <a:spcAft>
+                <a:spcPts val="0"/>
+              </a:spcAft>
+              <a:buClr>
+                <a:schemeClr val="lt1"/>
+              </a:buClr>
+              <a:buSzPct val="25000"/>
+              <a:buFont typeface="Cabin"/>
+              <a:buNone/>
+            </a:pPr>
+            <a:r>
+              <a:rPr lang="es-419" sz="3000" b="1" i="0" u="none" strike="noStrike" cap="none" dirty="0">
                 <a:solidFill>
                   <a:schemeClr val="lt1"/>
                 </a:solidFill>
@@ -7923,13 +7768,6 @@
   <p:clrMapOvr>
     <a:masterClrMapping/>
   </p:clrMapOvr>
-  <p:timing>
-    <p:tnLst>
-      <p:par>
-        <p:cTn xmlns:p14="http://schemas.microsoft.com/office/powerpoint/2010/main" id="1" dur="indefinite" restart="never" nodeType="tmRoot"/>
-      </p:par>
-    </p:tnLst>
-  </p:timing>
 </p:sld>
 </file>
 
@@ -7997,7 +7835,7 @@
               <a:buNone/>
             </a:pPr>
             <a:r>
-              <a:rPr lang="en-US" sz="7600" u="none" strike="noStrike" cap="none" dirty="0">
+              <a:rPr lang="es-419" sz="7600" dirty="0">
                 <a:solidFill>
                   <a:srgbClr val="FFFF00"/>
                 </a:solidFill>
@@ -8006,7 +7844,19 @@
                 <a:cs typeface="Arial" charset="0"/>
                 <a:sym typeface="Cabin"/>
               </a:rPr>
-              <a:t>A Story of  Two Collections..</a:t>
+              <a:t>Una Historia De Dos Colecciones.</a:t>
+            </a:r>
+            <a:r>
+              <a:rPr lang="es-419" sz="7600" u="none" strike="noStrike" cap="none" dirty="0">
+                <a:solidFill>
+                  <a:srgbClr val="FFFF00"/>
+                </a:solidFill>
+                <a:latin typeface="Arial" charset="0"/>
+                <a:ea typeface="Arial" charset="0"/>
+                <a:cs typeface="Arial" charset="0"/>
+                <a:sym typeface="Cabin"/>
+              </a:rPr>
+              <a:t>..</a:t>
             </a:r>
           </a:p>
         </p:txBody>
@@ -8024,7 +7874,7 @@
         <p:spPr>
           <a:xfrm>
             <a:off x="142155" y="2475702"/>
-            <a:ext cx="14630400" cy="5902068"/>
+            <a:ext cx="11256530" cy="5902068"/>
           </a:xfrm>
           <a:prstGeom prst="rect">
             <a:avLst/>
@@ -8058,7 +7908,7 @@
               <a:buChar char="•"/>
             </a:pPr>
             <a:r>
-              <a:rPr lang="en-US" sz="3600" b="0" u="none" strike="noStrike" cap="none" dirty="0">
+              <a:rPr lang="es-419" sz="3600" b="0" u="none" strike="noStrike" cap="none" dirty="0">
                 <a:solidFill>
                   <a:srgbClr val="00FF00"/>
                 </a:solidFill>
@@ -8067,7 +7917,7 @@
                 <a:cs typeface="Arial" charset="0"/>
                 <a:sym typeface="Cabin"/>
               </a:rPr>
-              <a:t>List</a:t>
+              <a:t>Lista</a:t>
             </a:r>
           </a:p>
           <a:p>
@@ -8088,7 +7938,7 @@
               <a:buFont typeface="Cabin"/>
             </a:pPr>
             <a:r>
-              <a:rPr lang="en-US" sz="3600" b="0" u="none" strike="noStrike" cap="none" dirty="0">
+              <a:rPr lang="es-419" b="0" dirty="0">
                 <a:solidFill>
                   <a:schemeClr val="lt1"/>
                 </a:solidFill>
@@ -8097,37 +7947,9 @@
                 <a:cs typeface="Arial" charset="0"/>
                 <a:sym typeface="Cabin"/>
               </a:rPr>
-              <a:t>A linear collection of values that stay in </a:t>
-            </a:r>
-            <a:r>
-              <a:rPr lang="en-US" sz="3600" b="0" u="none" strike="noStrike" cap="none" dirty="0" smtClean="0">
-                <a:solidFill>
-                  <a:schemeClr val="lt1"/>
-                </a:solidFill>
-                <a:latin typeface="Arial" charset="0"/>
-                <a:ea typeface="Arial" charset="0"/>
-                <a:cs typeface="Arial" charset="0"/>
-                <a:sym typeface="Cabin"/>
-              </a:rPr>
-              <a:t>order</a:t>
-            </a:r>
-          </a:p>
-          <a:p>
-            <a:pPr marL="568706" marR="0" lvl="0" indent="-390906" algn="l" rtl="0">
-              <a:spcBef>
-                <a:spcPts val="3500"/>
-              </a:spcBef>
-              <a:spcAft>
-                <a:spcPts val="0"/>
-              </a:spcAft>
-              <a:buClr>
-                <a:schemeClr val="lt1"/>
-              </a:buClr>
-              <a:buSzPct val="171000"/>
-              <a:buFont typeface="Cabin"/>
-              <a:buNone/>
-            </a:pPr>
-            <a:endParaRPr sz="3600" b="0" u="none" strike="noStrike" cap="none" dirty="0" smtClean="0">
+              <a:t>Una colección lineal de valores que mantienen un orden</a:t>
+            </a:r>
+            <a:endParaRPr lang="es-419" sz="3600" b="0" u="none" strike="noStrike" cap="none" dirty="0">
               <a:solidFill>
                 <a:schemeClr val="lt1"/>
               </a:solidFill>
@@ -8138,6 +7960,31 @@
             </a:endParaRPr>
           </a:p>
           <a:p>
+            <a:pPr marL="568706" marR="0" lvl="0" indent="-390906" algn="l" rtl="0">
+              <a:spcBef>
+                <a:spcPts val="3500"/>
+              </a:spcBef>
+              <a:spcAft>
+                <a:spcPts val="0"/>
+              </a:spcAft>
+              <a:buClr>
+                <a:schemeClr val="lt1"/>
+              </a:buClr>
+              <a:buSzPct val="171000"/>
+              <a:buFont typeface="Cabin"/>
+              <a:buNone/>
+            </a:pPr>
+            <a:endParaRPr lang="es-419" sz="3600" b="0" u="none" strike="noStrike" cap="none" dirty="0">
+              <a:solidFill>
+                <a:schemeClr val="lt1"/>
+              </a:solidFill>
+              <a:latin typeface="Arial" charset="0"/>
+              <a:ea typeface="Arial" charset="0"/>
+              <a:cs typeface="Arial" charset="0"/>
+              <a:sym typeface="Cabin"/>
+            </a:endParaRPr>
+          </a:p>
+          <a:p>
             <a:pPr marL="749300" marR="0" lvl="0" indent="-371094" algn="l" rtl="0">
               <a:lnSpc>
                 <a:spcPct val="100000"/>
@@ -8156,7 +8003,7 @@
               <a:buChar char="•"/>
             </a:pPr>
             <a:r>
-              <a:rPr lang="en-US" sz="3600" b="0" u="none" strike="noStrike" cap="none" dirty="0" smtClean="0">
+              <a:rPr lang="es-419" sz="3600" b="0" u="none" strike="noStrike" cap="none" dirty="0">
                 <a:solidFill>
                   <a:srgbClr val="FF00FF"/>
                 </a:solidFill>
@@ -8165,17 +8012,8 @@
                 <a:cs typeface="Arial" charset="0"/>
                 <a:sym typeface="Cabin"/>
               </a:rPr>
-              <a:t>Dictionary</a:t>
-            </a:r>
-            <a:endParaRPr lang="en-US" sz="3600" b="0" u="none" strike="noStrike" cap="none" dirty="0">
-              <a:solidFill>
-                <a:srgbClr val="FF00FF"/>
-              </a:solidFill>
-              <a:latin typeface="Arial" charset="0"/>
-              <a:ea typeface="Arial" charset="0"/>
-              <a:cs typeface="Arial" charset="0"/>
-              <a:sym typeface="Cabin"/>
-            </a:endParaRPr>
+              <a:t>Diccionario</a:t>
+            </a:r>
           </a:p>
           <a:p>
             <a:pPr marL="1041400" marR="0" lvl="1" indent="-371094" algn="l" rtl="0">
@@ -8195,7 +8033,7 @@
               <a:buFont typeface="Cabin"/>
             </a:pPr>
             <a:r>
-              <a:rPr lang="en-US" sz="3600" b="0" u="none" strike="noStrike" cap="none" dirty="0">
+              <a:rPr lang="es-419" b="0" dirty="0">
                 <a:solidFill>
                   <a:schemeClr val="lt1"/>
                 </a:solidFill>
@@ -8204,10 +8042,22 @@
                 <a:cs typeface="Arial" charset="0"/>
                 <a:sym typeface="Cabin"/>
               </a:rPr>
-              <a:t>A </a:t>
-            </a:r>
-            <a:r>
-              <a:rPr lang="en-US" sz="3600" b="0" i="0" u="none" strike="noStrike" cap="none" dirty="0">
+              <a:t>Una</a:t>
+            </a:r>
+            <a:r>
+              <a:rPr lang="es-419" sz="3600" b="0" u="none" strike="noStrike" cap="none" dirty="0">
+                <a:solidFill>
+                  <a:schemeClr val="lt1"/>
+                </a:solidFill>
+                <a:latin typeface="Arial" charset="0"/>
+                <a:ea typeface="Arial" charset="0"/>
+                <a:cs typeface="Arial" charset="0"/>
+                <a:sym typeface="Cabin"/>
+              </a:rPr>
+              <a:t> </a:t>
+            </a:r>
+            <a:r>
+              <a:rPr lang="es-419" sz="3600" b="0" i="0" u="none" strike="noStrike" cap="none" dirty="0">
                 <a:solidFill>
                   <a:schemeClr val="lt1"/>
                 </a:solidFill>
@@ -8219,7 +8069,7 @@
               <a:t>“</a:t>
             </a:r>
             <a:r>
-              <a:rPr lang="en-US" sz="3600" b="0" u="none" strike="noStrike" cap="none" dirty="0">
+              <a:rPr lang="es-419" sz="3600" b="0" u="none" strike="noStrike" cap="none" dirty="0">
                 <a:solidFill>
                   <a:schemeClr val="lt1"/>
                 </a:solidFill>
@@ -8228,10 +8078,10 @@
                 <a:cs typeface="Arial" charset="0"/>
                 <a:sym typeface="Cabin"/>
               </a:rPr>
-              <a:t>bag</a:t>
-            </a:r>
-            <a:r>
-              <a:rPr lang="en-US" sz="3600" b="0" i="0" u="none" strike="noStrike" cap="none" dirty="0">
+              <a:t>bolsa</a:t>
+            </a:r>
+            <a:r>
+              <a:rPr lang="es-419" sz="3600" b="0" i="0" u="none" strike="noStrike" cap="none" dirty="0">
                 <a:solidFill>
                   <a:schemeClr val="lt1"/>
                 </a:solidFill>
@@ -8243,7 +8093,7 @@
               <a:t>”</a:t>
             </a:r>
             <a:r>
-              <a:rPr lang="en-US" sz="3600" b="0" u="none" strike="noStrike" cap="none" dirty="0">
+              <a:rPr lang="es-419" sz="3600" b="0" u="none" strike="noStrike" cap="none" dirty="0">
                 <a:solidFill>
                   <a:schemeClr val="lt1"/>
                 </a:solidFill>
@@ -8252,7 +8102,7 @@
                 <a:cs typeface="Arial" charset="0"/>
                 <a:sym typeface="Cabin"/>
               </a:rPr>
-              <a:t> of values, each with its own label</a:t>
+              <a:t> de valores, cada uno con una etiqueta</a:t>
             </a:r>
           </a:p>
         </p:txBody>
@@ -8397,13 +8247,6 @@
   <p:clrMapOvr>
     <a:masterClrMapping/>
   </p:clrMapOvr>
-  <p:timing>
-    <p:tnLst>
-      <p:par>
-        <p:cTn xmlns:p14="http://schemas.microsoft.com/office/powerpoint/2010/main" id="1" dur="indefinite" restart="never" nodeType="tmRoot"/>
-      </p:par>
-    </p:tnLst>
-  </p:timing>
 </p:sld>
 </file>
 
@@ -8471,7 +8314,7 @@
               <a:buNone/>
             </a:pPr>
             <a:r>
-              <a:rPr lang="en-US" sz="7600" u="none" strike="noStrike" cap="none" dirty="0">
+              <a:rPr lang="es-419" sz="7600" u="none" strike="noStrike" cap="none" dirty="0">
                 <a:solidFill>
                   <a:srgbClr val="FFFF00"/>
                 </a:solidFill>
@@ -8480,7 +8323,7 @@
                 <a:cs typeface="Arial" charset="0"/>
                 <a:sym typeface="Cabin"/>
               </a:rPr>
-              <a:t>Dictionaries</a:t>
+              <a:t>Diccionarios</a:t>
             </a:r>
           </a:p>
         </p:txBody>
@@ -8547,8 +8390,8 @@
         </p:nvSpPr>
         <p:spPr>
           <a:xfrm>
-            <a:off x="11709264" y="6225456"/>
-            <a:ext cx="1483640" cy="511119"/>
+            <a:off x="12075090" y="6225456"/>
+            <a:ext cx="1117814" cy="511119"/>
           </a:xfrm>
           <a:prstGeom prst="rect">
             <a:avLst/>
@@ -8584,7 +8427,7 @@
               <a:buNone/>
             </a:pPr>
             <a:r>
-              <a:rPr lang="en-US" sz="2800" u="none" strike="noStrike" cap="none">
+              <a:rPr lang="es-419" sz="2800" u="none" strike="noStrike" cap="none" dirty="0">
                 <a:solidFill>
                   <a:schemeClr val="lt1"/>
                 </a:solidFill>
@@ -8593,7 +8436,7 @@
                 <a:cs typeface="Arial" charset="0"/>
                 <a:sym typeface="Cabin"/>
               </a:rPr>
-              <a:t>money</a:t>
+              <a:t>dinero</a:t>
             </a:r>
           </a:p>
         </p:txBody>
@@ -8643,7 +8486,7 @@
               <a:buNone/>
             </a:pPr>
             <a:r>
-              <a:rPr lang="en-US" sz="2800" u="none" strike="noStrike" cap="none">
+              <a:rPr lang="es-419" sz="2800" dirty="0">
                 <a:solidFill>
                   <a:schemeClr val="lt1"/>
                 </a:solidFill>
@@ -8652,8 +8495,17 @@
                 <a:cs typeface="Arial" charset="0"/>
                 <a:sym typeface="Cabin"/>
               </a:rPr>
-              <a:t>tissue</a:t>
-            </a:r>
+              <a:t>papel</a:t>
+            </a:r>
+            <a:endParaRPr lang="es-419" sz="2800" u="none" strike="noStrike" cap="none" dirty="0">
+              <a:solidFill>
+                <a:schemeClr val="lt1"/>
+              </a:solidFill>
+              <a:latin typeface="Arial" charset="0"/>
+              <a:ea typeface="Arial" charset="0"/>
+              <a:cs typeface="Arial" charset="0"/>
+              <a:sym typeface="Cabin"/>
+            </a:endParaRPr>
           </a:p>
         </p:txBody>
       </p:sp>
@@ -8666,7 +8518,7 @@
         <p:spPr>
           <a:xfrm>
             <a:off x="8593669" y="4191079"/>
-            <a:ext cx="1691379" cy="511119"/>
+            <a:ext cx="1890616" cy="511119"/>
           </a:xfrm>
           <a:prstGeom prst="rect">
             <a:avLst/>
@@ -8702,7 +8554,7 @@
               <a:buNone/>
             </a:pPr>
             <a:r>
-              <a:rPr lang="en-US" sz="2800" u="none" strike="noStrike" cap="none">
+              <a:rPr lang="es-419" sz="2800" u="none" strike="noStrike" cap="none" dirty="0">
                 <a:solidFill>
                   <a:schemeClr val="lt1"/>
                 </a:solidFill>
@@ -8711,7 +8563,7 @@
                 <a:cs typeface="Arial" charset="0"/>
                 <a:sym typeface="Cabin"/>
               </a:rPr>
-              <a:t>calculator</a:t>
+              <a:t>calculadora</a:t>
             </a:r>
           </a:p>
         </p:txBody>
@@ -8724,8 +8576,8 @@
         </p:nvSpPr>
         <p:spPr>
           <a:xfrm>
-            <a:off x="7782499" y="5536898"/>
-            <a:ext cx="1691379" cy="511119"/>
+            <a:off x="8128000" y="5536898"/>
+            <a:ext cx="1345878" cy="511119"/>
           </a:xfrm>
           <a:prstGeom prst="rect">
             <a:avLst/>
@@ -8761,7 +8613,7 @@
               <a:buNone/>
             </a:pPr>
             <a:r>
-              <a:rPr lang="en-US" sz="2800" u="none" strike="noStrike" cap="none">
+              <a:rPr lang="es-419" sz="2800" u="none" strike="noStrike" cap="none" dirty="0">
                 <a:solidFill>
                   <a:schemeClr val="lt1"/>
                 </a:solidFill>
@@ -8820,7 +8672,7 @@
               <a:buNone/>
             </a:pPr>
             <a:r>
-              <a:rPr lang="en-US" sz="2800" u="none" strike="noStrike" cap="none">
+              <a:rPr lang="es-419" sz="2800" u="none" strike="noStrike" cap="none" dirty="0">
                 <a:solidFill>
                   <a:schemeClr val="lt1"/>
                 </a:solidFill>
@@ -8829,7 +8681,7 @@
                 <a:cs typeface="Arial" charset="0"/>
                 <a:sym typeface="Cabin"/>
               </a:rPr>
-              <a:t>candy</a:t>
+              <a:t>dulce</a:t>
             </a:r>
           </a:p>
         </p:txBody>
@@ -8859,36 +8711,28 @@
           </a:bodyPr>
           <a:lstStyle/>
           <a:p>
-            <a:pPr marL="0" marR="0" lvl="0" indent="0" algn="ctr" rtl="0">
-              <a:lnSpc>
-                <a:spcPct val="100000"/>
-              </a:lnSpc>
-              <a:spcBef>
-                <a:spcPts val="0"/>
-              </a:spcBef>
-              <a:spcAft>
-                <a:spcPts val="0"/>
-              </a:spcAft>
+            <a:pPr lvl="0" algn="ctr">
               <a:buClr>
                 <a:schemeClr val="lt1"/>
               </a:buClr>
               <a:buSzPct val="25000"/>
-              <a:buFont typeface="Cabin"/>
-              <a:buNone/>
             </a:pPr>
             <a:r>
-              <a:rPr lang="en-US" sz="3000" u="sng" strike="noStrike" cap="none" dirty="0">
-                <a:solidFill>
-                  <a:srgbClr val="FFFF00"/>
-                </a:solidFill>
-                <a:latin typeface="Arial" charset="0"/>
-                <a:ea typeface="Arial" charset="0"/>
-                <a:cs typeface="Arial" charset="0"/>
-                <a:sym typeface="Cabin"/>
+              <a:rPr lang="en-US" sz="3200" dirty="0">
                 <a:hlinkClick r:id="rId5"/>
               </a:rPr>
-              <a:t>http://en.wikipedia.org/wiki/Associative_array</a:t>
-            </a:r>
+              <a:t>https://es.wikipedia.org/wiki/Vector_asociativo</a:t>
+            </a:r>
+            <a:endParaRPr lang="es-419" sz="3000" u="sng" strike="noStrike" cap="none" dirty="0">
+              <a:solidFill>
+                <a:srgbClr val="FFFF00"/>
+              </a:solidFill>
+              <a:latin typeface="Arial" charset="0"/>
+              <a:ea typeface="Arial" charset="0"/>
+              <a:cs typeface="Arial" charset="0"/>
+              <a:sym typeface="Cabin"/>
+              <a:hlinkClick r:id="rId6"/>
+            </a:endParaRPr>
           </a:p>
         </p:txBody>
       </p:sp>
@@ -8897,13 +8741,6 @@
   <p:clrMapOvr>
     <a:masterClrMapping/>
   </p:clrMapOvr>
-  <p:timing>
-    <p:tnLst>
-      <p:par>
-        <p:cTn xmlns:p14="http://schemas.microsoft.com/office/powerpoint/2010/main" id="1" dur="indefinite" restart="never" nodeType="tmRoot"/>
-      </p:par>
-    </p:tnLst>
-  </p:timing>
 </p:sld>
 </file>
 
@@ -8967,7 +8804,7 @@
               <a:buNone/>
             </a:pPr>
             <a:r>
-              <a:rPr lang="en-US" sz="7600" u="none" strike="noStrike" cap="none">
+              <a:rPr lang="es-419" sz="7600" u="none" strike="noStrike" cap="none" dirty="0">
                 <a:solidFill>
                   <a:srgbClr val="FFFF00"/>
                 </a:solidFill>
@@ -8976,7 +8813,7 @@
                 <a:cs typeface="Arial" charset="0"/>
                 <a:sym typeface="Cabin"/>
               </a:rPr>
-              <a:t>Dictionaries</a:t>
+              <a:t>Diccionarios</a:t>
             </a:r>
           </a:p>
         </p:txBody>
@@ -8994,7 +8831,7 @@
         <p:spPr>
           <a:xfrm>
             <a:off x="584496" y="2019030"/>
-            <a:ext cx="14630400" cy="5902068"/>
+            <a:ext cx="12592885" cy="5902068"/>
           </a:xfrm>
           <a:prstGeom prst="rect">
             <a:avLst/>
@@ -9028,7 +8865,7 @@
               <a:buChar char="•"/>
             </a:pPr>
             <a:r>
-              <a:rPr lang="en-US" sz="3000" b="0" u="none" strike="noStrike" cap="none" dirty="0">
+              <a:rPr lang="es-419" sz="3000" b="0" dirty="0">
                 <a:solidFill>
                   <a:schemeClr val="lt1"/>
                 </a:solidFill>
@@ -9037,8 +8874,17 @@
                 <a:cs typeface="Arial" charset="0"/>
                 <a:sym typeface="Cabin"/>
               </a:rPr>
-              <a:t>Dictionaries are Python’s most powerful data collection</a:t>
-            </a:r>
+              <a:t>Los diccionarios son la colección de datos más poderosa de Python</a:t>
+            </a:r>
+            <a:endParaRPr lang="es-419" sz="3000" b="0" u="none" strike="noStrike" cap="none" dirty="0">
+              <a:solidFill>
+                <a:schemeClr val="lt1"/>
+              </a:solidFill>
+              <a:latin typeface="Arial" charset="0"/>
+              <a:ea typeface="Arial" charset="0"/>
+              <a:cs typeface="Arial" charset="0"/>
+              <a:sym typeface="Cabin"/>
+            </a:endParaRPr>
           </a:p>
           <a:p>
             <a:pPr marL="749300" marR="0" lvl="0" indent="-332994" algn="l" rtl="0">
@@ -9059,7 +8905,7 @@
               <a:buChar char="•"/>
             </a:pPr>
             <a:r>
-              <a:rPr lang="en-US" sz="3000" b="0" u="none" strike="noStrike" cap="none" dirty="0">
+              <a:rPr lang="es-419" sz="3000" b="0" u="none" strike="noStrike" cap="none" dirty="0">
                 <a:solidFill>
                   <a:schemeClr val="lt1"/>
                 </a:solidFill>
@@ -9068,7 +8914,7 @@
                 <a:cs typeface="Arial" charset="0"/>
                 <a:sym typeface="Cabin"/>
               </a:rPr>
-              <a:t>Dictionaries allow us to do fast database-like operations in Python</a:t>
+              <a:t>Los diccionarios nos permiten hacer operaciones rápidas similares a una base de datos en Python</a:t>
             </a:r>
           </a:p>
           <a:p>
@@ -9090,7 +8936,7 @@
               <a:buChar char="•"/>
             </a:pPr>
             <a:r>
-              <a:rPr lang="en-US" sz="3000" b="0" u="none" strike="noStrike" cap="none" dirty="0">
+              <a:rPr lang="es-419" sz="3000" b="0" u="none" strike="noStrike" cap="none" dirty="0">
                 <a:solidFill>
                   <a:schemeClr val="lt1"/>
                 </a:solidFill>
@@ -9099,7 +8945,7 @@
                 <a:cs typeface="Arial" charset="0"/>
                 <a:sym typeface="Cabin"/>
               </a:rPr>
-              <a:t>Dictionaries have different names in different languages</a:t>
+              <a:t>Los diccionarios tienen diferentes nombres en diferentes lenguajes</a:t>
             </a:r>
           </a:p>
           <a:p>
@@ -9120,7 +8966,7 @@
               <a:buFont typeface="Cabin"/>
             </a:pPr>
             <a:r>
-              <a:rPr lang="en-US" sz="3000" b="0" u="none" strike="noStrike" cap="none" dirty="0">
+              <a:rPr lang="es-419" sz="3000" b="0" u="none" strike="noStrike" cap="none" dirty="0">
                 <a:solidFill>
                   <a:schemeClr val="lt1"/>
                 </a:solidFill>
@@ -9129,10 +8975,10 @@
                 <a:cs typeface="Arial" charset="0"/>
                 <a:sym typeface="Cabin"/>
               </a:rPr>
-              <a:t>Associative Arrays - Perl / P</a:t>
-            </a:r>
-            <a:r>
-              <a:rPr lang="en-US" sz="3000" b="0" dirty="0">
+              <a:t>Vectores Asociativos - Perl / P</a:t>
+            </a:r>
+            <a:r>
+              <a:rPr lang="es-419" sz="3000" b="0" dirty="0">
                 <a:solidFill>
                   <a:schemeClr val="lt1"/>
                 </a:solidFill>
@@ -9162,7 +9008,7 @@
               <a:buFont typeface="Cabin"/>
             </a:pPr>
             <a:r>
-              <a:rPr lang="en-US" sz="3000" b="0" u="none" strike="noStrike" cap="none" dirty="0">
+              <a:rPr lang="es-419" sz="3000" b="0" u="none" strike="noStrike" cap="none" dirty="0">
                 <a:solidFill>
                   <a:schemeClr val="lt1"/>
                 </a:solidFill>
@@ -9171,10 +9017,10 @@
                 <a:cs typeface="Arial" charset="0"/>
                 <a:sym typeface="Cabin"/>
               </a:rPr>
-              <a:t>Properties or Map or </a:t>
-            </a:r>
-            <a:r>
-              <a:rPr lang="en-US" sz="3000" b="0" u="none" strike="noStrike" cap="none" dirty="0" err="1">
+              <a:t>Propiedades o Mapas o </a:t>
+            </a:r>
+            <a:r>
+              <a:rPr lang="es-419" sz="3000" b="0" u="none" strike="noStrike" cap="none" dirty="0" err="1">
                 <a:solidFill>
                   <a:schemeClr val="lt1"/>
                 </a:solidFill>
@@ -9186,7 +9032,7 @@
               <a:t>HashMap</a:t>
             </a:r>
             <a:r>
-              <a:rPr lang="en-US" sz="3000" b="0" u="none" strike="noStrike" cap="none" dirty="0">
+              <a:rPr lang="es-419" sz="3000" b="0" u="none" strike="noStrike" cap="none" dirty="0">
                 <a:solidFill>
                   <a:schemeClr val="lt1"/>
                 </a:solidFill>
@@ -9216,7 +9062,7 @@
               <a:buFont typeface="Cabin"/>
             </a:pPr>
             <a:r>
-              <a:rPr lang="en-US" sz="3000" b="0" u="none" strike="noStrike" cap="none" dirty="0">
+              <a:rPr lang="es-419" sz="3000" b="0" u="none" strike="noStrike" cap="none" dirty="0">
                 <a:solidFill>
                   <a:schemeClr val="lt1"/>
                 </a:solidFill>
@@ -9225,10 +9071,10 @@
                 <a:cs typeface="Arial" charset="0"/>
                 <a:sym typeface="Cabin"/>
               </a:rPr>
-              <a:t>Property Bag - C# / </a:t>
-            </a:r>
-            <a:r>
-              <a:rPr lang="en-US" sz="3000" b="0" u="none" strike="noStrike" cap="none" dirty="0" err="1">
+              <a:t>Bolsa de Propiedades - C# / </a:t>
+            </a:r>
+            <a:r>
+              <a:rPr lang="es-419" sz="3000" b="0" u="none" strike="noStrike" cap="none" dirty="0" err="1">
                 <a:solidFill>
                   <a:schemeClr val="lt1"/>
                 </a:solidFill>
@@ -9239,7 +9085,7 @@
               </a:rPr>
               <a:t>.Net</a:t>
             </a:r>
-            <a:endParaRPr lang="en-US" sz="3000" b="0" u="none" strike="noStrike" cap="none" dirty="0">
+            <a:endParaRPr lang="es-419" sz="3000" b="0" u="none" strike="noStrike" cap="none" dirty="0">
               <a:solidFill>
                 <a:schemeClr val="lt1"/>
               </a:solidFill>
@@ -9283,13 +9129,6 @@
   <p:clrMapOvr>
     <a:masterClrMapping/>
   </p:clrMapOvr>
-  <p:timing>
-    <p:tnLst>
-      <p:par>
-        <p:cTn xmlns:p14="http://schemas.microsoft.com/office/powerpoint/2010/main" id="1" dur="indefinite" restart="never" nodeType="tmRoot"/>
-      </p:par>
-    </p:tnLst>
-  </p:timing>
 </p:sld>
 </file>
 
@@ -9353,7 +9192,7 @@
               <a:buNone/>
             </a:pPr>
             <a:r>
-              <a:rPr lang="en-US" sz="7600" u="none" strike="noStrike" cap="none">
+              <a:rPr lang="es-419" sz="7600" dirty="0">
                 <a:solidFill>
                   <a:srgbClr val="FFFF00"/>
                 </a:solidFill>
@@ -9362,8 +9201,17 @@
                 <a:cs typeface="Arial" charset="0"/>
                 <a:sym typeface="Cabin"/>
               </a:rPr>
-              <a:t>Dictionaries</a:t>
-            </a:r>
+              <a:t>Diccionarios</a:t>
+            </a:r>
+            <a:endParaRPr lang="es-419" sz="7600" u="none" strike="noStrike" cap="none" dirty="0">
+              <a:solidFill>
+                <a:srgbClr val="FFFF00"/>
+              </a:solidFill>
+              <a:latin typeface="Arial" charset="0"/>
+              <a:ea typeface="Arial" charset="0"/>
+              <a:cs typeface="Arial" charset="0"/>
+              <a:sym typeface="Cabin"/>
+            </a:endParaRPr>
           </a:p>
         </p:txBody>
       </p:sp>
@@ -9414,7 +9262,7 @@
               <a:buChar char="•"/>
             </a:pPr>
             <a:r>
-              <a:rPr lang="en-US" sz="3600" b="0" u="none" strike="noStrike" cap="none" dirty="0">
+              <a:rPr lang="es-419" sz="3600" b="0" u="none" strike="noStrike" cap="none" dirty="0">
                 <a:solidFill>
                   <a:schemeClr val="lt1"/>
                 </a:solidFill>
@@ -9423,31 +9271,43 @@
                 <a:cs typeface="Arial" charset="0"/>
                 <a:sym typeface="Cabin"/>
               </a:rPr>
-              <a:t>Lists </a:t>
-            </a:r>
-            <a:r>
-              <a:rPr lang="en-US" sz="3600" b="0" u="none" strike="noStrike" cap="none" dirty="0">
-                <a:solidFill>
-                  <a:srgbClr val="00FFFF"/>
+              <a:t>Las </a:t>
+            </a:r>
+            <a:r>
+              <a:rPr lang="es-419" sz="3600" b="0" dirty="0">
+                <a:solidFill>
+                  <a:schemeClr val="lt1"/>
                 </a:solidFill>
                 <a:latin typeface="Arial" charset="0"/>
                 <a:ea typeface="Arial" charset="0"/>
                 <a:cs typeface="Arial" charset="0"/>
                 <a:sym typeface="Cabin"/>
               </a:rPr>
-              <a:t>index</a:t>
-            </a:r>
-            <a:r>
-              <a:rPr lang="en-US" sz="3600" b="0" u="none" strike="noStrike" cap="none" dirty="0">
-                <a:solidFill>
-                  <a:schemeClr val="lt1"/>
+              <a:t>listas </a:t>
+            </a:r>
+            <a:r>
+              <a:rPr lang="es-419" sz="3600" b="0" u="none" strike="noStrike" cap="none" dirty="0">
+                <a:solidFill>
+                  <a:srgbClr val="00FFFF"/>
                 </a:solidFill>
                 <a:latin typeface="Arial" charset="0"/>
                 <a:ea typeface="Arial" charset="0"/>
                 <a:cs typeface="Arial" charset="0"/>
                 <a:sym typeface="Cabin"/>
               </a:rPr>
-              <a:t> their entries based on the position in the list</a:t>
+              <a:t>indexan</a:t>
+            </a:r>
+            <a:r>
+              <a:rPr lang="es-419" sz="3600" b="0" u="none" strike="noStrike" cap="none" dirty="0">
+                <a:solidFill>
+                  <a:schemeClr val="lt1"/>
+                </a:solidFill>
+                <a:latin typeface="Arial" charset="0"/>
+                <a:ea typeface="Arial" charset="0"/>
+                <a:cs typeface="Arial" charset="0"/>
+                <a:sym typeface="Cabin"/>
+              </a:rPr>
+              <a:t> sus entradas basadas en la posición en la lista</a:t>
             </a:r>
           </a:p>
           <a:p>
@@ -9456,50 +9316,7 @@
                 <a:spcPct val="100000"/>
               </a:lnSpc>
               <a:spcBef>
-                <a:spcPts val="3500"/>
-              </a:spcBef>
-              <a:spcAft>
-                <a:spcPts val="0"/>
-              </a:spcAft>
-              <a:buClr>
-                <a:srgbClr val="FF00FF"/>
-              </a:buClr>
-              <a:buSzPct val="100000"/>
-              <a:buFont typeface="Cabin"/>
-              <a:buChar char="•"/>
-            </a:pPr>
-            <a:r>
-              <a:rPr lang="en-US" sz="3600" b="0" u="none" strike="noStrike" cap="none" dirty="0">
-                <a:solidFill>
-                  <a:srgbClr val="FF00FF"/>
-                </a:solidFill>
-                <a:latin typeface="Arial" charset="0"/>
-                <a:ea typeface="Arial" charset="0"/>
-                <a:cs typeface="Arial" charset="0"/>
-                <a:sym typeface="Cabin"/>
-              </a:rPr>
-              <a:t>Dictionaries</a:t>
-            </a:r>
-            <a:r>
-              <a:rPr lang="en-US" sz="3600" b="0" u="none" strike="noStrike" cap="none" dirty="0">
-                <a:solidFill>
-                  <a:schemeClr val="lt1"/>
-                </a:solidFill>
-                <a:latin typeface="Arial" charset="0"/>
-                <a:ea typeface="Arial" charset="0"/>
-                <a:cs typeface="Arial" charset="0"/>
-                <a:sym typeface="Cabin"/>
-              </a:rPr>
-              <a:t> are like bags - no order</a:t>
-            </a:r>
-          </a:p>
-          <a:p>
-            <a:pPr marL="749300" marR="0" lvl="0" indent="-371094" algn="l" rtl="0">
-              <a:lnSpc>
-                <a:spcPct val="100000"/>
-              </a:lnSpc>
-              <a:spcBef>
-                <a:spcPts val="3500"/>
+                <a:spcPts val="0"/>
               </a:spcBef>
               <a:spcAft>
                 <a:spcPts val="0"/>
@@ -9511,8 +9328,36 @@
               <a:buFont typeface="Cabin"/>
               <a:buChar char="•"/>
             </a:pPr>
-            <a:r>
-              <a:rPr lang="en-US" sz="3600" b="0" u="none" strike="noStrike" cap="none" dirty="0">
+            <a:endParaRPr lang="es-419" sz="3600" b="0" dirty="0">
+              <a:solidFill>
+                <a:schemeClr val="lt1"/>
+              </a:solidFill>
+              <a:latin typeface="Arial" charset="0"/>
+              <a:ea typeface="Arial" charset="0"/>
+              <a:cs typeface="Arial" charset="0"/>
+              <a:sym typeface="Cabin"/>
+            </a:endParaRPr>
+          </a:p>
+          <a:p>
+            <a:pPr marL="749300" marR="0" lvl="0" indent="-371094" algn="l" rtl="0">
+              <a:lnSpc>
+                <a:spcPct val="100000"/>
+              </a:lnSpc>
+              <a:spcBef>
+                <a:spcPts val="0"/>
+              </a:spcBef>
+              <a:spcAft>
+                <a:spcPts val="0"/>
+              </a:spcAft>
+              <a:buClr>
+                <a:schemeClr val="lt1"/>
+              </a:buClr>
+              <a:buSzPct val="100000"/>
+              <a:buFont typeface="Cabin"/>
+              <a:buChar char="•"/>
+            </a:pPr>
+            <a:r>
+              <a:rPr lang="es-419" sz="3600" b="0" u="none" strike="noStrike" cap="none" dirty="0">
                 <a:solidFill>
                   <a:schemeClr val="lt1"/>
                 </a:solidFill>
@@ -9521,22 +9366,22 @@
                 <a:cs typeface="Arial" charset="0"/>
                 <a:sym typeface="Cabin"/>
               </a:rPr>
-              <a:t>So we </a:t>
-            </a:r>
-            <a:r>
-              <a:rPr lang="en-US" sz="3600" b="0" u="none" strike="noStrike" cap="none" dirty="0">
-                <a:solidFill>
-                  <a:srgbClr val="00FFFF"/>
+              <a:t>Los </a:t>
+            </a:r>
+            <a:r>
+              <a:rPr lang="es-419" sz="3600" b="0" u="none" strike="noStrike" cap="none" dirty="0">
+                <a:solidFill>
+                  <a:srgbClr val="FF00FF"/>
                 </a:solidFill>
                 <a:latin typeface="Arial" charset="0"/>
                 <a:ea typeface="Arial" charset="0"/>
                 <a:cs typeface="Arial" charset="0"/>
                 <a:sym typeface="Cabin"/>
               </a:rPr>
-              <a:t>index</a:t>
-            </a:r>
-            <a:r>
-              <a:rPr lang="en-US" sz="3600" b="0" u="none" strike="noStrike" cap="none" dirty="0">
+              <a:t>Diccionarios</a:t>
+            </a:r>
+            <a:r>
+              <a:rPr lang="es-419" sz="3600" b="0" u="none" strike="noStrike" cap="none" dirty="0">
                 <a:solidFill>
                   <a:schemeClr val="lt1"/>
                 </a:solidFill>
@@ -9545,34 +9390,89 @@
                 <a:cs typeface="Arial" charset="0"/>
                 <a:sym typeface="Cabin"/>
               </a:rPr>
-              <a:t> the things we put in the </a:t>
-            </a:r>
-            <a:r>
-              <a:rPr lang="en-US" sz="3600" b="0" u="none" strike="noStrike" cap="none" dirty="0">
-                <a:solidFill>
-                  <a:srgbClr val="FF00FF"/>
+              <a:t> son como bolsas – no tienen orden</a:t>
+            </a:r>
+          </a:p>
+          <a:p>
+            <a:pPr marL="749300" marR="0" lvl="0" indent="-371094" algn="l" rtl="0">
+              <a:lnSpc>
+                <a:spcPct val="100000"/>
+              </a:lnSpc>
+              <a:spcBef>
+                <a:spcPts val="3500"/>
+              </a:spcBef>
+              <a:spcAft>
+                <a:spcPts val="0"/>
+              </a:spcAft>
+              <a:buClr>
+                <a:schemeClr val="lt1"/>
+              </a:buClr>
+              <a:buSzPct val="100000"/>
+              <a:buFont typeface="Cabin"/>
+              <a:buChar char="•"/>
+            </a:pPr>
+            <a:r>
+              <a:rPr lang="es-419" sz="3600" b="0" u="none" strike="noStrike" cap="none" dirty="0">
+                <a:solidFill>
+                  <a:schemeClr val="lt1"/>
                 </a:solidFill>
                 <a:latin typeface="Arial" charset="0"/>
                 <a:ea typeface="Arial" charset="0"/>
                 <a:cs typeface="Arial" charset="0"/>
                 <a:sym typeface="Cabin"/>
               </a:rPr>
-              <a:t>dictionary</a:t>
-            </a:r>
-            <a:r>
-              <a:rPr lang="en-US" sz="3600" b="0" u="none" strike="noStrike" cap="none" dirty="0">
-                <a:solidFill>
-                  <a:schemeClr val="lt1"/>
+              <a:t>Así que </a:t>
+            </a:r>
+            <a:r>
+              <a:rPr lang="es-419" sz="3600" b="0" u="none" strike="noStrike" cap="none" dirty="0">
+                <a:solidFill>
+                  <a:srgbClr val="00FFFF"/>
                 </a:solidFill>
                 <a:latin typeface="Arial" charset="0"/>
                 <a:ea typeface="Arial" charset="0"/>
                 <a:cs typeface="Arial" charset="0"/>
                 <a:sym typeface="Cabin"/>
               </a:rPr>
-              <a:t> with a </a:t>
-            </a:r>
-            <a:r>
-              <a:rPr lang="en-US" sz="3600" b="0" i="0" u="none" strike="noStrike" cap="none" dirty="0">
+              <a:t>indexamos</a:t>
+            </a:r>
+            <a:r>
+              <a:rPr lang="es-419" sz="3600" b="0" u="none" strike="noStrike" cap="none" dirty="0">
+                <a:solidFill>
+                  <a:schemeClr val="lt1"/>
+                </a:solidFill>
+                <a:latin typeface="Arial" charset="0"/>
+                <a:ea typeface="Arial" charset="0"/>
+                <a:cs typeface="Arial" charset="0"/>
+                <a:sym typeface="Cabin"/>
+              </a:rPr>
+              <a:t> las cosas que ponemos en un </a:t>
+            </a:r>
+            <a:r>
+              <a:rPr lang="es-419" sz="3600" b="0" u="none" strike="noStrike" cap="none" dirty="0">
+                <a:solidFill>
+                  <a:srgbClr val="FF00FF"/>
+                </a:solidFill>
+                <a:latin typeface="Arial" charset="0"/>
+                <a:ea typeface="Arial" charset="0"/>
+                <a:cs typeface="Arial" charset="0"/>
+                <a:sym typeface="Cabin"/>
+              </a:rPr>
+              <a:t>diccionario</a:t>
+            </a:r>
+            <a:r>
+              <a:rPr lang="es-419" sz="3600" b="0" u="none" strike="noStrike" cap="none" dirty="0">
+                <a:solidFill>
+                  <a:schemeClr val="lt1"/>
+                </a:solidFill>
+                <a:latin typeface="Arial" charset="0"/>
+                <a:ea typeface="Arial" charset="0"/>
+                <a:cs typeface="Arial" charset="0"/>
+                <a:sym typeface="Cabin"/>
+              </a:rPr>
+              <a:t> con una </a:t>
+            </a:r>
+            <a:r>
+              <a:rPr lang="es-419" sz="3600" b="0" i="0" u="none" strike="noStrike" cap="none" dirty="0">
                 <a:solidFill>
                   <a:srgbClr val="00FFFF"/>
                 </a:solidFill>
@@ -9581,31 +9481,7 @@
                 <a:cs typeface="Arial"/>
                 <a:sym typeface="Arial"/>
               </a:rPr>
-              <a:t>“</a:t>
-            </a:r>
-            <a:r>
-              <a:rPr lang="en-US" sz="3600" b="0" u="none" strike="noStrike" cap="none" dirty="0">
-                <a:solidFill>
-                  <a:srgbClr val="00FFFF"/>
-                </a:solidFill>
-                <a:latin typeface="Arial" charset="0"/>
-                <a:ea typeface="Arial" charset="0"/>
-                <a:cs typeface="Arial" charset="0"/>
-                <a:sym typeface="Cabin"/>
-              </a:rPr>
-              <a:t>lookup tag</a:t>
-            </a:r>
-            <a:r>
-              <a:rPr lang="en-US" sz="3600" b="0" i="0" u="none" strike="noStrike" cap="none" dirty="0">
-                <a:solidFill>
-                  <a:srgbClr val="00FFFF"/>
-                </a:solidFill>
-                <a:latin typeface="Arial"/>
-                <a:ea typeface="Arial"/>
-                <a:cs typeface="Arial"/>
-                <a:sym typeface="Arial"/>
-              </a:rPr>
-              <a:t>”</a:t>
+              <a:t>“etiqueta de búsqueda”</a:t>
             </a:r>
           </a:p>
         </p:txBody>
@@ -9653,7 +9529,7 @@
               <a:buNone/>
             </a:pPr>
             <a:r>
-              <a:rPr lang="en-US" sz="2400" b="1" i="0" u="none" strike="noStrike" cap="none" dirty="0">
+              <a:rPr lang="es-419" sz="2400" b="1" i="0" u="none" strike="noStrike" cap="none" dirty="0">
                 <a:solidFill>
                   <a:schemeClr val="lt1"/>
                 </a:solidFill>
@@ -9665,7 +9541,7 @@
               <a:t>&gt;&gt;&gt; </a:t>
             </a:r>
             <a:r>
-              <a:rPr lang="en-US" sz="2400" b="1" i="0" u="none" strike="noStrike" cap="none" dirty="0">
+              <a:rPr lang="es-419" sz="2400" b="1" i="0" u="none" strike="noStrike" cap="none" dirty="0">
                 <a:solidFill>
                   <a:srgbClr val="00FF00"/>
                 </a:solidFill>
@@ -9674,10 +9550,10 @@
                 <a:cs typeface="Courier New"/>
                 <a:sym typeface="Courier New"/>
               </a:rPr>
-              <a:t>purse</a:t>
-            </a:r>
-            <a:r>
-              <a:rPr lang="en-US" sz="2400" b="1" i="0" u="none" strike="noStrike" cap="none" dirty="0">
+              <a:t>bolsa</a:t>
+            </a:r>
+            <a:r>
+              <a:rPr lang="es-419" sz="2400" b="1" i="0" u="none" strike="noStrike" cap="none" dirty="0">
                 <a:solidFill>
                   <a:schemeClr val="lt1"/>
                 </a:solidFill>
@@ -9689,7 +9565,7 @@
               <a:t> = </a:t>
             </a:r>
             <a:r>
-              <a:rPr lang="en-US" sz="2400" b="1" i="0" u="none" strike="noStrike" cap="none" dirty="0" err="1">
+              <a:rPr lang="es-419" sz="2400" b="1" i="0" u="none" strike="noStrike" cap="none" dirty="0" err="1">
                 <a:solidFill>
                   <a:srgbClr val="FF00FF"/>
                 </a:solidFill>
@@ -9701,7 +9577,7 @@
               <a:t>dict</a:t>
             </a:r>
             <a:r>
-              <a:rPr lang="en-US" sz="2400" b="1" i="0" u="none" strike="noStrike" cap="none" dirty="0">
+              <a:rPr lang="es-419" sz="2400" b="1" i="0" u="none" strike="noStrike" cap="none" dirty="0">
                 <a:solidFill>
                   <a:schemeClr val="lt1"/>
                 </a:solidFill>
@@ -9711,6 +9587,174 @@
                 <a:sym typeface="Courier New"/>
               </a:rPr>
               <a:t>()</a:t>
+            </a:r>
+          </a:p>
+          <a:p>
+            <a:pPr lvl="0">
+              <a:buClr>
+                <a:schemeClr val="lt1"/>
+              </a:buClr>
+              <a:buSzPct val="25000"/>
+            </a:pPr>
+            <a:r>
+              <a:rPr lang="es-419" sz="2400" b="1" i="0" u="none" strike="noStrike" cap="none" dirty="0">
+                <a:solidFill>
+                  <a:schemeClr val="lt1"/>
+                </a:solidFill>
+                <a:latin typeface="Courier New"/>
+                <a:ea typeface="Courier New"/>
+                <a:cs typeface="Courier New"/>
+                <a:sym typeface="Courier New"/>
+              </a:rPr>
+              <a:t>&gt;&gt;&gt; </a:t>
+            </a:r>
+            <a:r>
+              <a:rPr lang="es-419" sz="2400" b="1" i="0" u="none" strike="noStrike" cap="none" dirty="0">
+                <a:solidFill>
+                  <a:srgbClr val="00FF00"/>
+                </a:solidFill>
+                <a:latin typeface="Courier New"/>
+                <a:ea typeface="Courier New"/>
+                <a:cs typeface="Courier New"/>
+                <a:sym typeface="Courier New"/>
+              </a:rPr>
+              <a:t>bolsa</a:t>
+            </a:r>
+            <a:r>
+              <a:rPr lang="es-419" sz="2400" b="1" dirty="0">
+                <a:solidFill>
+                  <a:srgbClr val="00FFFF"/>
+                </a:solidFill>
+                <a:latin typeface="Courier New"/>
+                <a:ea typeface="Courier New"/>
+                <a:cs typeface="Courier New"/>
+                <a:sym typeface="Courier New"/>
+              </a:rPr>
+              <a:t>['dinero']</a:t>
+            </a:r>
+            <a:r>
+              <a:rPr lang="es-419" sz="2400" b="1" i="0" u="none" strike="noStrike" cap="none" dirty="0">
+                <a:solidFill>
+                  <a:schemeClr val="lt1"/>
+                </a:solidFill>
+                <a:latin typeface="Courier New"/>
+                <a:ea typeface="Courier New"/>
+                <a:cs typeface="Courier New"/>
+                <a:sym typeface="Courier New"/>
+              </a:rPr>
+              <a:t> = 12</a:t>
+            </a:r>
+          </a:p>
+          <a:p>
+            <a:pPr lvl="0">
+              <a:buClr>
+                <a:schemeClr val="lt1"/>
+              </a:buClr>
+              <a:buSzPct val="25000"/>
+            </a:pPr>
+            <a:r>
+              <a:rPr lang="es-419" sz="2400" b="1" i="0" u="none" strike="noStrike" cap="none" dirty="0">
+                <a:solidFill>
+                  <a:schemeClr val="lt1"/>
+                </a:solidFill>
+                <a:latin typeface="Courier New"/>
+                <a:ea typeface="Courier New"/>
+                <a:cs typeface="Courier New"/>
+                <a:sym typeface="Courier New"/>
+              </a:rPr>
+              <a:t>&gt;&gt;&gt; </a:t>
+            </a:r>
+            <a:r>
+              <a:rPr lang="es-419" sz="2400" b="1" i="0" u="none" strike="noStrike" cap="none" dirty="0">
+                <a:solidFill>
+                  <a:srgbClr val="00FF00"/>
+                </a:solidFill>
+                <a:latin typeface="Courier New"/>
+                <a:ea typeface="Courier New"/>
+                <a:cs typeface="Courier New"/>
+                <a:sym typeface="Courier New"/>
+              </a:rPr>
+              <a:t>bolsa</a:t>
+            </a:r>
+            <a:r>
+              <a:rPr lang="es-419" sz="2400" b="1" dirty="0">
+                <a:solidFill>
+                  <a:srgbClr val="00FFFF"/>
+                </a:solidFill>
+                <a:latin typeface="Courier New"/>
+                <a:ea typeface="Courier New"/>
+                <a:cs typeface="Courier New"/>
+                <a:sym typeface="Courier New"/>
+              </a:rPr>
+              <a:t>['dulce']</a:t>
+            </a:r>
+            <a:r>
+              <a:rPr lang="es-419" sz="2400" b="1" i="0" u="none" strike="noStrike" cap="none" dirty="0">
+                <a:solidFill>
+                  <a:schemeClr val="lt1"/>
+                </a:solidFill>
+                <a:latin typeface="Courier New"/>
+                <a:ea typeface="Courier New"/>
+                <a:cs typeface="Courier New"/>
+                <a:sym typeface="Courier New"/>
+              </a:rPr>
+              <a:t> = 3</a:t>
+            </a:r>
+          </a:p>
+          <a:p>
+            <a:pPr lvl="0">
+              <a:buClr>
+                <a:schemeClr val="lt1"/>
+              </a:buClr>
+              <a:buSzPct val="25000"/>
+            </a:pPr>
+            <a:r>
+              <a:rPr lang="es-419" sz="2400" b="1" i="0" u="none" strike="noStrike" cap="none" dirty="0">
+                <a:solidFill>
+                  <a:schemeClr val="lt1"/>
+                </a:solidFill>
+                <a:latin typeface="Courier New"/>
+                <a:ea typeface="Courier New"/>
+                <a:cs typeface="Courier New"/>
+                <a:sym typeface="Courier New"/>
+              </a:rPr>
+              <a:t>&gt;&gt;&gt; </a:t>
+            </a:r>
+            <a:r>
+              <a:rPr lang="es-419" sz="2400" b="1" i="0" u="none" strike="noStrike" cap="none" dirty="0">
+                <a:solidFill>
+                  <a:srgbClr val="00FF00"/>
+                </a:solidFill>
+                <a:latin typeface="Courier New"/>
+                <a:ea typeface="Courier New"/>
+                <a:cs typeface="Courier New"/>
+                <a:sym typeface="Courier New"/>
+              </a:rPr>
+              <a:t>bolsa</a:t>
+            </a:r>
+            <a:r>
+              <a:rPr lang="es-419" sz="2400" b="1" dirty="0">
+                <a:solidFill>
+                  <a:srgbClr val="00FFFF"/>
+                </a:solidFill>
+                <a:latin typeface="Courier New"/>
+                <a:ea typeface="Courier New"/>
+                <a:cs typeface="Courier New"/>
+                <a:sym typeface="Courier New"/>
+              </a:rPr>
+              <a:t>['papel']</a:t>
+            </a:r>
+            <a:r>
+              <a:rPr lang="es-419" sz="2400" b="1" i="0" u="none" strike="noStrike" cap="none" dirty="0">
+                <a:solidFill>
+                  <a:schemeClr val="lt1"/>
+                </a:solidFill>
+                <a:latin typeface="Courier New"/>
+                <a:ea typeface="Courier New"/>
+                <a:cs typeface="Courier New"/>
+                <a:sym typeface="Courier New"/>
+              </a:rPr>
+              <a:t> = 75</a:t>
             </a:r>
           </a:p>
           <a:p>
@@ -9732,7 +9776,7 @@
               <a:buNone/>
             </a:pPr>
             <a:r>
-              <a:rPr lang="en-US" sz="2400" b="1" i="0" u="none" strike="noStrike" cap="none" dirty="0">
+              <a:rPr lang="es-419" sz="2400" b="1" i="0" u="none" strike="noStrike" cap="none" dirty="0">
                 <a:solidFill>
                   <a:schemeClr val="lt1"/>
                 </a:solidFill>
@@ -9744,7 +9788,31 @@
               <a:t>&gt;&gt;&gt; </a:t>
             </a:r>
             <a:r>
-              <a:rPr lang="en-US" sz="2400" b="1" i="0" u="none" strike="noStrike" cap="none" dirty="0">
+              <a:rPr lang="es-419" sz="2400" b="1" i="0" u="none" strike="noStrike" cap="none" dirty="0" err="1">
+                <a:solidFill>
+                  <a:srgbClr val="FFFF00"/>
+                </a:solidFill>
+                <a:latin typeface="Courier New"/>
+                <a:ea typeface="Courier New"/>
+                <a:cs typeface="Courier New"/>
+                <a:sym typeface="Courier New"/>
+              </a:rPr>
+              <a:t>print</a:t>
+            </a:r>
+            <a:r>
+              <a:rPr lang="es-419" sz="2400" b="1" i="0" u="none" strike="noStrike" cap="none" dirty="0">
+                <a:solidFill>
+                  <a:srgbClr val="FFFF00"/>
+                </a:solidFill>
+                <a:latin typeface="Courier New"/>
+                <a:ea typeface="Courier New"/>
+                <a:cs typeface="Courier New"/>
+                <a:sym typeface="Courier New"/>
+              </a:rPr>
+              <a:t>(</a:t>
+            </a:r>
+            <a:r>
+              <a:rPr lang="es-419" sz="2400" b="1" i="0" u="none" strike="noStrike" cap="none" dirty="0">
                 <a:solidFill>
                   <a:srgbClr val="00FF00"/>
                 </a:solidFill>
@@ -9753,53 +9821,30 @@
                 <a:cs typeface="Courier New"/>
                 <a:sym typeface="Courier New"/>
               </a:rPr>
-              <a:t>purse</a:t>
-            </a:r>
-            <a:r>
-              <a:rPr lang="en-US" sz="2400" b="1" i="0" u="none" strike="noStrike" cap="none" dirty="0">
-                <a:solidFill>
-                  <a:srgbClr val="00FFFF"/>
-                </a:solidFill>
-                <a:latin typeface="Courier New"/>
-                <a:ea typeface="Courier New"/>
-                <a:cs typeface="Courier New"/>
-                <a:sym typeface="Courier New"/>
-              </a:rPr>
-              <a:t>['money']</a:t>
-            </a:r>
-            <a:r>
-              <a:rPr lang="en-US" sz="2400" b="1" i="0" u="none" strike="noStrike" cap="none" dirty="0">
-                <a:solidFill>
-                  <a:schemeClr val="lt1"/>
-                </a:solidFill>
-                <a:latin typeface="Courier New"/>
-                <a:ea typeface="Courier New"/>
-                <a:cs typeface="Courier New"/>
-                <a:sym typeface="Courier New"/>
-              </a:rPr>
-              <a:t> = 12</a:t>
-            </a:r>
-          </a:p>
-          <a:p>
-            <a:pPr marL="0" marR="0" lvl="0" indent="0" algn="l" rtl="0">
-              <a:lnSpc>
-                <a:spcPct val="100000"/>
-              </a:lnSpc>
-              <a:spcBef>
-                <a:spcPts val="0"/>
-              </a:spcBef>
-              <a:spcAft>
-                <a:spcPts val="0"/>
-              </a:spcAft>
+              <a:t>bolsa</a:t>
+            </a:r>
+            <a:r>
+              <a:rPr lang="es-419" sz="2400" b="1" i="0" u="none" strike="noStrike" cap="none" dirty="0">
+                <a:solidFill>
+                  <a:srgbClr val="FFFF00"/>
+                </a:solidFill>
+                <a:latin typeface="Courier New"/>
+                <a:ea typeface="Courier New"/>
+                <a:cs typeface="Courier New"/>
+                <a:sym typeface="Courier New"/>
+              </a:rPr>
+              <a:t>)</a:t>
+            </a:r>
+          </a:p>
+          <a:p>
+            <a:pPr lvl="0">
               <a:buClr>
                 <a:schemeClr val="lt1"/>
               </a:buClr>
               <a:buSzPct val="25000"/>
-              <a:buFont typeface="Cabin"/>
-              <a:buNone/>
             </a:pPr>
             <a:r>
-              <a:rPr lang="en-US" sz="2400" b="1" i="0" u="none" strike="noStrike" cap="none" dirty="0">
+              <a:rPr lang="es-419" sz="2400" b="1" dirty="0">
                 <a:solidFill>
                   <a:schemeClr val="lt1"/>
                 </a:solidFill>
@@ -9808,34 +9853,10 @@
                 <a:cs typeface="Courier New"/>
                 <a:sym typeface="Courier New"/>
               </a:rPr>
-              <a:t>&gt;&gt;&gt; </a:t>
-            </a:r>
-            <a:r>
-              <a:rPr lang="en-US" sz="2400" b="1" i="0" u="none" strike="noStrike" cap="none" dirty="0">
-                <a:solidFill>
-                  <a:srgbClr val="00FF00"/>
-                </a:solidFill>
-                <a:latin typeface="Courier New"/>
-                <a:ea typeface="Courier New"/>
-                <a:cs typeface="Courier New"/>
-                <a:sym typeface="Courier New"/>
-              </a:rPr>
-              <a:t>purse</a:t>
-            </a:r>
-            <a:r>
-              <a:rPr lang="en-US" sz="2400" b="1" i="0" u="none" strike="noStrike" cap="none" dirty="0">
-                <a:solidFill>
-                  <a:srgbClr val="00FFFF"/>
-                </a:solidFill>
-                <a:latin typeface="Courier New"/>
-                <a:ea typeface="Courier New"/>
-                <a:cs typeface="Courier New"/>
-                <a:sym typeface="Courier New"/>
-              </a:rPr>
-              <a:t>['candy']</a:t>
-            </a:r>
-            <a:r>
-              <a:rPr lang="en-US" sz="2400" b="1" i="0" u="none" strike="noStrike" cap="none" dirty="0">
+              <a:t>{'dinero</a:t>
+            </a:r>
+            <a:r>
+              <a:rPr lang="es-419" sz="2400" b="1" i="0" u="none" strike="noStrike" cap="none" dirty="0">
                 <a:solidFill>
                   <a:schemeClr val="lt1"/>
                 </a:solidFill>
@@ -9844,29 +9865,10 @@
                 <a:cs typeface="Courier New"/>
                 <a:sym typeface="Courier New"/>
               </a:rPr>
-              <a:t> = 3</a:t>
-            </a:r>
-          </a:p>
-          <a:p>
-            <a:pPr marL="0" marR="0" lvl="0" indent="0" algn="l" rtl="0">
-              <a:lnSpc>
-                <a:spcPct val="100000"/>
-              </a:lnSpc>
-              <a:spcBef>
-                <a:spcPts val="0"/>
-              </a:spcBef>
-              <a:spcAft>
-                <a:spcPts val="0"/>
-              </a:spcAft>
-              <a:buClr>
-                <a:schemeClr val="lt1"/>
-              </a:buClr>
-              <a:buSzPct val="25000"/>
-              <a:buFont typeface="Cabin"/>
-              <a:buNone/>
-            </a:pPr>
-            <a:r>
-              <a:rPr lang="en-US" sz="2400" b="1" i="0" u="none" strike="noStrike" cap="none" dirty="0">
+              <a:t>': 12</a:t>
+            </a:r>
+            <a:r>
+              <a:rPr lang="es-419" sz="2400" b="1" dirty="0">
                 <a:solidFill>
                   <a:schemeClr val="lt1"/>
                 </a:solidFill>
@@ -9875,34 +9877,10 @@
                 <a:cs typeface="Courier New"/>
                 <a:sym typeface="Courier New"/>
               </a:rPr>
-              <a:t>&gt;&gt;&gt; </a:t>
-            </a:r>
-            <a:r>
-              <a:rPr lang="en-US" sz="2400" b="1" i="0" u="none" strike="noStrike" cap="none" dirty="0">
-                <a:solidFill>
-                  <a:srgbClr val="00FF00"/>
-                </a:solidFill>
-                <a:latin typeface="Courier New"/>
-                <a:ea typeface="Courier New"/>
-                <a:cs typeface="Courier New"/>
-                <a:sym typeface="Courier New"/>
-              </a:rPr>
-              <a:t>purse</a:t>
-            </a:r>
-            <a:r>
-              <a:rPr lang="en-US" sz="2400" b="1" i="0" u="none" strike="noStrike" cap="none" dirty="0">
-                <a:solidFill>
-                  <a:srgbClr val="00FFFF"/>
-                </a:solidFill>
-                <a:latin typeface="Courier New"/>
-                <a:ea typeface="Courier New"/>
-                <a:cs typeface="Courier New"/>
-                <a:sym typeface="Courier New"/>
-              </a:rPr>
-              <a:t>['tissues']</a:t>
-            </a:r>
-            <a:r>
-              <a:rPr lang="en-US" sz="2400" b="1" i="0" u="none" strike="noStrike" cap="none" dirty="0">
+              <a:t>, 'papel': </a:t>
+            </a:r>
+            <a:r>
+              <a:rPr lang="es-419" sz="2400" b="1" i="0" u="none" strike="noStrike" cap="none" dirty="0">
                 <a:solidFill>
                   <a:schemeClr val="lt1"/>
                 </a:solidFill>
@@ -9911,29 +9889,10 @@
                 <a:cs typeface="Courier New"/>
                 <a:sym typeface="Courier New"/>
               </a:rPr>
-              <a:t> = 75</a:t>
-            </a:r>
-          </a:p>
-          <a:p>
-            <a:pPr marL="0" marR="0" lvl="0" indent="0" algn="l" rtl="0">
-              <a:lnSpc>
-                <a:spcPct val="100000"/>
-              </a:lnSpc>
-              <a:spcBef>
-                <a:spcPts val="0"/>
-              </a:spcBef>
-              <a:spcAft>
-                <a:spcPts val="0"/>
-              </a:spcAft>
-              <a:buClr>
-                <a:schemeClr val="lt1"/>
-              </a:buClr>
-              <a:buSzPct val="25000"/>
-              <a:buFont typeface="Cabin"/>
-              <a:buNone/>
-            </a:pPr>
-            <a:r>
-              <a:rPr lang="en-US" sz="2400" b="1" i="0" u="none" strike="noStrike" cap="none" dirty="0">
+              <a:t>75</a:t>
+            </a:r>
+            <a:r>
+              <a:rPr lang="es-419" sz="2400" b="1" dirty="0">
                 <a:solidFill>
                   <a:schemeClr val="lt1"/>
                 </a:solidFill>
@@ -9942,74 +9901,10 @@
                 <a:cs typeface="Courier New"/>
                 <a:sym typeface="Courier New"/>
               </a:rPr>
-              <a:t>&gt;&gt;&gt; </a:t>
-            </a:r>
-            <a:r>
-              <a:rPr lang="en-US" sz="2400" b="1" i="0" u="none" strike="noStrike" cap="none" dirty="0" smtClean="0">
-                <a:solidFill>
-                  <a:srgbClr val="FFFF00"/>
-                </a:solidFill>
-                <a:latin typeface="Courier New"/>
-                <a:ea typeface="Courier New"/>
-                <a:cs typeface="Courier New"/>
-                <a:sym typeface="Courier New"/>
-              </a:rPr>
-              <a:t>print(</a:t>
-            </a:r>
-            <a:r>
-              <a:rPr lang="en-US" sz="2400" b="1" i="0" u="none" strike="noStrike" cap="none" dirty="0" smtClean="0">
-                <a:solidFill>
-                  <a:srgbClr val="00FF00"/>
-                </a:solidFill>
-                <a:latin typeface="Courier New"/>
-                <a:ea typeface="Courier New"/>
-                <a:cs typeface="Courier New"/>
-                <a:sym typeface="Courier New"/>
-              </a:rPr>
-              <a:t>purse</a:t>
-            </a:r>
-            <a:r>
-              <a:rPr lang="en-US" sz="2400" b="1" i="0" u="none" strike="noStrike" cap="none" dirty="0" smtClean="0">
-                <a:solidFill>
-                  <a:srgbClr val="FFFF00"/>
-                </a:solidFill>
-                <a:latin typeface="Courier New"/>
-                <a:ea typeface="Courier New"/>
-                <a:cs typeface="Courier New"/>
-                <a:sym typeface="Courier New"/>
-              </a:rPr>
-              <a:t>)</a:t>
-            </a:r>
-            <a:endParaRPr lang="en-US" sz="2400" b="1" i="0" u="none" strike="noStrike" cap="none" dirty="0">
-              <a:solidFill>
-                <a:srgbClr val="FFFF00"/>
-              </a:solidFill>
-              <a:latin typeface="Courier New"/>
-              <a:ea typeface="Courier New"/>
-              <a:cs typeface="Courier New"/>
-              <a:sym typeface="Courier New"/>
-            </a:endParaRPr>
-          </a:p>
-          <a:p>
-            <a:pPr marL="0" marR="0" lvl="0" indent="0" algn="l" rtl="0">
-              <a:lnSpc>
-                <a:spcPct val="100000"/>
-              </a:lnSpc>
-              <a:spcBef>
-                <a:spcPts val="0"/>
-              </a:spcBef>
-              <a:spcAft>
-                <a:spcPts val="0"/>
-              </a:spcAft>
-              <a:buClr>
-                <a:schemeClr val="lt1"/>
-              </a:buClr>
-              <a:buSzPct val="25000"/>
-              <a:buFont typeface="Cabin"/>
-              <a:buNone/>
-            </a:pPr>
-            <a:r>
-              <a:rPr lang="en-US" sz="2400" b="1" i="0" u="none" strike="noStrike" cap="none" dirty="0">
+              <a:t>, 'dulce': </a:t>
+            </a:r>
+            <a:r>
+              <a:rPr lang="es-419" sz="2400" b="1" i="0" u="none" strike="noStrike" cap="none" dirty="0">
                 <a:solidFill>
                   <a:schemeClr val="lt1"/>
                 </a:solidFill>
@@ -10018,7 +9913,7 @@
                 <a:cs typeface="Courier New"/>
                 <a:sym typeface="Courier New"/>
               </a:rPr>
-              <a:t>{'money': 12, 'tissues': 75, 'candy': 3}</a:t>
+              <a:t>3}</a:t>
             </a:r>
           </a:p>
           <a:p>
@@ -10029,7 +9924,7 @@
               <a:buSzPct val="25000"/>
             </a:pPr>
             <a:r>
-              <a:rPr lang="en-US" sz="2400" b="1" i="0" u="none" strike="noStrike" cap="none" dirty="0">
+              <a:rPr lang="es-419" sz="2400" b="1" i="0" u="none" strike="noStrike" cap="none" dirty="0">
                 <a:solidFill>
                   <a:schemeClr val="lt1"/>
                 </a:solidFill>
@@ -10041,7 +9936,7 @@
               <a:t>&gt;&gt;&gt; </a:t>
             </a:r>
             <a:r>
-              <a:rPr lang="en-US" sz="2400" b="1" i="0" u="none" strike="noStrike" cap="none" dirty="0" smtClean="0">
+              <a:rPr lang="es-419" sz="2400" b="1" i="0" u="none" strike="noStrike" cap="none" dirty="0" err="1">
                 <a:solidFill>
                   <a:srgbClr val="FFFF00"/>
                 </a:solidFill>
@@ -10050,10 +9945,22 @@
                 <a:cs typeface="Courier New"/>
                 <a:sym typeface="Courier New"/>
               </a:rPr>
-              <a:t>print(</a:t>
-            </a:r>
-            <a:r>
-              <a:rPr lang="en-US" sz="2400" b="1" i="0" u="none" strike="noStrike" cap="none" dirty="0" smtClean="0">
+              <a:t>print</a:t>
+            </a:r>
+            <a:r>
+              <a:rPr lang="es-419" sz="2400" b="1" i="0" u="none" strike="noStrike" cap="none" dirty="0">
+                <a:solidFill>
+                  <a:srgbClr val="FFFF00"/>
+                </a:solidFill>
+                <a:latin typeface="Courier New"/>
+                <a:ea typeface="Courier New"/>
+                <a:cs typeface="Courier New"/>
+                <a:sym typeface="Courier New"/>
+              </a:rPr>
+              <a:t>(</a:t>
+            </a:r>
+            <a:r>
+              <a:rPr lang="es-419" sz="2400" b="1" i="0" u="none" strike="noStrike" cap="none" dirty="0">
                 <a:solidFill>
                   <a:srgbClr val="00FF00"/>
                 </a:solidFill>
@@ -10062,10 +9969,10 @@
                 <a:cs typeface="Courier New"/>
                 <a:sym typeface="Courier New"/>
               </a:rPr>
-              <a:t>purse</a:t>
-            </a:r>
-            <a:r>
-              <a:rPr lang="en-US" sz="2400" b="1" i="0" u="none" strike="noStrike" cap="none" dirty="0">
+              <a:t>bolsa</a:t>
+            </a:r>
+            <a:r>
+              <a:rPr lang="es-419" sz="2400" b="1" dirty="0">
                 <a:solidFill>
                   <a:srgbClr val="00FFFF"/>
                 </a:solidFill>
@@ -10074,22 +9981,10 @@
                 <a:cs typeface="Courier New"/>
                 <a:sym typeface="Courier New"/>
               </a:rPr>
-              <a:t>['candy</a:t>
-            </a:r>
-            <a:r>
-              <a:rPr lang="en-US" sz="2400" b="1" i="0" u="none" strike="noStrike" cap="none" dirty="0" smtClean="0">
-                <a:solidFill>
-                  <a:srgbClr val="00FFFF"/>
-                </a:solidFill>
-                <a:latin typeface="Courier New"/>
-                <a:ea typeface="Courier New"/>
-                <a:cs typeface="Courier New"/>
-                <a:sym typeface="Courier New"/>
-              </a:rPr>
-              <a:t>']</a:t>
-            </a:r>
-            <a:r>
-              <a:rPr lang="en-US" sz="2400" b="1" dirty="0" smtClean="0">
+              <a:t>['dulce']</a:t>
+            </a:r>
+            <a:r>
+              <a:rPr lang="es-419" sz="2400" b="1" dirty="0">
                 <a:solidFill>
                   <a:srgbClr val="FFFF00"/>
                 </a:solidFill>
@@ -10100,7 +9995,7 @@
               </a:rPr>
               <a:t>)</a:t>
             </a:r>
-            <a:endParaRPr lang="en-US" sz="2400" b="1" i="0" u="none" strike="noStrike" cap="none" dirty="0">
+            <a:endParaRPr lang="es-419" sz="2400" b="1" i="0" u="none" strike="noStrike" cap="none" dirty="0">
               <a:solidFill>
                 <a:srgbClr val="00FFFF"/>
               </a:solidFill>
@@ -10129,7 +10024,7 @@
               <a:buNone/>
             </a:pPr>
             <a:r>
-              <a:rPr lang="en-US" sz="2400" b="1" i="0" u="none" strike="noStrike" cap="none" dirty="0">
+              <a:rPr lang="es-419" sz="2400" b="1" i="0" u="none" strike="noStrike" cap="none" dirty="0">
                 <a:solidFill>
                   <a:schemeClr val="lt1"/>
                 </a:solidFill>
@@ -10142,25 +10037,14 @@
             </a:r>
           </a:p>
           <a:p>
-            <a:pPr marL="0" marR="0" lvl="0" indent="0" algn="l" rtl="0">
-              <a:lnSpc>
-                <a:spcPct val="100000"/>
-              </a:lnSpc>
-              <a:spcBef>
-                <a:spcPts val="0"/>
-              </a:spcBef>
-              <a:spcAft>
-                <a:spcPts val="0"/>
-              </a:spcAft>
+            <a:pPr lvl="0">
               <a:buClr>
                 <a:schemeClr val="lt1"/>
               </a:buClr>
               <a:buSzPct val="25000"/>
-              <a:buFont typeface="Cabin"/>
-              <a:buNone/>
             </a:pPr>
             <a:r>
-              <a:rPr lang="en-US" sz="2400" b="1" i="0" u="none" strike="noStrike" cap="none" dirty="0">
+              <a:rPr lang="es-419" sz="2400" b="1" i="0" u="none" strike="noStrike" cap="none" dirty="0">
                 <a:solidFill>
                   <a:schemeClr val="lt1"/>
                 </a:solidFill>
@@ -10172,7 +10056,7 @@
               <a:t>&gt;&gt;&gt; </a:t>
             </a:r>
             <a:r>
-              <a:rPr lang="en-US" sz="2400" b="1" i="0" u="none" strike="noStrike" cap="none" dirty="0">
+              <a:rPr lang="es-419" sz="2400" b="1" i="0" u="none" strike="noStrike" cap="none" dirty="0">
                 <a:solidFill>
                   <a:srgbClr val="00FF00"/>
                 </a:solidFill>
@@ -10181,10 +10065,10 @@
                 <a:cs typeface="Courier New"/>
                 <a:sym typeface="Courier New"/>
               </a:rPr>
-              <a:t>purse</a:t>
-            </a:r>
-            <a:r>
-              <a:rPr lang="en-US" sz="2400" b="1" i="0" u="none" strike="noStrike" cap="none" dirty="0">
+              <a:t>bolsa</a:t>
+            </a:r>
+            <a:r>
+              <a:rPr lang="es-419" sz="2400" b="1" dirty="0">
                 <a:solidFill>
                   <a:srgbClr val="00FFFF"/>
                 </a:solidFill>
@@ -10193,10 +10077,10 @@
                 <a:cs typeface="Courier New"/>
                 <a:sym typeface="Courier New"/>
               </a:rPr>
-              <a:t>['candy']</a:t>
-            </a:r>
-            <a:r>
-              <a:rPr lang="en-US" sz="2400" b="1" i="0" u="none" strike="noStrike" cap="none" dirty="0">
+              <a:t>['dulce']</a:t>
+            </a:r>
+            <a:r>
+              <a:rPr lang="es-419" sz="2400" b="1" i="0" u="none" strike="noStrike" cap="none" dirty="0">
                 <a:solidFill>
                   <a:schemeClr val="lt1"/>
                 </a:solidFill>
@@ -10208,7 +10092,7 @@
               <a:t> = </a:t>
             </a:r>
             <a:r>
-              <a:rPr lang="en-US" sz="2400" b="1" i="0" u="none" strike="noStrike" cap="none" dirty="0">
+              <a:rPr lang="es-419" sz="2400" b="1" i="0" u="none" strike="noStrike" cap="none" dirty="0">
                 <a:solidFill>
                   <a:srgbClr val="00FF00"/>
                 </a:solidFill>
@@ -10217,10 +10101,10 @@
                 <a:cs typeface="Courier New"/>
                 <a:sym typeface="Courier New"/>
               </a:rPr>
-              <a:t>purse</a:t>
-            </a:r>
-            <a:r>
-              <a:rPr lang="en-US" sz="2400" b="1" i="0" u="none" strike="noStrike" cap="none" dirty="0">
+              <a:t>bolsa</a:t>
+            </a:r>
+            <a:r>
+              <a:rPr lang="es-419" sz="2400" b="1" dirty="0">
                 <a:solidFill>
                   <a:srgbClr val="00FFFF"/>
                 </a:solidFill>
@@ -10229,10 +10113,10 @@
                 <a:cs typeface="Courier New"/>
                 <a:sym typeface="Courier New"/>
               </a:rPr>
-              <a:t>['candy']</a:t>
-            </a:r>
-            <a:r>
-              <a:rPr lang="en-US" sz="2400" b="1" i="0" u="none" strike="noStrike" cap="none" dirty="0">
+              <a:t>['dulce']</a:t>
+            </a:r>
+            <a:r>
+              <a:rPr lang="es-419" sz="2400" b="1" i="0" u="none" strike="noStrike" cap="none" dirty="0">
                 <a:solidFill>
                   <a:schemeClr val="lt1"/>
                 </a:solidFill>
@@ -10252,7 +10136,7 @@
               <a:buSzPct val="25000"/>
             </a:pPr>
             <a:r>
-              <a:rPr lang="en-US" sz="2400" b="1" i="0" u="none" strike="noStrike" cap="none" dirty="0">
+              <a:rPr lang="es-419" sz="2400" b="1" i="0" u="none" strike="noStrike" cap="none" dirty="0">
                 <a:solidFill>
                   <a:schemeClr val="lt1"/>
                 </a:solidFill>
@@ -10264,7 +10148,7 @@
               <a:t>&gt;&gt;&gt; </a:t>
             </a:r>
             <a:r>
-              <a:rPr lang="en-US" sz="2400" b="1" i="0" u="none" strike="noStrike" cap="none" dirty="0" smtClean="0">
+              <a:rPr lang="es-419" sz="2400" b="1" i="0" u="none" strike="noStrike" cap="none" dirty="0" err="1">
                 <a:solidFill>
                   <a:srgbClr val="FFFF00"/>
                 </a:solidFill>
@@ -10273,10 +10157,22 @@
                 <a:cs typeface="Courier New"/>
                 <a:sym typeface="Courier New"/>
               </a:rPr>
-              <a:t>print(</a:t>
-            </a:r>
-            <a:r>
-              <a:rPr lang="en-US" sz="2400" b="1" i="0" u="none" strike="noStrike" cap="none" dirty="0" smtClean="0">
+              <a:t>print</a:t>
+            </a:r>
+            <a:r>
+              <a:rPr lang="es-419" sz="2400" b="1" i="0" u="none" strike="noStrike" cap="none" dirty="0">
+                <a:solidFill>
+                  <a:srgbClr val="FFFF00"/>
+                </a:solidFill>
+                <a:latin typeface="Courier New"/>
+                <a:ea typeface="Courier New"/>
+                <a:cs typeface="Courier New"/>
+                <a:sym typeface="Courier New"/>
+              </a:rPr>
+              <a:t>(</a:t>
+            </a:r>
+            <a:r>
+              <a:rPr lang="es-419" sz="2400" b="1" i="0" u="none" strike="noStrike" cap="none" dirty="0">
                 <a:solidFill>
                   <a:srgbClr val="00FF00"/>
                 </a:solidFill>
@@ -10285,10 +10181,10 @@
                 <a:cs typeface="Courier New"/>
                 <a:sym typeface="Courier New"/>
               </a:rPr>
-              <a:t>purse</a:t>
-            </a:r>
-            <a:r>
-              <a:rPr lang="en-US" sz="2400" b="1" dirty="0" smtClean="0">
+              <a:t>bolsa</a:t>
+            </a:r>
+            <a:r>
+              <a:rPr lang="es-419" sz="2400" b="1" dirty="0">
                 <a:solidFill>
                   <a:srgbClr val="FFFF00"/>
                 </a:solidFill>
@@ -10299,7 +10195,7 @@
               </a:rPr>
               <a:t>)</a:t>
             </a:r>
-            <a:endParaRPr lang="en-US" sz="2400" b="1" i="0" u="none" strike="noStrike" cap="none" dirty="0">
+            <a:endParaRPr lang="es-419" sz="2400" b="1" i="0" u="none" strike="noStrike" cap="none" dirty="0">
               <a:solidFill>
                 <a:srgbClr val="00FF00"/>
               </a:solidFill>
@@ -10310,25 +10206,14 @@
             </a:endParaRPr>
           </a:p>
           <a:p>
-            <a:pPr marL="0" marR="0" lvl="0" indent="0" algn="l" rtl="0">
-              <a:lnSpc>
-                <a:spcPct val="100000"/>
-              </a:lnSpc>
-              <a:spcBef>
-                <a:spcPts val="0"/>
-              </a:spcBef>
-              <a:spcAft>
-                <a:spcPts val="0"/>
-              </a:spcAft>
+            <a:pPr lvl="0">
               <a:buClr>
                 <a:schemeClr val="lt1"/>
               </a:buClr>
               <a:buSzPct val="25000"/>
-              <a:buFont typeface="Cabin"/>
-              <a:buNone/>
             </a:pPr>
             <a:r>
-              <a:rPr lang="en-US" sz="2400" b="1" i="0" u="none" strike="noStrike" cap="none" dirty="0">
+              <a:rPr lang="es-419" sz="2400" b="1" dirty="0">
                 <a:solidFill>
                   <a:schemeClr val="lt1"/>
                 </a:solidFill>
@@ -10337,10 +10222,58 @@
                 <a:cs typeface="Courier New"/>
                 <a:sym typeface="Courier New"/>
               </a:rPr>
-              <a:t>{'money': 12, 'tissues': 75, </a:t>
-            </a:r>
-            <a:r>
-              <a:rPr lang="en-US" sz="2400" b="1" i="0" u="none" strike="noStrike" cap="none" dirty="0">
+              <a:t>{'dinero</a:t>
+            </a:r>
+            <a:r>
+              <a:rPr lang="es-419" sz="2400" b="1" i="0" u="none" strike="noStrike" cap="none" dirty="0">
+                <a:solidFill>
+                  <a:schemeClr val="lt1"/>
+                </a:solidFill>
+                <a:latin typeface="Courier New"/>
+                <a:ea typeface="Courier New"/>
+                <a:cs typeface="Courier New"/>
+                <a:sym typeface="Courier New"/>
+              </a:rPr>
+              <a:t>': 12</a:t>
+            </a:r>
+            <a:r>
+              <a:rPr lang="es-419" sz="2400" b="1" dirty="0">
+                <a:solidFill>
+                  <a:schemeClr val="lt1"/>
+                </a:solidFill>
+                <a:latin typeface="Courier New"/>
+                <a:ea typeface="Courier New"/>
+                <a:cs typeface="Courier New"/>
+                <a:sym typeface="Courier New"/>
+              </a:rPr>
+              <a:t>, 'papel</a:t>
+            </a:r>
+            <a:r>
+              <a:rPr lang="es-419" sz="2400" b="1" i="0" u="none" strike="noStrike" cap="none" dirty="0">
+                <a:solidFill>
+                  <a:schemeClr val="lt1"/>
+                </a:solidFill>
+                <a:latin typeface="Courier New"/>
+                <a:ea typeface="Courier New"/>
+                <a:cs typeface="Courier New"/>
+                <a:sym typeface="Courier New"/>
+              </a:rPr>
+              <a:t>': 75</a:t>
+            </a:r>
+            <a:r>
+              <a:rPr lang="es-419" sz="2400" b="1" dirty="0">
+                <a:solidFill>
+                  <a:schemeClr val="lt1"/>
+                </a:solidFill>
+                <a:latin typeface="Courier New"/>
+                <a:ea typeface="Courier New"/>
+                <a:cs typeface="Courier New"/>
+                <a:sym typeface="Courier New"/>
+              </a:rPr>
+              <a:t>, </a:t>
+            </a:r>
+            <a:r>
+              <a:rPr lang="es-419" sz="2400" b="1" dirty="0">
                 <a:solidFill>
                   <a:srgbClr val="00FFFF"/>
                 </a:solidFill>
@@ -10349,10 +10282,22 @@
                 <a:cs typeface="Courier New"/>
                 <a:sym typeface="Courier New"/>
               </a:rPr>
-              <a:t>'candy': 5</a:t>
-            </a:r>
-            <a:r>
-              <a:rPr lang="en-US" sz="2400" b="1" i="0" u="none" strike="noStrike" cap="none" dirty="0">
+              <a:t>'dulce</a:t>
+            </a:r>
+            <a:r>
+              <a:rPr lang="es-419" sz="2400" b="1" i="0" u="none" strike="noStrike" cap="none" dirty="0">
+                <a:solidFill>
+                  <a:srgbClr val="00FFFF"/>
+                </a:solidFill>
+                <a:latin typeface="Courier New"/>
+                <a:ea typeface="Courier New"/>
+                <a:cs typeface="Courier New"/>
+                <a:sym typeface="Courier New"/>
+              </a:rPr>
+              <a:t>': 5</a:t>
+            </a:r>
+            <a:r>
+              <a:rPr lang="es-419" sz="2400" b="1" i="0" u="none" strike="noStrike" cap="none" dirty="0">
                 <a:solidFill>
                   <a:schemeClr val="lt1"/>
                 </a:solidFill>
@@ -10371,13 +10316,6 @@
   <p:clrMapOvr>
     <a:masterClrMapping/>
   </p:clrMapOvr>
-  <p:timing>
-    <p:tnLst>
-      <p:par>
-        <p:cTn xmlns:p14="http://schemas.microsoft.com/office/powerpoint/2010/main" id="1" dur="indefinite" restart="never" nodeType="tmRoot"/>
-      </p:par>
-    </p:tnLst>
-  </p:timing>
 </p:sld>
 </file>
 
@@ -10441,7 +10379,7 @@
               <a:buNone/>
             </a:pPr>
             <a:r>
-              <a:rPr lang="en-US" sz="6600" u="none" strike="noStrike" cap="none" dirty="0">
+              <a:rPr lang="es-419" sz="6600" u="none" strike="noStrike" cap="none" dirty="0">
                 <a:solidFill>
                   <a:srgbClr val="FFFF00"/>
                 </a:solidFill>
@@ -10450,7 +10388,7 @@
                 <a:cs typeface="Arial" charset="0"/>
                 <a:sym typeface="Cabin"/>
               </a:rPr>
-              <a:t>Comparing Lists and Dictionaries</a:t>
+              <a:t>Comparación de Listas y Diccionarios</a:t>
             </a:r>
           </a:p>
         </p:txBody>
@@ -10484,96 +10422,89 @@
           </a:bodyPr>
           <a:lstStyle/>
           <a:p>
-            <a:pPr marL="215900" marR="0" lvl="0" indent="0" algn="l" rtl="0">
-              <a:lnSpc>
-                <a:spcPct val="100000"/>
-              </a:lnSpc>
-              <a:spcBef>
-                <a:spcPts val="0"/>
-              </a:spcBef>
-              <a:spcAft>
-                <a:spcPts val="0"/>
-              </a:spcAft>
+            <a:pPr marL="215900" lvl="0">
+              <a:spcBef>
+                <a:spcPts val="0"/>
+              </a:spcBef>
               <a:buClr>
                 <a:srgbClr val="FF00FF"/>
               </a:buClr>
               <a:buSzPct val="171000"/>
-              <a:buNone/>
             </a:pPr>
             <a:r>
-              <a:rPr lang="en-US" sz="3600" b="0" u="none" strike="noStrike" cap="none" dirty="0">
-                <a:solidFill>
-                  <a:srgbClr val="FF00FF"/>
+              <a:rPr lang="es-419" sz="3600" b="0" u="none" strike="noStrike" cap="none" dirty="0">
+                <a:solidFill>
+                  <a:schemeClr val="lt1"/>
                 </a:solidFill>
                 <a:latin typeface="Arial" charset="0"/>
                 <a:ea typeface="Arial" charset="0"/>
                 <a:cs typeface="Arial" charset="0"/>
                 <a:sym typeface="Cabin"/>
               </a:rPr>
-              <a:t>Dictionaries</a:t>
-            </a:r>
-            <a:r>
-              <a:rPr lang="en-US" sz="3600" b="0" u="none" strike="noStrike" cap="none" dirty="0">
-                <a:solidFill>
-                  <a:schemeClr val="lt1"/>
+              <a:t>Los </a:t>
+            </a:r>
+            <a:r>
+              <a:rPr lang="es-419" sz="3600" b="0" u="none" strike="noStrike" cap="none" dirty="0">
+                <a:solidFill>
+                  <a:srgbClr val="FF00FF"/>
                 </a:solidFill>
                 <a:latin typeface="Arial" charset="0"/>
                 <a:ea typeface="Arial" charset="0"/>
                 <a:cs typeface="Arial" charset="0"/>
                 <a:sym typeface="Cabin"/>
               </a:rPr>
-              <a:t> are like </a:t>
-            </a:r>
-            <a:r>
-              <a:rPr lang="en-US" sz="3600" b="0" dirty="0">
-                <a:solidFill>
-                  <a:srgbClr val="00FF00"/>
+              <a:t>Diccionarios</a:t>
+            </a:r>
+            <a:r>
+              <a:rPr lang="es-419" sz="3600" b="0" u="none" strike="noStrike" cap="none" dirty="0">
+                <a:solidFill>
+                  <a:schemeClr val="lt1"/>
                 </a:solidFill>
                 <a:latin typeface="Arial" charset="0"/>
                 <a:ea typeface="Arial" charset="0"/>
                 <a:cs typeface="Arial" charset="0"/>
                 <a:sym typeface="Cabin"/>
               </a:rPr>
-              <a:t>l</a:t>
-            </a:r>
-            <a:r>
-              <a:rPr lang="en-US" sz="3600" b="0" u="none" strike="noStrike" cap="none" dirty="0">
-                <a:solidFill>
-                  <a:srgbClr val="00FF00"/>
+              <a:t> </a:t>
+            </a:r>
+            <a:r>
+              <a:rPr lang="es-419" sz="3600" b="0" dirty="0">
+                <a:solidFill>
+                  <a:schemeClr val="lt1"/>
                 </a:solidFill>
                 <a:latin typeface="Arial" charset="0"/>
                 <a:ea typeface="Arial" charset="0"/>
                 <a:cs typeface="Arial" charset="0"/>
                 <a:sym typeface="Cabin"/>
               </a:rPr>
-              <a:t>ists</a:t>
-            </a:r>
-            <a:r>
-              <a:rPr lang="en-US" sz="3600" b="0" u="none" strike="noStrike" cap="none" dirty="0">
-                <a:solidFill>
-                  <a:schemeClr val="lt1"/>
+              <a:t>son como </a:t>
+            </a:r>
+            <a:r>
+              <a:rPr lang="es-419" sz="3600" b="0" dirty="0">
+                <a:solidFill>
+                  <a:srgbClr val="00FF00"/>
                 </a:solidFill>
                 <a:latin typeface="Arial" charset="0"/>
                 <a:ea typeface="Arial" charset="0"/>
                 <a:cs typeface="Arial" charset="0"/>
                 <a:sym typeface="Cabin"/>
               </a:rPr>
-              <a:t> except that they use </a:t>
-            </a:r>
-            <a:r>
-              <a:rPr lang="en-US" sz="3600" b="0" u="none" strike="noStrike" cap="none" dirty="0">
-                <a:solidFill>
-                  <a:srgbClr val="FF7F00"/>
+              <a:t>l</a:t>
+            </a:r>
+            <a:r>
+              <a:rPr lang="es-419" sz="3600" b="0" u="none" strike="noStrike" cap="none" dirty="0">
+                <a:solidFill>
+                  <a:srgbClr val="00FF00"/>
                 </a:solidFill>
                 <a:latin typeface="Arial" charset="0"/>
                 <a:ea typeface="Arial" charset="0"/>
                 <a:cs typeface="Arial" charset="0"/>
                 <a:sym typeface="Cabin"/>
               </a:rPr>
-              <a:t>keys</a:t>
-            </a:r>
-            <a:r>
-              <a:rPr lang="en-US" sz="3600" b="0" u="none" strike="noStrike" cap="none" dirty="0">
+              <a:t>istas</a:t>
+            </a:r>
+            <a:r>
+              <a:rPr lang="es-419" sz="3600" b="0" u="none" strike="noStrike" cap="none" dirty="0">
                 <a:solidFill>
                   <a:schemeClr val="lt1"/>
                 </a:solidFill>
@@ -10582,22 +10513,22 @@
                 <a:cs typeface="Arial" charset="0"/>
                 <a:sym typeface="Cabin"/>
               </a:rPr>
-              <a:t> instead of </a:t>
-            </a:r>
-            <a:r>
-              <a:rPr lang="en-US" sz="3600" b="0" u="none" strike="noStrike" cap="none" dirty="0">
-                <a:solidFill>
-                  <a:srgbClr val="FFFFFF"/>
+              <a:t> a excepción de que utilizan </a:t>
+            </a:r>
+            <a:r>
+              <a:rPr lang="es-419" sz="3600" b="0" dirty="0">
+                <a:solidFill>
+                  <a:srgbClr val="FF7F00"/>
                 </a:solidFill>
                 <a:latin typeface="Arial" charset="0"/>
                 <a:ea typeface="Arial" charset="0"/>
                 <a:cs typeface="Arial" charset="0"/>
                 <a:sym typeface="Cabin"/>
               </a:rPr>
-              <a:t>numbers</a:t>
-            </a:r>
-            <a:r>
-              <a:rPr lang="en-US" sz="3600" b="0" u="none" strike="noStrike" cap="none" dirty="0">
+              <a:t>claves</a:t>
+            </a:r>
+            <a:r>
+              <a:rPr lang="es-419" sz="3600" b="0" u="none" strike="noStrike" cap="none" dirty="0">
                 <a:solidFill>
                   <a:schemeClr val="lt1"/>
                 </a:solidFill>
@@ -10606,10 +10537,10 @@
                 <a:cs typeface="Arial" charset="0"/>
                 <a:sym typeface="Cabin"/>
               </a:rPr>
-              <a:t> to look up </a:t>
-            </a:r>
-            <a:r>
-              <a:rPr lang="en-US" sz="3600" b="0" u="none" strike="noStrike" cap="none" dirty="0">
+              <a:t> en vez de números para buscar </a:t>
+            </a:r>
+            <a:r>
+              <a:rPr lang="es-419" sz="3600" b="0" u="none" strike="noStrike" cap="none" dirty="0">
                 <a:solidFill>
                   <a:srgbClr val="FFFF00"/>
                 </a:solidFill>
@@ -10618,7 +10549,7 @@
                 <a:cs typeface="Arial" charset="0"/>
                 <a:sym typeface="Cabin"/>
               </a:rPr>
-              <a:t>values</a:t>
+              <a:t>valores</a:t>
             </a:r>
           </a:p>
         </p:txBody>
@@ -10666,7 +10597,7 @@
               <a:buNone/>
             </a:pPr>
             <a:r>
-              <a:rPr lang="en-US" sz="3000" b="1" i="0" u="none" strike="noStrike" cap="none" dirty="0">
+              <a:rPr lang="es-419" sz="3000" b="1" i="0" u="none" strike="noStrike" cap="none" dirty="0">
                 <a:solidFill>
                   <a:srgbClr val="00FF00"/>
                 </a:solidFill>
@@ -10678,7 +10609,7 @@
               <a:t>&gt;&gt;&gt; </a:t>
             </a:r>
             <a:r>
-              <a:rPr lang="en-US" sz="3000" b="1" i="0" u="none" strike="noStrike" cap="none" dirty="0" err="1">
+              <a:rPr lang="es-419" sz="3000" b="1" i="0" u="none" strike="noStrike" cap="none" dirty="0" err="1">
                 <a:solidFill>
                   <a:srgbClr val="00FF00"/>
                 </a:solidFill>
@@ -10690,7 +10621,7 @@
               <a:t>lst</a:t>
             </a:r>
             <a:r>
-              <a:rPr lang="en-US" sz="3000" b="1" i="0" u="none" strike="noStrike" cap="none" dirty="0">
+              <a:rPr lang="es-419" sz="3000" b="1" i="0" u="none" strike="noStrike" cap="none" dirty="0">
                 <a:solidFill>
                   <a:srgbClr val="00FF00"/>
                 </a:solidFill>
@@ -10702,7 +10633,7 @@
               <a:t> = </a:t>
             </a:r>
             <a:r>
-              <a:rPr lang="en-US" sz="3000" b="1" i="0" u="none" strike="noStrike" cap="none" dirty="0">
+              <a:rPr lang="es-419" sz="3000" b="1" i="0" u="none" strike="noStrike" cap="none" dirty="0" err="1">
                 <a:solidFill>
                   <a:srgbClr val="00FFFF"/>
                 </a:solidFill>
@@ -10711,7 +10642,19 @@
                 <a:cs typeface="Courier New"/>
                 <a:sym typeface="Courier New"/>
               </a:rPr>
-              <a:t>list()</a:t>
+              <a:t>list</a:t>
+            </a:r>
+            <a:r>
+              <a:rPr lang="es-419" sz="3000" b="1" i="0" u="none" strike="noStrike" cap="none" dirty="0">
+                <a:solidFill>
+                  <a:srgbClr val="00FFFF"/>
+                </a:solidFill>
+                <a:latin typeface="Courier New"/>
+                <a:ea typeface="Courier New"/>
+                <a:cs typeface="Courier New"/>
+                <a:sym typeface="Courier New"/>
+              </a:rPr>
+              <a:t>()</a:t>
             </a:r>
           </a:p>
           <a:p>
@@ -10733,7 +10676,7 @@
               <a:buNone/>
             </a:pPr>
             <a:r>
-              <a:rPr lang="en-US" sz="3000" b="1" i="0" u="none" strike="noStrike" cap="none" dirty="0">
+              <a:rPr lang="es-419" sz="3000" b="1" i="0" u="none" strike="noStrike" cap="none" dirty="0">
                 <a:solidFill>
                   <a:srgbClr val="00FF00"/>
                 </a:solidFill>
@@ -10745,7 +10688,7 @@
               <a:t>&gt;&gt;&gt; </a:t>
             </a:r>
             <a:r>
-              <a:rPr lang="en-US" sz="3000" b="1" i="0" u="none" strike="noStrike" cap="none" dirty="0" err="1">
+              <a:rPr lang="es-419" sz="3000" b="1" i="0" u="none" strike="noStrike" cap="none" dirty="0" err="1">
                 <a:solidFill>
                   <a:srgbClr val="00FF00"/>
                 </a:solidFill>
@@ -10757,7 +10700,7 @@
               <a:t>lst.</a:t>
             </a:r>
             <a:r>
-              <a:rPr lang="en-US" sz="3000" b="1" i="0" u="none" strike="noStrike" cap="none" dirty="0" err="1">
+              <a:rPr lang="es-419" sz="3000" b="1" i="0" u="none" strike="noStrike" cap="none" dirty="0" err="1">
                 <a:solidFill>
                   <a:srgbClr val="FF00FF"/>
                 </a:solidFill>
@@ -10769,7 +10712,7 @@
               <a:t>append</a:t>
             </a:r>
             <a:r>
-              <a:rPr lang="en-US" sz="3000" b="1" i="0" u="none" strike="noStrike" cap="none" dirty="0">
+              <a:rPr lang="es-419" sz="3000" b="1" i="0" u="none" strike="noStrike" cap="none" dirty="0">
                 <a:solidFill>
                   <a:srgbClr val="00FF00"/>
                 </a:solidFill>
@@ -10781,7 +10724,7 @@
               <a:t>(</a:t>
             </a:r>
             <a:r>
-              <a:rPr lang="en-US" sz="3000" b="1" i="0" u="none" strike="noStrike" cap="none" dirty="0">
+              <a:rPr lang="es-419" sz="3000" b="1" i="0" u="none" strike="noStrike" cap="none" dirty="0">
                 <a:solidFill>
                   <a:srgbClr val="FFFF00"/>
                 </a:solidFill>
@@ -10793,7 +10736,7 @@
               <a:t>21</a:t>
             </a:r>
             <a:r>
-              <a:rPr lang="en-US" sz="3000" b="1" i="0" u="none" strike="noStrike" cap="none" dirty="0">
+              <a:rPr lang="es-419" sz="3000" b="1" i="0" u="none" strike="noStrike" cap="none" dirty="0">
                 <a:solidFill>
                   <a:srgbClr val="00FF00"/>
                 </a:solidFill>
@@ -10824,7 +10767,7 @@
               <a:buNone/>
             </a:pPr>
             <a:r>
-              <a:rPr lang="en-US" sz="3000" b="1" i="0" u="none" strike="noStrike" cap="none" dirty="0">
+              <a:rPr lang="es-419" sz="3000" b="1" i="0" u="none" strike="noStrike" cap="none" dirty="0">
                 <a:solidFill>
                   <a:srgbClr val="00FF00"/>
                 </a:solidFill>
@@ -10836,7 +10779,7 @@
               <a:t>&gt;&gt;&gt; </a:t>
             </a:r>
             <a:r>
-              <a:rPr lang="en-US" sz="3000" b="1" i="0" u="none" strike="noStrike" cap="none" dirty="0" err="1">
+              <a:rPr lang="es-419" sz="3000" b="1" i="0" u="none" strike="noStrike" cap="none" dirty="0" err="1">
                 <a:solidFill>
                   <a:srgbClr val="00FF00"/>
                 </a:solidFill>
@@ -10848,7 +10791,7 @@
               <a:t>lst.</a:t>
             </a:r>
             <a:r>
-              <a:rPr lang="en-US" sz="3000" b="1" i="0" u="none" strike="noStrike" cap="none" dirty="0" err="1">
+              <a:rPr lang="es-419" sz="3000" b="1" i="0" u="none" strike="noStrike" cap="none" dirty="0" err="1">
                 <a:solidFill>
                   <a:srgbClr val="FF00FF"/>
                 </a:solidFill>
@@ -10860,7 +10803,7 @@
               <a:t>append</a:t>
             </a:r>
             <a:r>
-              <a:rPr lang="en-US" sz="3000" b="1" i="0" u="none" strike="noStrike" cap="none" dirty="0">
+              <a:rPr lang="es-419" sz="3000" b="1" i="0" u="none" strike="noStrike" cap="none" dirty="0">
                 <a:solidFill>
                   <a:srgbClr val="00FF00"/>
                 </a:solidFill>
@@ -10872,7 +10815,7 @@
               <a:t>(</a:t>
             </a:r>
             <a:r>
-              <a:rPr lang="en-US" sz="3000" b="1" i="0" u="none" strike="noStrike" cap="none" dirty="0">
+              <a:rPr lang="es-419" sz="3000" b="1" i="0" u="none" strike="noStrike" cap="none" dirty="0">
                 <a:solidFill>
                   <a:srgbClr val="FFFF00"/>
                 </a:solidFill>
@@ -10884,7 +10827,7 @@
               <a:t>183</a:t>
             </a:r>
             <a:r>
-              <a:rPr lang="en-US" sz="3000" b="1" i="0" u="none" strike="noStrike" cap="none" dirty="0">
+              <a:rPr lang="es-419" sz="3000" b="1" i="0" u="none" strike="noStrike" cap="none" dirty="0">
                 <a:solidFill>
                   <a:srgbClr val="00FF00"/>
                 </a:solidFill>
@@ -10915,7 +10858,7 @@
               <a:buNone/>
             </a:pPr>
             <a:r>
-              <a:rPr lang="en-US" sz="3000" b="1" i="0" u="none" strike="noStrike" cap="none" dirty="0">
+              <a:rPr lang="es-419" sz="3000" b="1" i="0" u="none" strike="noStrike" cap="none" dirty="0">
                 <a:solidFill>
                   <a:srgbClr val="00FF00"/>
                 </a:solidFill>
@@ -10927,7 +10870,7 @@
               <a:t>&gt;&gt;&gt; </a:t>
             </a:r>
             <a:r>
-              <a:rPr lang="en-US" sz="3000" b="1" i="0" u="none" strike="noStrike" cap="none" dirty="0" smtClean="0">
+              <a:rPr lang="es-419" sz="3000" b="1" i="0" u="none" strike="noStrike" cap="none" dirty="0" err="1">
                 <a:solidFill>
                   <a:srgbClr val="FFFF00"/>
                 </a:solidFill>
@@ -10936,10 +10879,22 @@
                 <a:cs typeface="Courier New"/>
                 <a:sym typeface="Courier New"/>
               </a:rPr>
-              <a:t>print(</a:t>
-            </a:r>
-            <a:r>
-              <a:rPr lang="en-US" sz="3000" b="1" i="0" u="none" strike="noStrike" cap="none" dirty="0" err="1" smtClean="0">
+              <a:t>print</a:t>
+            </a:r>
+            <a:r>
+              <a:rPr lang="es-419" sz="3000" b="1" i="0" u="none" strike="noStrike" cap="none" dirty="0">
+                <a:solidFill>
+                  <a:srgbClr val="FFFF00"/>
+                </a:solidFill>
+                <a:latin typeface="Courier New"/>
+                <a:ea typeface="Courier New"/>
+                <a:cs typeface="Courier New"/>
+                <a:sym typeface="Courier New"/>
+              </a:rPr>
+              <a:t>(</a:t>
+            </a:r>
+            <a:r>
+              <a:rPr lang="es-419" sz="3000" b="1" i="0" u="none" strike="noStrike" cap="none" dirty="0" err="1">
                 <a:solidFill>
                   <a:srgbClr val="00FF00"/>
                 </a:solidFill>
@@ -10951,7 +10906,7 @@
               <a:t>lst</a:t>
             </a:r>
             <a:r>
-              <a:rPr lang="en-US" sz="3000" b="1" i="0" u="none" strike="noStrike" cap="none" dirty="0" smtClean="0">
+              <a:rPr lang="es-419" sz="3000" b="1" i="0" u="none" strike="noStrike" cap="none" dirty="0">
                 <a:solidFill>
                   <a:srgbClr val="FFFF00"/>
                 </a:solidFill>
@@ -10962,15 +10917,6 @@
               </a:rPr>
               <a:t>)</a:t>
             </a:r>
-            <a:endParaRPr lang="en-US" sz="3000" b="1" i="0" u="none" strike="noStrike" cap="none" dirty="0">
-              <a:solidFill>
-                <a:srgbClr val="FFFF00"/>
-              </a:solidFill>
-              <a:latin typeface="Courier New"/>
-              <a:ea typeface="Courier New"/>
-              <a:cs typeface="Courier New"/>
-              <a:sym typeface="Courier New"/>
-            </a:endParaRPr>
           </a:p>
           <a:p>
             <a:pPr marL="0" marR="0" lvl="0" indent="0" algn="l" rtl="0">
@@ -10991,7 +10937,7 @@
               <a:buNone/>
             </a:pPr>
             <a:r>
-              <a:rPr lang="en-US" sz="3000" b="1" i="0" u="none" strike="noStrike" cap="none" dirty="0">
+              <a:rPr lang="es-419" sz="3000" b="1" i="0" u="none" strike="noStrike" cap="none" dirty="0">
                 <a:solidFill>
                   <a:srgbClr val="00FF00"/>
                 </a:solidFill>
@@ -11003,7 +10949,7 @@
               <a:t>[</a:t>
             </a:r>
             <a:r>
-              <a:rPr lang="en-US" sz="3000" b="1" i="0" u="none" strike="noStrike" cap="none" dirty="0">
+              <a:rPr lang="es-419" sz="3000" b="1" i="0" u="none" strike="noStrike" cap="none" dirty="0">
                 <a:solidFill>
                   <a:srgbClr val="FFFF00"/>
                 </a:solidFill>
@@ -11015,7 +10961,7 @@
               <a:t>21, 183</a:t>
             </a:r>
             <a:r>
-              <a:rPr lang="en-US" sz="3000" b="1" i="0" u="none" strike="noStrike" cap="none" dirty="0">
+              <a:rPr lang="es-419" sz="3000" b="1" i="0" u="none" strike="noStrike" cap="none" dirty="0">
                 <a:solidFill>
                   <a:srgbClr val="00FF00"/>
                 </a:solidFill>
@@ -11046,7 +10992,7 @@
               <a:buNone/>
             </a:pPr>
             <a:r>
-              <a:rPr lang="en-US" sz="3000" b="1" i="0" u="none" strike="noStrike" cap="none" dirty="0">
+              <a:rPr lang="es-419" sz="3000" b="1" i="0" u="none" strike="noStrike" cap="none" dirty="0">
                 <a:solidFill>
                   <a:srgbClr val="00FF00"/>
                 </a:solidFill>
@@ -11058,7 +11004,7 @@
               <a:t>&gt;&gt;&gt; </a:t>
             </a:r>
             <a:r>
-              <a:rPr lang="en-US" sz="3000" b="1" i="0" u="none" strike="noStrike" cap="none" dirty="0" err="1">
+              <a:rPr lang="es-419" sz="3000" b="1" i="0" u="none" strike="noStrike" cap="none" dirty="0" err="1">
                 <a:solidFill>
                   <a:srgbClr val="00FF00"/>
                 </a:solidFill>
@@ -11070,7 +11016,7 @@
               <a:t>lst</a:t>
             </a:r>
             <a:r>
-              <a:rPr lang="en-US" sz="3000" b="1" i="0" u="none" strike="noStrike" cap="none" dirty="0">
+              <a:rPr lang="es-419" sz="3000" b="1" i="0" u="none" strike="noStrike" cap="none" dirty="0">
                 <a:solidFill>
                   <a:srgbClr val="00FF00"/>
                 </a:solidFill>
@@ -11082,7 +11028,7 @@
               <a:t>[</a:t>
             </a:r>
             <a:r>
-              <a:rPr lang="en-US" sz="3000" b="1" i="0" u="none" strike="noStrike" cap="none" dirty="0">
+              <a:rPr lang="es-419" sz="3000" b="1" i="0" u="none" strike="noStrike" cap="none" dirty="0">
                 <a:solidFill>
                   <a:srgbClr val="FFFFFF"/>
                 </a:solidFill>
@@ -11094,7 +11040,7 @@
               <a:t>0</a:t>
             </a:r>
             <a:r>
-              <a:rPr lang="en-US" sz="3000" b="1" i="0" u="none" strike="noStrike" cap="none" dirty="0">
+              <a:rPr lang="es-419" sz="3000" b="1" i="0" u="none" strike="noStrike" cap="none" dirty="0">
                 <a:solidFill>
                   <a:srgbClr val="00FF00"/>
                 </a:solidFill>
@@ -11106,7 +11052,7 @@
               <a:t>] = </a:t>
             </a:r>
             <a:r>
-              <a:rPr lang="en-US" sz="3000" b="1" i="0" u="none" strike="noStrike" cap="none" dirty="0">
+              <a:rPr lang="es-419" sz="3000" b="1" i="0" u="none" strike="noStrike" cap="none" dirty="0">
                 <a:solidFill>
                   <a:srgbClr val="FFFF00"/>
                 </a:solidFill>
@@ -11126,7 +11072,7 @@
               <a:buSzPct val="25000"/>
             </a:pPr>
             <a:r>
-              <a:rPr lang="en-US" sz="3000" b="1" i="0" u="none" strike="noStrike" cap="none" dirty="0">
+              <a:rPr lang="es-419" sz="3000" b="1" i="0" u="none" strike="noStrike" cap="none" dirty="0">
                 <a:solidFill>
                   <a:srgbClr val="00FF00"/>
                 </a:solidFill>
@@ -11138,7 +11084,7 @@
               <a:t>&gt;&gt;&gt; </a:t>
             </a:r>
             <a:r>
-              <a:rPr lang="en-US" sz="3000" b="1" i="0" u="none" strike="noStrike" cap="none" dirty="0" smtClean="0">
+              <a:rPr lang="es-419" sz="3000" b="1" i="0" u="none" strike="noStrike" cap="none" dirty="0" err="1">
                 <a:solidFill>
                   <a:srgbClr val="FFFF00"/>
                 </a:solidFill>
@@ -11147,10 +11093,22 @@
                 <a:cs typeface="Courier New"/>
                 <a:sym typeface="Courier New"/>
               </a:rPr>
-              <a:t>print(</a:t>
-            </a:r>
-            <a:r>
-              <a:rPr lang="en-US" sz="3000" b="1" i="0" u="none" strike="noStrike" cap="none" dirty="0" err="1" smtClean="0">
+              <a:t>print</a:t>
+            </a:r>
+            <a:r>
+              <a:rPr lang="es-419" sz="3000" b="1" i="0" u="none" strike="noStrike" cap="none" dirty="0">
+                <a:solidFill>
+                  <a:srgbClr val="FFFF00"/>
+                </a:solidFill>
+                <a:latin typeface="Courier New"/>
+                <a:ea typeface="Courier New"/>
+                <a:cs typeface="Courier New"/>
+                <a:sym typeface="Courier New"/>
+              </a:rPr>
+              <a:t>(</a:t>
+            </a:r>
+            <a:r>
+              <a:rPr lang="es-419" sz="3000" b="1" i="0" u="none" strike="noStrike" cap="none" dirty="0" err="1">
                 <a:solidFill>
                   <a:srgbClr val="00FF00"/>
                 </a:solidFill>
@@ -11162,7 +11120,7 @@
               <a:t>lst</a:t>
             </a:r>
             <a:r>
-              <a:rPr lang="en-US" sz="3000" b="1" dirty="0" smtClean="0">
+              <a:rPr lang="es-419" sz="3000" b="1" dirty="0">
                 <a:solidFill>
                   <a:srgbClr val="FFFF00"/>
                 </a:solidFill>
@@ -11173,7 +11131,7 @@
               </a:rPr>
               <a:t>)</a:t>
             </a:r>
-            <a:endParaRPr lang="en-US" sz="3000" b="1" i="0" u="none" strike="noStrike" cap="none" dirty="0">
+            <a:endParaRPr lang="es-419" sz="3000" b="1" i="0" u="none" strike="noStrike" cap="none" dirty="0">
               <a:solidFill>
                 <a:srgbClr val="00FF00"/>
               </a:solidFill>
@@ -11202,7 +11160,7 @@
               <a:buNone/>
             </a:pPr>
             <a:r>
-              <a:rPr lang="en-US" sz="3000" b="1" i="0" u="none" strike="noStrike" cap="none" dirty="0">
+              <a:rPr lang="es-419" sz="3000" b="1" i="0" u="none" strike="noStrike" cap="none" dirty="0">
                 <a:solidFill>
                   <a:srgbClr val="00FF00"/>
                 </a:solidFill>
@@ -11214,7 +11172,7 @@
               <a:t>[</a:t>
             </a:r>
             <a:r>
-              <a:rPr lang="en-US" sz="3000" b="1" i="0" u="none" strike="noStrike" cap="none" dirty="0">
+              <a:rPr lang="es-419" sz="3000" b="1" i="0" u="none" strike="noStrike" cap="none" dirty="0">
                 <a:solidFill>
                   <a:srgbClr val="FFFF00"/>
                 </a:solidFill>
@@ -11226,7 +11184,7 @@
               <a:t>23, 183</a:t>
             </a:r>
             <a:r>
-              <a:rPr lang="en-US" sz="3000" b="1" i="0" u="none" strike="noStrike" cap="none" dirty="0">
+              <a:rPr lang="es-419" sz="3000" b="1" i="0" u="none" strike="noStrike" cap="none" dirty="0">
                 <a:solidFill>
                   <a:srgbClr val="00FF00"/>
                 </a:solidFill>
@@ -11283,7 +11241,7 @@
               <a:buNone/>
             </a:pPr>
             <a:r>
-              <a:rPr lang="en-US" sz="3000" b="1" i="0" u="none" strike="noStrike" cap="none" dirty="0">
+              <a:rPr lang="es-419" sz="3000" b="1" i="0" u="none" strike="noStrike" cap="none" dirty="0">
                 <a:solidFill>
                   <a:srgbClr val="FF00FF"/>
                 </a:solidFill>
@@ -11295,7 +11253,7 @@
               <a:t>&gt;&gt;&gt; </a:t>
             </a:r>
             <a:r>
-              <a:rPr lang="en-US" sz="3000" b="1" i="0" u="none" strike="noStrike" cap="none" dirty="0" err="1">
+              <a:rPr lang="es-419" sz="3000" b="1" i="0" u="none" strike="noStrike" cap="none" dirty="0" err="1">
                 <a:solidFill>
                   <a:srgbClr val="FF00FF"/>
                 </a:solidFill>
@@ -11307,7 +11265,7 @@
               <a:t>ddd</a:t>
             </a:r>
             <a:r>
-              <a:rPr lang="en-US" sz="3000" b="1" i="0" u="none" strike="noStrike" cap="none" dirty="0">
+              <a:rPr lang="es-419" sz="3000" b="1" i="0" u="none" strike="noStrike" cap="none" dirty="0">
                 <a:solidFill>
                   <a:srgbClr val="FF00FF"/>
                 </a:solidFill>
@@ -11319,7 +11277,7 @@
               <a:t> =</a:t>
             </a:r>
             <a:r>
-              <a:rPr lang="en-US" sz="3000" b="1" i="0" u="none" strike="noStrike" cap="none" dirty="0">
+              <a:rPr lang="es-419" sz="3000" b="1" i="0" u="none" strike="noStrike" cap="none" dirty="0">
                 <a:solidFill>
                   <a:srgbClr val="0000FF"/>
                 </a:solidFill>
@@ -11331,7 +11289,7 @@
               <a:t> </a:t>
             </a:r>
             <a:r>
-              <a:rPr lang="en-US" sz="3000" b="1" i="0" u="none" strike="noStrike" cap="none" dirty="0" err="1">
+              <a:rPr lang="es-419" sz="3000" b="1" i="0" u="none" strike="noStrike" cap="none" dirty="0" err="1">
                 <a:solidFill>
                   <a:srgbClr val="00FFFF"/>
                 </a:solidFill>
@@ -11343,7 +11301,7 @@
               <a:t>dict</a:t>
             </a:r>
             <a:r>
-              <a:rPr lang="en-US" sz="3000" b="1" i="0" u="none" strike="noStrike" cap="none" dirty="0">
+              <a:rPr lang="es-419" sz="3000" b="1" i="0" u="none" strike="noStrike" cap="none" dirty="0">
                 <a:solidFill>
                   <a:srgbClr val="00FFFF"/>
                 </a:solidFill>
@@ -11353,188 +11311,6 @@
                 <a:sym typeface="Courier New"/>
               </a:rPr>
               <a:t>()</a:t>
-            </a:r>
-          </a:p>
-          <a:p>
-            <a:pPr marL="0" marR="0" lvl="0" indent="0" algn="l" rtl="0">
-              <a:lnSpc>
-                <a:spcPct val="100000"/>
-              </a:lnSpc>
-              <a:spcBef>
-                <a:spcPts val="0"/>
-              </a:spcBef>
-              <a:spcAft>
-                <a:spcPts val="0"/>
-              </a:spcAft>
-              <a:buClr>
-                <a:srgbClr val="FF00FF"/>
-              </a:buClr>
-              <a:buSzPct val="25000"/>
-              <a:buFont typeface="Cabin"/>
-              <a:buNone/>
-            </a:pPr>
-            <a:r>
-              <a:rPr lang="en-US" sz="3000" b="1" i="0" u="none" strike="noStrike" cap="none" dirty="0">
-                <a:solidFill>
-                  <a:srgbClr val="FF00FF"/>
-                </a:solidFill>
-                <a:latin typeface="Courier New"/>
-                <a:ea typeface="Courier New"/>
-                <a:cs typeface="Courier New"/>
-                <a:sym typeface="Courier New"/>
-              </a:rPr>
-              <a:t>&gt;&gt;&gt; </a:t>
-            </a:r>
-            <a:r>
-              <a:rPr lang="en-US" sz="3000" b="1" i="0" u="none" strike="noStrike" cap="none" dirty="0" err="1">
-                <a:solidFill>
-                  <a:srgbClr val="FF00FF"/>
-                </a:solidFill>
-                <a:latin typeface="Courier New"/>
-                <a:ea typeface="Courier New"/>
-                <a:cs typeface="Courier New"/>
-                <a:sym typeface="Courier New"/>
-              </a:rPr>
-              <a:t>ddd</a:t>
-            </a:r>
-            <a:r>
-              <a:rPr lang="en-US" sz="3000" b="1" i="0" u="none" strike="noStrike" cap="none" dirty="0">
-                <a:solidFill>
-                  <a:srgbClr val="FF00FF"/>
-                </a:solidFill>
-                <a:latin typeface="Courier New"/>
-                <a:ea typeface="Courier New"/>
-                <a:cs typeface="Courier New"/>
-                <a:sym typeface="Courier New"/>
-              </a:rPr>
-              <a:t>[</a:t>
-            </a:r>
-            <a:r>
-              <a:rPr lang="en-US" sz="3000" b="1" i="0" u="none" strike="noStrike" cap="none" dirty="0">
-                <a:solidFill>
-                  <a:srgbClr val="FF7F00"/>
-                </a:solidFill>
-                <a:latin typeface="Courier New"/>
-                <a:ea typeface="Courier New"/>
-                <a:cs typeface="Courier New"/>
-                <a:sym typeface="Courier New"/>
-              </a:rPr>
-              <a:t>'age'</a:t>
-            </a:r>
-            <a:r>
-              <a:rPr lang="en-US" sz="3000" b="1" i="0" u="none" strike="noStrike" cap="none" dirty="0">
-                <a:solidFill>
-                  <a:srgbClr val="FF00FF"/>
-                </a:solidFill>
-                <a:latin typeface="Courier New"/>
-                <a:ea typeface="Courier New"/>
-                <a:cs typeface="Courier New"/>
-                <a:sym typeface="Courier New"/>
-              </a:rPr>
-              <a:t>] = </a:t>
-            </a:r>
-            <a:r>
-              <a:rPr lang="en-US" sz="3000" b="1" i="0" u="none" strike="noStrike" cap="none" dirty="0">
-                <a:solidFill>
-                  <a:srgbClr val="FFFF00"/>
-                </a:solidFill>
-                <a:latin typeface="Courier New"/>
-                <a:ea typeface="Courier New"/>
-                <a:cs typeface="Courier New"/>
-                <a:sym typeface="Courier New"/>
-              </a:rPr>
-              <a:t>21</a:t>
-            </a:r>
-          </a:p>
-          <a:p>
-            <a:pPr marL="0" marR="0" lvl="0" indent="0" algn="l" rtl="0">
-              <a:lnSpc>
-                <a:spcPct val="100000"/>
-              </a:lnSpc>
-              <a:spcBef>
-                <a:spcPts val="0"/>
-              </a:spcBef>
-              <a:spcAft>
-                <a:spcPts val="0"/>
-              </a:spcAft>
-              <a:buClr>
-                <a:srgbClr val="FF00FF"/>
-              </a:buClr>
-              <a:buSzPct val="25000"/>
-              <a:buFont typeface="Cabin"/>
-              <a:buNone/>
-            </a:pPr>
-            <a:r>
-              <a:rPr lang="en-US" sz="3000" b="1" i="0" u="none" strike="noStrike" cap="none" dirty="0">
-                <a:solidFill>
-                  <a:srgbClr val="FF00FF"/>
-                </a:solidFill>
-                <a:latin typeface="Courier New"/>
-                <a:ea typeface="Courier New"/>
-                <a:cs typeface="Courier New"/>
-                <a:sym typeface="Courier New"/>
-              </a:rPr>
-              <a:t>&gt;&gt;&gt; </a:t>
-            </a:r>
-            <a:r>
-              <a:rPr lang="en-US" sz="3000" b="1" i="0" u="none" strike="noStrike" cap="none" dirty="0" err="1">
-                <a:solidFill>
-                  <a:srgbClr val="FF00FF"/>
-                </a:solidFill>
-                <a:latin typeface="Courier New"/>
-                <a:ea typeface="Courier New"/>
-                <a:cs typeface="Courier New"/>
-                <a:sym typeface="Courier New"/>
-              </a:rPr>
-              <a:t>ddd</a:t>
-            </a:r>
-            <a:r>
-              <a:rPr lang="en-US" sz="3000" b="1" i="0" u="none" strike="noStrike" cap="none" dirty="0">
-                <a:solidFill>
-                  <a:srgbClr val="FF00FF"/>
-                </a:solidFill>
-                <a:latin typeface="Courier New"/>
-                <a:ea typeface="Courier New"/>
-                <a:cs typeface="Courier New"/>
-                <a:sym typeface="Courier New"/>
-              </a:rPr>
-              <a:t>[</a:t>
-            </a:r>
-            <a:r>
-              <a:rPr lang="en-US" sz="3000" b="1" i="0" u="none" strike="noStrike" cap="none" dirty="0">
-                <a:solidFill>
-                  <a:srgbClr val="FF7F00"/>
-                </a:solidFill>
-                <a:latin typeface="Courier New"/>
-                <a:ea typeface="Courier New"/>
-                <a:cs typeface="Courier New"/>
-                <a:sym typeface="Courier New"/>
-              </a:rPr>
-              <a:t>'course'</a:t>
-            </a:r>
-            <a:r>
-              <a:rPr lang="en-US" sz="3000" b="1" i="0" u="none" strike="noStrike" cap="none" dirty="0">
-                <a:solidFill>
-                  <a:srgbClr val="FF00FF"/>
-                </a:solidFill>
-                <a:latin typeface="Courier New"/>
-                <a:ea typeface="Courier New"/>
-                <a:cs typeface="Courier New"/>
-                <a:sym typeface="Courier New"/>
-              </a:rPr>
-              <a:t>] = </a:t>
-            </a:r>
-            <a:r>
-              <a:rPr lang="en-US" sz="3000" b="1" i="0" u="none" strike="noStrike" cap="none" dirty="0">
-                <a:solidFill>
-                  <a:srgbClr val="FFFF00"/>
-                </a:solidFill>
-                <a:latin typeface="Courier New"/>
-                <a:ea typeface="Courier New"/>
-                <a:cs typeface="Courier New"/>
-                <a:sym typeface="Courier New"/>
-              </a:rPr>
-              <a:t>182</a:t>
             </a:r>
           </a:p>
           <a:p>
@@ -11545,7 +11321,7 @@
               <a:buSzPct val="25000"/>
             </a:pPr>
             <a:r>
-              <a:rPr lang="en-US" sz="3000" b="1" i="0" u="none" strike="noStrike" cap="none" dirty="0">
+              <a:rPr lang="es-419" sz="3000" b="1" i="0" u="none" strike="noStrike" cap="none" dirty="0">
                 <a:solidFill>
                   <a:srgbClr val="FF00FF"/>
                 </a:solidFill>
@@ -11557,7 +11333,55 @@
               <a:t>&gt;&gt;&gt; </a:t>
             </a:r>
             <a:r>
-              <a:rPr lang="en-US" sz="3000" b="1" i="0" u="none" strike="noStrike" cap="none" dirty="0" smtClean="0">
+              <a:rPr lang="es-419" sz="3000" b="1" i="0" u="none" strike="noStrike" cap="none" dirty="0" err="1">
+                <a:solidFill>
+                  <a:srgbClr val="FF00FF"/>
+                </a:solidFill>
+                <a:latin typeface="Courier New"/>
+                <a:ea typeface="Courier New"/>
+                <a:cs typeface="Courier New"/>
+                <a:sym typeface="Courier New"/>
+              </a:rPr>
+              <a:t>ddd</a:t>
+            </a:r>
+            <a:r>
+              <a:rPr lang="es-419" sz="3000" b="1" i="0" u="none" strike="noStrike" cap="none" dirty="0">
+                <a:solidFill>
+                  <a:srgbClr val="FF00FF"/>
+                </a:solidFill>
+                <a:latin typeface="Courier New"/>
+                <a:ea typeface="Courier New"/>
+                <a:cs typeface="Courier New"/>
+                <a:sym typeface="Courier New"/>
+              </a:rPr>
+              <a:t>[</a:t>
+            </a:r>
+            <a:r>
+              <a:rPr lang="es-419" sz="3000" b="1" dirty="0">
+                <a:solidFill>
+                  <a:srgbClr val="FF7F00"/>
+                </a:solidFill>
+                <a:latin typeface="Courier New"/>
+                <a:ea typeface="Courier New"/>
+                <a:cs typeface="Courier New"/>
+                <a:sym typeface="Courier New"/>
+              </a:rPr>
+              <a:t>'edad'</a:t>
+            </a:r>
+            <a:r>
+              <a:rPr lang="es-419" sz="3000" b="1" i="0" u="none" strike="noStrike" cap="none" dirty="0">
+                <a:solidFill>
+                  <a:srgbClr val="FF00FF"/>
+                </a:solidFill>
+                <a:latin typeface="Courier New"/>
+                <a:ea typeface="Courier New"/>
+                <a:cs typeface="Courier New"/>
+                <a:sym typeface="Courier New"/>
+              </a:rPr>
+              <a:t>] = </a:t>
+            </a:r>
+            <a:r>
+              <a:rPr lang="es-419" sz="3000" b="1" i="0" u="none" strike="noStrike" cap="none" dirty="0">
                 <a:solidFill>
                   <a:srgbClr val="FFFF00"/>
                 </a:solidFill>
@@ -11566,10 +11390,18 @@
                 <a:cs typeface="Courier New"/>
                 <a:sym typeface="Courier New"/>
               </a:rPr>
-              <a:t>print(</a:t>
-            </a:r>
-            <a:r>
-              <a:rPr lang="en-US" sz="3000" b="1" i="0" u="none" strike="noStrike" cap="none" dirty="0" err="1" smtClean="0">
+              <a:t>21</a:t>
+            </a:r>
+          </a:p>
+          <a:p>
+            <a:pPr lvl="0">
+              <a:buClr>
+                <a:srgbClr val="FF00FF"/>
+              </a:buClr>
+              <a:buSzPct val="25000"/>
+            </a:pPr>
+            <a:r>
+              <a:rPr lang="es-419" sz="3000" b="1" i="0" u="none" strike="noStrike" cap="none" dirty="0">
                 <a:solidFill>
                   <a:srgbClr val="FF00FF"/>
                 </a:solidFill>
@@ -11578,10 +11410,58 @@
                 <a:cs typeface="Courier New"/>
                 <a:sym typeface="Courier New"/>
               </a:rPr>
+              <a:t>&gt;&gt;&gt; </a:t>
+            </a:r>
+            <a:r>
+              <a:rPr lang="es-419" sz="3000" b="1" i="0" u="none" strike="noStrike" cap="none" dirty="0" err="1">
+                <a:solidFill>
+                  <a:srgbClr val="FF00FF"/>
+                </a:solidFill>
+                <a:latin typeface="Courier New"/>
+                <a:ea typeface="Courier New"/>
+                <a:cs typeface="Courier New"/>
+                <a:sym typeface="Courier New"/>
+              </a:rPr>
               <a:t>ddd</a:t>
             </a:r>
             <a:r>
-              <a:rPr lang="en-US" sz="3000" b="1" dirty="0" smtClean="0">
+              <a:rPr lang="es-419" sz="3000" b="1" i="0" u="none" strike="noStrike" cap="none" dirty="0">
+                <a:solidFill>
+                  <a:srgbClr val="FF00FF"/>
+                </a:solidFill>
+                <a:latin typeface="Courier New"/>
+                <a:ea typeface="Courier New"/>
+                <a:cs typeface="Courier New"/>
+                <a:sym typeface="Courier New"/>
+              </a:rPr>
+              <a:t>[</a:t>
+            </a:r>
+            <a:r>
+              <a:rPr lang="es-419" sz="3000" b="1" dirty="0">
+                <a:solidFill>
+                  <a:srgbClr val="FF7F00"/>
+                </a:solidFill>
+                <a:latin typeface="Courier New"/>
+                <a:ea typeface="Courier New"/>
+                <a:cs typeface="Courier New"/>
+                <a:sym typeface="Courier New"/>
+              </a:rPr>
+              <a:t>'curso'</a:t>
+            </a:r>
+            <a:r>
+              <a:rPr lang="es-419" sz="3000" b="1" i="0" u="none" strike="noStrike" cap="none" dirty="0">
+                <a:solidFill>
+                  <a:srgbClr val="FF00FF"/>
+                </a:solidFill>
+                <a:latin typeface="Courier New"/>
+                <a:ea typeface="Courier New"/>
+                <a:cs typeface="Courier New"/>
+                <a:sym typeface="Courier New"/>
+              </a:rPr>
+              <a:t>] = </a:t>
+            </a:r>
+            <a:r>
+              <a:rPr lang="es-419" sz="3000" b="1" i="0" u="none" strike="noStrike" cap="none" dirty="0">
                 <a:solidFill>
                   <a:srgbClr val="FFFF00"/>
                 </a:solidFill>
@@ -11590,9 +11470,77 @@
                 <a:cs typeface="Courier New"/>
                 <a:sym typeface="Courier New"/>
               </a:rPr>
+              <a:t>182</a:t>
+            </a:r>
+          </a:p>
+          <a:p>
+            <a:pPr lvl="0">
+              <a:buClr>
+                <a:srgbClr val="FF00FF"/>
+              </a:buClr>
+              <a:buSzPct val="25000"/>
+            </a:pPr>
+            <a:r>
+              <a:rPr lang="es-419" sz="3000" b="1" i="0" u="none" strike="noStrike" cap="none" dirty="0">
+                <a:solidFill>
+                  <a:srgbClr val="FF00FF"/>
+                </a:solidFill>
+                <a:latin typeface="Courier New"/>
+                <a:ea typeface="Courier New"/>
+                <a:cs typeface="Courier New"/>
+                <a:sym typeface="Courier New"/>
+              </a:rPr>
+              <a:t>&gt;&gt;&gt; </a:t>
+            </a:r>
+            <a:r>
+              <a:rPr lang="es-419" sz="3000" b="1" i="0" u="none" strike="noStrike" cap="none" dirty="0" err="1">
+                <a:solidFill>
+                  <a:srgbClr val="FFFF00"/>
+                </a:solidFill>
+                <a:latin typeface="Courier New"/>
+                <a:ea typeface="Courier New"/>
+                <a:cs typeface="Courier New"/>
+                <a:sym typeface="Courier New"/>
+              </a:rPr>
+              <a:t>print</a:t>
+            </a:r>
+            <a:r>
+              <a:rPr lang="es-419" sz="3000" b="1" i="0" u="none" strike="noStrike" cap="none" dirty="0">
+                <a:solidFill>
+                  <a:srgbClr val="FFFF00"/>
+                </a:solidFill>
+                <a:latin typeface="Courier New"/>
+                <a:ea typeface="Courier New"/>
+                <a:cs typeface="Courier New"/>
+                <a:sym typeface="Courier New"/>
+              </a:rPr>
+              <a:t>(</a:t>
+            </a:r>
+            <a:r>
+              <a:rPr lang="es-419" sz="3000" b="1" i="0" u="none" strike="noStrike" cap="none" dirty="0" err="1">
+                <a:solidFill>
+                  <a:srgbClr val="FF00FF"/>
+                </a:solidFill>
+                <a:latin typeface="Courier New"/>
+                <a:ea typeface="Courier New"/>
+                <a:cs typeface="Courier New"/>
+                <a:sym typeface="Courier New"/>
+              </a:rPr>
+              <a:t>ddd</a:t>
+            </a:r>
+            <a:r>
+              <a:rPr lang="es-419" sz="3000" b="1" dirty="0">
+                <a:solidFill>
+                  <a:srgbClr val="FFFF00"/>
+                </a:solidFill>
+                <a:latin typeface="Courier New"/>
+                <a:ea typeface="Courier New"/>
+                <a:cs typeface="Courier New"/>
+                <a:sym typeface="Courier New"/>
+              </a:rPr>
               <a:t>)</a:t>
             </a:r>
-            <a:endParaRPr lang="en-US" sz="3000" b="1" i="0" u="none" strike="noStrike" cap="none" dirty="0">
+            <a:endParaRPr lang="es-419" sz="3000" b="1" i="0" u="none" strike="noStrike" cap="none" dirty="0">
               <a:solidFill>
                 <a:srgbClr val="FF00FF"/>
               </a:solidFill>
@@ -11603,212 +11551,6 @@
             </a:endParaRPr>
           </a:p>
           <a:p>
-            <a:pPr marL="0" marR="0" lvl="0" indent="0" algn="l" rtl="0">
-              <a:lnSpc>
-                <a:spcPct val="100000"/>
-              </a:lnSpc>
-              <a:spcBef>
-                <a:spcPts val="0"/>
-              </a:spcBef>
-              <a:spcAft>
-                <a:spcPts val="0"/>
-              </a:spcAft>
-              <a:buClr>
-                <a:srgbClr val="FF00FF"/>
-              </a:buClr>
-              <a:buSzPct val="25000"/>
-              <a:buFont typeface="Cabin"/>
-              <a:buNone/>
-            </a:pPr>
-            <a:r>
-              <a:rPr lang="en-US" sz="3000" b="1" i="0" u="none" strike="noStrike" cap="none" dirty="0">
-                <a:solidFill>
-                  <a:srgbClr val="FF00FF"/>
-                </a:solidFill>
-                <a:latin typeface="Courier New"/>
-                <a:ea typeface="Courier New"/>
-                <a:cs typeface="Courier New"/>
-                <a:sym typeface="Courier New"/>
-              </a:rPr>
-              <a:t>{</a:t>
-            </a:r>
-            <a:r>
-              <a:rPr lang="en-US" sz="3000" b="1" i="0" u="none" strike="noStrike" cap="none" dirty="0">
-                <a:solidFill>
-                  <a:srgbClr val="FF7F00"/>
-                </a:solidFill>
-                <a:latin typeface="Courier New"/>
-                <a:ea typeface="Courier New"/>
-                <a:cs typeface="Courier New"/>
-                <a:sym typeface="Courier New"/>
-              </a:rPr>
-              <a:t>'course'</a:t>
-            </a:r>
-            <a:r>
-              <a:rPr lang="en-US" sz="3000" b="1" i="0" u="none" strike="noStrike" cap="none" dirty="0">
-                <a:solidFill>
-                  <a:srgbClr val="FF00FF"/>
-                </a:solidFill>
-                <a:latin typeface="Courier New"/>
-                <a:ea typeface="Courier New"/>
-                <a:cs typeface="Courier New"/>
-                <a:sym typeface="Courier New"/>
-              </a:rPr>
-              <a:t>: </a:t>
-            </a:r>
-            <a:r>
-              <a:rPr lang="en-US" sz="3000" b="1" i="0" u="none" strike="noStrike" cap="none" dirty="0">
-                <a:solidFill>
-                  <a:srgbClr val="FFFF00"/>
-                </a:solidFill>
-                <a:latin typeface="Courier New"/>
-                <a:ea typeface="Courier New"/>
-                <a:cs typeface="Courier New"/>
-                <a:sym typeface="Courier New"/>
-              </a:rPr>
-              <a:t>182</a:t>
-            </a:r>
-            <a:r>
-              <a:rPr lang="en-US" sz="3000" b="1" i="0" u="none" strike="noStrike" cap="none" dirty="0">
-                <a:solidFill>
-                  <a:srgbClr val="FF00FF"/>
-                </a:solidFill>
-                <a:latin typeface="Courier New"/>
-                <a:ea typeface="Courier New"/>
-                <a:cs typeface="Courier New"/>
-                <a:sym typeface="Courier New"/>
-              </a:rPr>
-              <a:t>, </a:t>
-            </a:r>
-            <a:r>
-              <a:rPr lang="en-US" sz="3000" b="1" i="0" u="none" strike="noStrike" cap="none" dirty="0">
-                <a:solidFill>
-                  <a:srgbClr val="FF7F00"/>
-                </a:solidFill>
-                <a:latin typeface="Courier New"/>
-                <a:ea typeface="Courier New"/>
-                <a:cs typeface="Courier New"/>
-                <a:sym typeface="Courier New"/>
-              </a:rPr>
-              <a:t>'age'</a:t>
-            </a:r>
-            <a:r>
-              <a:rPr lang="en-US" sz="3000" b="1" i="0" u="none" strike="noStrike" cap="none" dirty="0">
-                <a:solidFill>
-                  <a:srgbClr val="FF00FF"/>
-                </a:solidFill>
-                <a:latin typeface="Courier New"/>
-                <a:ea typeface="Courier New"/>
-                <a:cs typeface="Courier New"/>
-                <a:sym typeface="Courier New"/>
-              </a:rPr>
-              <a:t>: </a:t>
-            </a:r>
-            <a:r>
-              <a:rPr lang="en-US" sz="3000" b="1" i="0" u="none" strike="noStrike" cap="none" dirty="0">
-                <a:solidFill>
-                  <a:srgbClr val="FFFF00"/>
-                </a:solidFill>
-                <a:latin typeface="Courier New"/>
-                <a:ea typeface="Courier New"/>
-                <a:cs typeface="Courier New"/>
-                <a:sym typeface="Courier New"/>
-              </a:rPr>
-              <a:t>21</a:t>
-            </a:r>
-            <a:r>
-              <a:rPr lang="en-US" sz="3000" b="1" i="0" u="none" strike="noStrike" cap="none" dirty="0">
-                <a:solidFill>
-                  <a:srgbClr val="FF00FF"/>
-                </a:solidFill>
-                <a:latin typeface="Courier New"/>
-                <a:ea typeface="Courier New"/>
-                <a:cs typeface="Courier New"/>
-                <a:sym typeface="Courier New"/>
-              </a:rPr>
-              <a:t>}</a:t>
-            </a:r>
-          </a:p>
-          <a:p>
-            <a:pPr marL="0" marR="0" lvl="0" indent="0" algn="l" rtl="0">
-              <a:lnSpc>
-                <a:spcPct val="100000"/>
-              </a:lnSpc>
-              <a:spcBef>
-                <a:spcPts val="0"/>
-              </a:spcBef>
-              <a:spcAft>
-                <a:spcPts val="0"/>
-              </a:spcAft>
-              <a:buClr>
-                <a:srgbClr val="FF00FF"/>
-              </a:buClr>
-              <a:buSzPct val="25000"/>
-              <a:buFont typeface="Cabin"/>
-              <a:buNone/>
-            </a:pPr>
-            <a:r>
-              <a:rPr lang="en-US" sz="3000" b="1" i="0" u="none" strike="noStrike" cap="none" dirty="0">
-                <a:solidFill>
-                  <a:srgbClr val="FF00FF"/>
-                </a:solidFill>
-                <a:latin typeface="Courier New"/>
-                <a:ea typeface="Courier New"/>
-                <a:cs typeface="Courier New"/>
-                <a:sym typeface="Courier New"/>
-              </a:rPr>
-              <a:t>&gt;&gt;&gt; </a:t>
-            </a:r>
-            <a:r>
-              <a:rPr lang="en-US" sz="3000" b="1" i="0" u="none" strike="noStrike" cap="none" dirty="0" err="1">
-                <a:solidFill>
-                  <a:srgbClr val="FF00FF"/>
-                </a:solidFill>
-                <a:latin typeface="Courier New"/>
-                <a:ea typeface="Courier New"/>
-                <a:cs typeface="Courier New"/>
-                <a:sym typeface="Courier New"/>
-              </a:rPr>
-              <a:t>ddd</a:t>
-            </a:r>
-            <a:r>
-              <a:rPr lang="en-US" sz="3000" b="1" i="0" u="none" strike="noStrike" cap="none" dirty="0">
-                <a:solidFill>
-                  <a:srgbClr val="FF00FF"/>
-                </a:solidFill>
-                <a:latin typeface="Courier New"/>
-                <a:ea typeface="Courier New"/>
-                <a:cs typeface="Courier New"/>
-                <a:sym typeface="Courier New"/>
-              </a:rPr>
-              <a:t>[</a:t>
-            </a:r>
-            <a:r>
-              <a:rPr lang="en-US" sz="3000" b="1" i="0" u="none" strike="noStrike" cap="none" dirty="0">
-                <a:solidFill>
-                  <a:srgbClr val="FF7F00"/>
-                </a:solidFill>
-                <a:latin typeface="Courier New"/>
-                <a:ea typeface="Courier New"/>
-                <a:cs typeface="Courier New"/>
-                <a:sym typeface="Courier New"/>
-              </a:rPr>
-              <a:t>'age'</a:t>
-            </a:r>
-            <a:r>
-              <a:rPr lang="en-US" sz="3000" b="1" i="0" u="none" strike="noStrike" cap="none" dirty="0">
-                <a:solidFill>
-                  <a:srgbClr val="FF00FF"/>
-                </a:solidFill>
-                <a:latin typeface="Courier New"/>
-                <a:ea typeface="Courier New"/>
-                <a:cs typeface="Courier New"/>
-                <a:sym typeface="Courier New"/>
-              </a:rPr>
-              <a:t>] = 23</a:t>
-            </a:r>
-          </a:p>
-          <a:p>
             <a:pPr lvl="0">
               <a:buClr>
                 <a:srgbClr val="FF00FF"/>
@@ -11816,7 +11558,7 @@
               <a:buSzPct val="25000"/>
             </a:pPr>
             <a:r>
-              <a:rPr lang="en-US" sz="3000" b="1" i="0" u="none" strike="noStrike" cap="none" dirty="0">
+              <a:rPr lang="es-419" sz="3000" b="1" i="0" u="none" strike="noStrike" cap="none" dirty="0">
                 <a:solidFill>
                   <a:srgbClr val="FF00FF"/>
                 </a:solidFill>
@@ -11825,10 +11567,206 @@
                 <a:cs typeface="Courier New"/>
                 <a:sym typeface="Courier New"/>
               </a:rPr>
+              <a:t>{</a:t>
+            </a:r>
+            <a:r>
+              <a:rPr lang="es-419" sz="3000" b="1" dirty="0">
+                <a:solidFill>
+                  <a:srgbClr val="FF7F00"/>
+                </a:solidFill>
+                <a:latin typeface="Courier New"/>
+                <a:ea typeface="Courier New"/>
+                <a:cs typeface="Courier New"/>
+                <a:sym typeface="Courier New"/>
+              </a:rPr>
+              <a:t>'curso'</a:t>
+            </a:r>
+            <a:r>
+              <a:rPr lang="es-419" sz="3000" b="1" i="0" u="none" strike="noStrike" cap="none" dirty="0">
+                <a:solidFill>
+                  <a:srgbClr val="FF00FF"/>
+                </a:solidFill>
+                <a:latin typeface="Courier New"/>
+                <a:ea typeface="Courier New"/>
+                <a:cs typeface="Courier New"/>
+                <a:sym typeface="Courier New"/>
+              </a:rPr>
+              <a:t>: </a:t>
+            </a:r>
+            <a:r>
+              <a:rPr lang="es-419" sz="3000" b="1" i="0" u="none" strike="noStrike" cap="none" dirty="0">
+                <a:solidFill>
+                  <a:srgbClr val="FFFF00"/>
+                </a:solidFill>
+                <a:latin typeface="Courier New"/>
+                <a:ea typeface="Courier New"/>
+                <a:cs typeface="Courier New"/>
+                <a:sym typeface="Courier New"/>
+              </a:rPr>
+              <a:t>182</a:t>
+            </a:r>
+            <a:r>
+              <a:rPr lang="es-419" sz="3000" b="1" i="0" u="none" strike="noStrike" cap="none" dirty="0">
+                <a:solidFill>
+                  <a:srgbClr val="FF00FF"/>
+                </a:solidFill>
+                <a:latin typeface="Courier New"/>
+                <a:ea typeface="Courier New"/>
+                <a:cs typeface="Courier New"/>
+                <a:sym typeface="Courier New"/>
+              </a:rPr>
+              <a:t>, </a:t>
+            </a:r>
+            <a:r>
+              <a:rPr lang="es-419" sz="3000" b="1" dirty="0">
+                <a:solidFill>
+                  <a:srgbClr val="FF7F00"/>
+                </a:solidFill>
+                <a:latin typeface="Courier New"/>
+                <a:ea typeface="Courier New"/>
+                <a:cs typeface="Courier New"/>
+                <a:sym typeface="Courier New"/>
+              </a:rPr>
+              <a:t>'edad</a:t>
+            </a:r>
+            <a:r>
+              <a:rPr lang="es-419" sz="3000" b="1" i="0" u="none" strike="noStrike" cap="none" dirty="0">
+                <a:solidFill>
+                  <a:srgbClr val="FF7F00"/>
+                </a:solidFill>
+                <a:latin typeface="Courier New"/>
+                <a:ea typeface="Courier New"/>
+                <a:cs typeface="Courier New"/>
+                <a:sym typeface="Courier New"/>
+              </a:rPr>
+              <a:t>'</a:t>
+            </a:r>
+            <a:r>
+              <a:rPr lang="es-419" sz="3000" b="1" i="0" u="none" strike="noStrike" cap="none" dirty="0">
+                <a:solidFill>
+                  <a:srgbClr val="FF00FF"/>
+                </a:solidFill>
+                <a:latin typeface="Courier New"/>
+                <a:ea typeface="Courier New"/>
+                <a:cs typeface="Courier New"/>
+                <a:sym typeface="Courier New"/>
+              </a:rPr>
+              <a:t>: </a:t>
+            </a:r>
+            <a:r>
+              <a:rPr lang="es-419" sz="3000" b="1" i="0" u="none" strike="noStrike" cap="none" dirty="0">
+                <a:solidFill>
+                  <a:srgbClr val="FFFF00"/>
+                </a:solidFill>
+                <a:latin typeface="Courier New"/>
+                <a:ea typeface="Courier New"/>
+                <a:cs typeface="Courier New"/>
+                <a:sym typeface="Courier New"/>
+              </a:rPr>
+              <a:t>21</a:t>
+            </a:r>
+            <a:r>
+              <a:rPr lang="es-419" sz="3000" b="1" i="0" u="none" strike="noStrike" cap="none" dirty="0">
+                <a:solidFill>
+                  <a:srgbClr val="FF00FF"/>
+                </a:solidFill>
+                <a:latin typeface="Courier New"/>
+                <a:ea typeface="Courier New"/>
+                <a:cs typeface="Courier New"/>
+                <a:sym typeface="Courier New"/>
+              </a:rPr>
+              <a:t>}</a:t>
+            </a:r>
+          </a:p>
+          <a:p>
+            <a:pPr lvl="0">
+              <a:buClr>
+                <a:srgbClr val="FF00FF"/>
+              </a:buClr>
+              <a:buSzPct val="25000"/>
+            </a:pPr>
+            <a:r>
+              <a:rPr lang="es-419" sz="3000" b="1" i="0" u="none" strike="noStrike" cap="none" dirty="0">
+                <a:solidFill>
+                  <a:srgbClr val="FF00FF"/>
+                </a:solidFill>
+                <a:latin typeface="Courier New"/>
+                <a:ea typeface="Courier New"/>
+                <a:cs typeface="Courier New"/>
+                <a:sym typeface="Courier New"/>
+              </a:rPr>
               <a:t>&gt;&gt;&gt; </a:t>
             </a:r>
             <a:r>
-              <a:rPr lang="en-US" sz="3000" b="1" i="0" u="none" strike="noStrike" cap="none" dirty="0" smtClean="0">
+              <a:rPr lang="es-419" sz="3000" b="1" i="0" u="none" strike="noStrike" cap="none" dirty="0" err="1">
+                <a:solidFill>
+                  <a:srgbClr val="FF00FF"/>
+                </a:solidFill>
+                <a:latin typeface="Courier New"/>
+                <a:ea typeface="Courier New"/>
+                <a:cs typeface="Courier New"/>
+                <a:sym typeface="Courier New"/>
+              </a:rPr>
+              <a:t>ddd</a:t>
+            </a:r>
+            <a:r>
+              <a:rPr lang="es-419" sz="3000" b="1" i="0" u="none" strike="noStrike" cap="none" dirty="0">
+                <a:solidFill>
+                  <a:srgbClr val="FF00FF"/>
+                </a:solidFill>
+                <a:latin typeface="Courier New"/>
+                <a:ea typeface="Courier New"/>
+                <a:cs typeface="Courier New"/>
+                <a:sym typeface="Courier New"/>
+              </a:rPr>
+              <a:t>[</a:t>
+            </a:r>
+            <a:r>
+              <a:rPr lang="es-419" sz="3000" b="1" dirty="0">
+                <a:solidFill>
+                  <a:srgbClr val="FF7F00"/>
+                </a:solidFill>
+                <a:latin typeface="Courier New"/>
+                <a:ea typeface="Courier New"/>
+                <a:cs typeface="Courier New"/>
+                <a:sym typeface="Courier New"/>
+              </a:rPr>
+              <a:t>'edad'</a:t>
+            </a:r>
+            <a:r>
+              <a:rPr lang="es-419" sz="3000" b="1" i="0" u="none" strike="noStrike" cap="none" dirty="0">
+                <a:solidFill>
+                  <a:srgbClr val="FF00FF"/>
+                </a:solidFill>
+                <a:latin typeface="Courier New"/>
+                <a:ea typeface="Courier New"/>
+                <a:cs typeface="Courier New"/>
+                <a:sym typeface="Courier New"/>
+              </a:rPr>
+              <a:t>] = 23</a:t>
+            </a:r>
+          </a:p>
+          <a:p>
+            <a:pPr lvl="0">
+              <a:buClr>
+                <a:srgbClr val="FF00FF"/>
+              </a:buClr>
+              <a:buSzPct val="25000"/>
+            </a:pPr>
+            <a:r>
+              <a:rPr lang="es-419" sz="3000" b="1" i="0" u="none" strike="noStrike" cap="none" dirty="0">
+                <a:solidFill>
+                  <a:srgbClr val="FF00FF"/>
+                </a:solidFill>
+                <a:latin typeface="Courier New"/>
+                <a:ea typeface="Courier New"/>
+                <a:cs typeface="Courier New"/>
+                <a:sym typeface="Courier New"/>
+              </a:rPr>
+              <a:t>&gt;&gt;&gt; </a:t>
+            </a:r>
+            <a:r>
+              <a:rPr lang="es-419" sz="3000" b="1" i="0" u="none" strike="noStrike" cap="none" dirty="0" err="1">
                 <a:solidFill>
                   <a:srgbClr val="FFFF00"/>
                 </a:solidFill>
@@ -11837,10 +11775,22 @@
                 <a:cs typeface="Courier New"/>
                 <a:sym typeface="Courier New"/>
               </a:rPr>
-              <a:t>print(</a:t>
-            </a:r>
-            <a:r>
-              <a:rPr lang="en-US" sz="3000" b="1" i="0" u="none" strike="noStrike" cap="none" dirty="0" err="1" smtClean="0">
+              <a:t>print</a:t>
+            </a:r>
+            <a:r>
+              <a:rPr lang="es-419" sz="3000" b="1" i="0" u="none" strike="noStrike" cap="none" dirty="0">
+                <a:solidFill>
+                  <a:srgbClr val="FFFF00"/>
+                </a:solidFill>
+                <a:latin typeface="Courier New"/>
+                <a:ea typeface="Courier New"/>
+                <a:cs typeface="Courier New"/>
+                <a:sym typeface="Courier New"/>
+              </a:rPr>
+              <a:t>(</a:t>
+            </a:r>
+            <a:r>
+              <a:rPr lang="es-419" sz="3000" b="1" i="0" u="none" strike="noStrike" cap="none" dirty="0" err="1">
                 <a:solidFill>
                   <a:srgbClr val="FF00FF"/>
                 </a:solidFill>
@@ -11852,7 +11802,7 @@
               <a:t>ddd</a:t>
             </a:r>
             <a:r>
-              <a:rPr lang="en-US" sz="3000" b="1" dirty="0" smtClean="0">
+              <a:rPr lang="es-419" sz="3000" b="1" dirty="0">
                 <a:solidFill>
                   <a:srgbClr val="FFFF00"/>
                 </a:solidFill>
@@ -11863,7 +11813,7 @@
               </a:rPr>
               <a:t>)</a:t>
             </a:r>
-            <a:endParaRPr lang="en-US" sz="3000" b="1" i="0" u="none" strike="noStrike" cap="none" dirty="0">
+            <a:endParaRPr lang="es-419" sz="3000" b="1" i="0" u="none" strike="noStrike" cap="none" dirty="0">
               <a:solidFill>
                 <a:srgbClr val="FF00FF"/>
               </a:solidFill>
@@ -11874,25 +11824,14 @@
             </a:endParaRPr>
           </a:p>
           <a:p>
-            <a:pPr marL="0" marR="0" lvl="0" indent="0" algn="l" rtl="0">
-              <a:lnSpc>
-                <a:spcPct val="100000"/>
-              </a:lnSpc>
-              <a:spcBef>
-                <a:spcPts val="0"/>
-              </a:spcBef>
-              <a:spcAft>
-                <a:spcPts val="0"/>
-              </a:spcAft>
+            <a:pPr lvl="0">
               <a:buClr>
                 <a:srgbClr val="FF00FF"/>
               </a:buClr>
               <a:buSzPct val="25000"/>
-              <a:buFont typeface="Cabin"/>
-              <a:buNone/>
             </a:pPr>
             <a:r>
-              <a:rPr lang="en-US" sz="3000" b="1" i="0" u="none" strike="noStrike" cap="none" dirty="0">
+              <a:rPr lang="es-419" sz="3000" b="1" i="0" u="none" strike="noStrike" cap="none" dirty="0">
                 <a:solidFill>
                   <a:srgbClr val="FF00FF"/>
                 </a:solidFill>
@@ -11904,7 +11843,7 @@
               <a:t>{</a:t>
             </a:r>
             <a:r>
-              <a:rPr lang="en-US" sz="3000" b="1" i="0" u="none" strike="noStrike" cap="none" dirty="0">
+              <a:rPr lang="es-419" sz="3000" b="1" dirty="0">
                 <a:solidFill>
                   <a:srgbClr val="FF7F00"/>
                 </a:solidFill>
@@ -11913,10 +11852,10 @@
                 <a:cs typeface="Courier New"/>
                 <a:sym typeface="Courier New"/>
               </a:rPr>
-              <a:t>'course'</a:t>
-            </a:r>
-            <a:r>
-              <a:rPr lang="en-US" sz="3000" b="1" i="0" u="none" strike="noStrike" cap="none" dirty="0">
+              <a:t>'curso'</a:t>
+            </a:r>
+            <a:r>
+              <a:rPr lang="es-419" sz="3000" b="1" i="0" u="none" strike="noStrike" cap="none" dirty="0">
                 <a:solidFill>
                   <a:srgbClr val="FF00FF"/>
                 </a:solidFill>
@@ -11928,7 +11867,7 @@
               <a:t>: </a:t>
             </a:r>
             <a:r>
-              <a:rPr lang="en-US" sz="3000" b="1" i="0" u="none" strike="noStrike" cap="none" dirty="0">
+              <a:rPr lang="es-419" sz="3000" b="1" i="0" u="none" strike="noStrike" cap="none" dirty="0">
                 <a:solidFill>
                   <a:srgbClr val="FFFF00"/>
                 </a:solidFill>
@@ -11940,7 +11879,7 @@
               <a:t>182</a:t>
             </a:r>
             <a:r>
-              <a:rPr lang="en-US" sz="3000" b="1" i="0" u="none" strike="noStrike" cap="none" dirty="0">
+              <a:rPr lang="es-419" sz="3000" b="1" i="0" u="none" strike="noStrike" cap="none" dirty="0">
                 <a:solidFill>
                   <a:srgbClr val="FF00FF"/>
                 </a:solidFill>
@@ -11952,7 +11891,7 @@
               <a:t>, </a:t>
             </a:r>
             <a:r>
-              <a:rPr lang="en-US" sz="3000" b="1" i="0" u="none" strike="noStrike" cap="none" dirty="0">
+              <a:rPr lang="es-419" sz="3000" b="1" dirty="0">
                 <a:solidFill>
                   <a:srgbClr val="FF7F00"/>
                 </a:solidFill>
@@ -11961,10 +11900,10 @@
                 <a:cs typeface="Courier New"/>
                 <a:sym typeface="Courier New"/>
               </a:rPr>
-              <a:t>'age'</a:t>
-            </a:r>
-            <a:r>
-              <a:rPr lang="en-US" sz="3000" b="1" i="0" u="none" strike="noStrike" cap="none" dirty="0">
+              <a:t>'edad'</a:t>
+            </a:r>
+            <a:r>
+              <a:rPr lang="es-419" sz="3000" b="1" i="0" u="none" strike="noStrike" cap="none" dirty="0">
                 <a:solidFill>
                   <a:srgbClr val="FF00FF"/>
                 </a:solidFill>
@@ -11976,7 +11915,7 @@
               <a:t>: </a:t>
             </a:r>
             <a:r>
-              <a:rPr lang="en-US" sz="3000" b="1" i="0" u="none" strike="noStrike" cap="none" dirty="0">
+              <a:rPr lang="es-419" sz="3000" b="1" i="0" u="none" strike="noStrike" cap="none" dirty="0">
                 <a:solidFill>
                   <a:srgbClr val="FFFF00"/>
                 </a:solidFill>
@@ -11988,7 +11927,7 @@
               <a:t>23</a:t>
             </a:r>
             <a:r>
-              <a:rPr lang="en-US" sz="3000" b="1" i="0" u="none" strike="noStrike" cap="none" dirty="0">
+              <a:rPr lang="es-419" sz="3000" b="1" i="0" u="none" strike="noStrike" cap="none" dirty="0">
                 <a:solidFill>
                   <a:srgbClr val="FF00FF"/>
                 </a:solidFill>
@@ -12007,13 +11946,6 @@
   <p:clrMapOvr>
     <a:masterClrMapping/>
   </p:clrMapOvr>
-  <p:timing>
-    <p:tnLst>
-      <p:par>
-        <p:cTn xmlns:p14="http://schemas.microsoft.com/office/powerpoint/2010/main" id="1" dur="indefinite" restart="never" nodeType="tmRoot"/>
-      </p:par>
-    </p:tnLst>
-  </p:timing>
 </p:sld>
 </file>
 
@@ -12077,7 +12009,7 @@
               <a:buNone/>
             </a:pPr>
             <a:r>
-              <a:rPr lang="en-US" sz="2800" b="1" i="0" u="none" strike="noStrike" cap="none" dirty="0">
+              <a:rPr lang="es-419" sz="2800" b="1" i="0" u="none" strike="noStrike" cap="none">
                 <a:solidFill>
                   <a:srgbClr val="00FF00"/>
                 </a:solidFill>
@@ -12086,34 +12018,10 @@
                 <a:cs typeface="Courier New"/>
                 <a:sym typeface="Courier New"/>
               </a:rPr>
-              <a:t>&gt;&gt;&gt; </a:t>
-            </a:r>
-            <a:r>
-              <a:rPr lang="en-US" sz="2800" b="1" i="0" u="none" strike="noStrike" cap="none" dirty="0" err="1">
-                <a:solidFill>
-                  <a:srgbClr val="00FF00"/>
-                </a:solidFill>
-                <a:latin typeface="Courier New"/>
-                <a:ea typeface="Courier New"/>
-                <a:cs typeface="Courier New"/>
-                <a:sym typeface="Courier New"/>
-              </a:rPr>
-              <a:t>lst</a:t>
-            </a:r>
-            <a:r>
-              <a:rPr lang="en-US" sz="2800" b="1" i="0" u="none" strike="noStrike" cap="none" dirty="0">
-                <a:solidFill>
-                  <a:srgbClr val="00FF00"/>
-                </a:solidFill>
-                <a:latin typeface="Courier New"/>
-                <a:ea typeface="Courier New"/>
-                <a:cs typeface="Courier New"/>
-                <a:sym typeface="Courier New"/>
-              </a:rPr>
-              <a:t> =</a:t>
-            </a:r>
-            <a:r>
-              <a:rPr lang="en-US" sz="2800" b="1" i="0" u="none" strike="noStrike" cap="none" dirty="0">
+              <a:t>&gt;&gt;&gt; lst =</a:t>
+            </a:r>
+            <a:r>
+              <a:rPr lang="es-419" sz="2800" b="1" i="0" u="none" strike="noStrike" cap="none">
                 <a:solidFill>
                   <a:srgbClr val="0000FF"/>
                 </a:solidFill>
@@ -12125,7 +12033,7 @@
               <a:t> </a:t>
             </a:r>
             <a:r>
-              <a:rPr lang="en-US" sz="2800" b="1" i="0" u="none" strike="noStrike" cap="none" dirty="0">
+              <a:rPr lang="es-419" sz="2800" b="1" i="0" u="none" strike="noStrike" cap="none">
                 <a:solidFill>
                   <a:srgbClr val="00FFFF"/>
                 </a:solidFill>
@@ -12156,7 +12064,7 @@
               <a:buNone/>
             </a:pPr>
             <a:r>
-              <a:rPr lang="en-US" sz="2800" b="1" i="0" u="none" strike="noStrike" cap="none" dirty="0">
+              <a:rPr lang="es-419" sz="2800" b="1" i="0" u="none" strike="noStrike" cap="none">
                 <a:solidFill>
                   <a:srgbClr val="00FF00"/>
                 </a:solidFill>
@@ -12165,34 +12073,10 @@
                 <a:cs typeface="Courier New"/>
                 <a:sym typeface="Courier New"/>
               </a:rPr>
-              <a:t>&gt;&gt;&gt; </a:t>
-            </a:r>
-            <a:r>
-              <a:rPr lang="en-US" sz="2800" b="1" i="0" u="none" strike="noStrike" cap="none" dirty="0" err="1">
-                <a:solidFill>
-                  <a:srgbClr val="00FF00"/>
-                </a:solidFill>
-                <a:latin typeface="Courier New"/>
-                <a:ea typeface="Courier New"/>
-                <a:cs typeface="Courier New"/>
-                <a:sym typeface="Courier New"/>
-              </a:rPr>
-              <a:t>lst.append</a:t>
-            </a:r>
-            <a:r>
-              <a:rPr lang="en-US" sz="2800" b="1" i="0" u="none" strike="noStrike" cap="none" dirty="0">
-                <a:solidFill>
-                  <a:srgbClr val="00FF00"/>
-                </a:solidFill>
-                <a:latin typeface="Courier New"/>
-                <a:ea typeface="Courier New"/>
-                <a:cs typeface="Courier New"/>
-                <a:sym typeface="Courier New"/>
-              </a:rPr>
-              <a:t>(</a:t>
-            </a:r>
-            <a:r>
-              <a:rPr lang="en-US" sz="2800" b="1" i="0" u="none" strike="noStrike" cap="none" dirty="0">
+              <a:t>&gt;&gt;&gt; lst.append(</a:t>
+            </a:r>
+            <a:r>
+              <a:rPr lang="es-419" sz="2800" b="1" i="0" u="none" strike="noStrike" cap="none">
                 <a:solidFill>
                   <a:srgbClr val="FFFF00"/>
                 </a:solidFill>
@@ -12204,7 +12088,7 @@
               <a:t>21</a:t>
             </a:r>
             <a:r>
-              <a:rPr lang="en-US" sz="2800" b="1" i="0" u="none" strike="noStrike" cap="none" dirty="0">
+              <a:rPr lang="es-419" sz="2800" b="1" i="0" u="none" strike="noStrike" cap="none">
                 <a:solidFill>
                   <a:srgbClr val="00FF00"/>
                 </a:solidFill>
@@ -12235,7 +12119,7 @@
               <a:buNone/>
             </a:pPr>
             <a:r>
-              <a:rPr lang="en-US" sz="2800" b="1" i="0" u="none" strike="noStrike" cap="none" dirty="0">
+              <a:rPr lang="es-419" sz="2800" b="1" i="0" u="none" strike="noStrike" cap="none">
                 <a:solidFill>
                   <a:srgbClr val="00FF00"/>
                 </a:solidFill>
@@ -12244,34 +12128,10 @@
                 <a:cs typeface="Courier New"/>
                 <a:sym typeface="Courier New"/>
               </a:rPr>
-              <a:t>&gt;&gt;&gt; </a:t>
-            </a:r>
-            <a:r>
-              <a:rPr lang="en-US" sz="2800" b="1" i="0" u="none" strike="noStrike" cap="none" dirty="0" err="1">
-                <a:solidFill>
-                  <a:srgbClr val="00FF00"/>
-                </a:solidFill>
-                <a:latin typeface="Courier New"/>
-                <a:ea typeface="Courier New"/>
-                <a:cs typeface="Courier New"/>
-                <a:sym typeface="Courier New"/>
-              </a:rPr>
-              <a:t>lst.append</a:t>
-            </a:r>
-            <a:r>
-              <a:rPr lang="en-US" sz="2800" b="1" i="0" u="none" strike="noStrike" cap="none" dirty="0">
-                <a:solidFill>
-                  <a:srgbClr val="00FF00"/>
-                </a:solidFill>
-                <a:latin typeface="Courier New"/>
-                <a:ea typeface="Courier New"/>
-                <a:cs typeface="Courier New"/>
-                <a:sym typeface="Courier New"/>
-              </a:rPr>
-              <a:t>(</a:t>
-            </a:r>
-            <a:r>
-              <a:rPr lang="en-US" sz="2800" b="1" i="0" u="none" strike="noStrike" cap="none" dirty="0">
+              <a:t>&gt;&gt;&gt; lst.append(</a:t>
+            </a:r>
+            <a:r>
+              <a:rPr lang="es-419" sz="2800" b="1" i="0" u="none" strike="noStrike" cap="none">
                 <a:solidFill>
                   <a:srgbClr val="FFFF00"/>
                 </a:solidFill>
@@ -12283,7 +12143,7 @@
               <a:t>183</a:t>
             </a:r>
             <a:r>
-              <a:rPr lang="en-US" sz="2800" b="1" i="0" u="none" strike="noStrike" cap="none" dirty="0">
+              <a:rPr lang="es-419" sz="2800" b="1" i="0" u="none" strike="noStrike" cap="none">
                 <a:solidFill>
                   <a:srgbClr val="00FF00"/>
                 </a:solidFill>
@@ -12303,7 +12163,7 @@
               <a:buSzPct val="25000"/>
             </a:pPr>
             <a:r>
-              <a:rPr lang="en-US" sz="2800" b="1" i="0" u="none" strike="noStrike" cap="none" dirty="0">
+              <a:rPr lang="es-419" sz="2800" b="1" i="0" u="none" strike="noStrike" cap="none">
                 <a:solidFill>
                   <a:srgbClr val="00FF00"/>
                 </a:solidFill>
@@ -12315,7 +12175,7 @@
               <a:t>&gt;&gt;&gt; </a:t>
             </a:r>
             <a:r>
-              <a:rPr lang="en-US" sz="2800" b="1" i="0" u="none" strike="noStrike" cap="none" dirty="0" smtClean="0">
+              <a:rPr lang="es-419" sz="2800" b="1" i="0" u="none" strike="noStrike" cap="none">
                 <a:solidFill>
                   <a:srgbClr val="FFFF00"/>
                 </a:solidFill>
@@ -12327,7 +12187,7 @@
               <a:t>print(</a:t>
             </a:r>
             <a:r>
-              <a:rPr lang="en-US" sz="2800" b="1" i="0" u="none" strike="noStrike" cap="none" dirty="0" err="1" smtClean="0">
+              <a:rPr lang="es-419" sz="2800" b="1" i="0" u="none" strike="noStrike" cap="none">
                 <a:solidFill>
                   <a:srgbClr val="00FF00"/>
                 </a:solidFill>
@@ -12339,7 +12199,7 @@
               <a:t>lst</a:t>
             </a:r>
             <a:r>
-              <a:rPr lang="en-US" sz="2800" b="1" dirty="0" smtClean="0">
+              <a:rPr lang="es-419" sz="2800" b="1">
                 <a:solidFill>
                   <a:srgbClr val="FFFF00"/>
                 </a:solidFill>
@@ -12350,7 +12210,7 @@
               </a:rPr>
               <a:t>)</a:t>
             </a:r>
-            <a:endParaRPr lang="en-US" sz="2800" b="1" i="0" u="none" strike="noStrike" cap="none" dirty="0">
+            <a:endParaRPr lang="es-419" sz="2800" b="1" i="0" u="none" strike="noStrike" cap="none">
               <a:solidFill>
                 <a:srgbClr val="00FF00"/>
               </a:solidFill>
@@ -12379,7 +12239,7 @@
               <a:buNone/>
             </a:pPr>
             <a:r>
-              <a:rPr lang="en-US" sz="2800" b="1" i="0" u="none" strike="noStrike" cap="none" dirty="0">
+              <a:rPr lang="es-419" sz="2800" b="1" i="0" u="none" strike="noStrike" cap="none">
                 <a:solidFill>
                   <a:srgbClr val="00FF00"/>
                 </a:solidFill>
@@ -12391,7 +12251,7 @@
               <a:t>[</a:t>
             </a:r>
             <a:r>
-              <a:rPr lang="en-US" sz="2800" b="1" i="0" u="none" strike="noStrike" cap="none" dirty="0">
+              <a:rPr lang="es-419" sz="2800" b="1" i="0" u="none" strike="noStrike" cap="none">
                 <a:solidFill>
                   <a:srgbClr val="FFFF00"/>
                 </a:solidFill>
@@ -12403,7 +12263,7 @@
               <a:t>21, 183</a:t>
             </a:r>
             <a:r>
-              <a:rPr lang="en-US" sz="2800" b="1" i="0" u="none" strike="noStrike" cap="none" dirty="0">
+              <a:rPr lang="es-419" sz="2800" b="1" i="0" u="none" strike="noStrike" cap="none">
                 <a:solidFill>
                   <a:srgbClr val="00FF00"/>
                 </a:solidFill>
@@ -12434,7 +12294,7 @@
               <a:buNone/>
             </a:pPr>
             <a:r>
-              <a:rPr lang="en-US" sz="2800" b="1" i="0" u="none" strike="noStrike" cap="none" dirty="0">
+              <a:rPr lang="es-419" sz="2800" b="1" i="0" u="none" strike="noStrike" cap="none">
                 <a:solidFill>
                   <a:srgbClr val="00FF00"/>
                 </a:solidFill>
@@ -12443,10 +12303,22 @@
                 <a:cs typeface="Courier New"/>
                 <a:sym typeface="Courier New"/>
               </a:rPr>
-              <a:t>&gt;&gt;&gt; </a:t>
-            </a:r>
-            <a:r>
-              <a:rPr lang="en-US" sz="2800" b="1" i="0" u="none" strike="noStrike" cap="none" dirty="0" err="1">
+              <a:t>&gt;&gt;&gt; lst</a:t>
+            </a:r>
+            <a:r>
+              <a:rPr lang="es-419" sz="2800" b="1" i="0" u="none" strike="noStrike" cap="none">
+                <a:solidFill>
+                  <a:srgbClr val="FF7F00"/>
+                </a:solidFill>
+                <a:latin typeface="Courier New"/>
+                <a:ea typeface="Courier New"/>
+                <a:cs typeface="Courier New"/>
+                <a:sym typeface="Courier New"/>
+              </a:rPr>
+              <a:t>[0]</a:t>
+            </a:r>
+            <a:r>
+              <a:rPr lang="es-419" sz="2800" b="1" i="0" u="none" strike="noStrike" cap="none">
                 <a:solidFill>
                   <a:srgbClr val="00FF00"/>
                 </a:solidFill>
@@ -12455,34 +12327,10 @@
                 <a:cs typeface="Courier New"/>
                 <a:sym typeface="Courier New"/>
               </a:rPr>
-              <a:t>lst</a:t>
-            </a:r>
-            <a:r>
-              <a:rPr lang="en-US" sz="2800" b="1" i="0" u="none" strike="noStrike" cap="none" dirty="0">
-                <a:solidFill>
-                  <a:srgbClr val="FF7F00"/>
-                </a:solidFill>
-                <a:latin typeface="Courier New"/>
-                <a:ea typeface="Courier New"/>
-                <a:cs typeface="Courier New"/>
-                <a:sym typeface="Courier New"/>
-              </a:rPr>
-              <a:t>[0]</a:t>
-            </a:r>
-            <a:r>
-              <a:rPr lang="en-US" sz="2800" b="1" i="0" u="none" strike="noStrike" cap="none" dirty="0">
-                <a:solidFill>
-                  <a:srgbClr val="00FF00"/>
-                </a:solidFill>
-                <a:latin typeface="Courier New"/>
-                <a:ea typeface="Courier New"/>
-                <a:cs typeface="Courier New"/>
-                <a:sym typeface="Courier New"/>
-              </a:rPr>
               <a:t> = </a:t>
             </a:r>
             <a:r>
-              <a:rPr lang="en-US" sz="2800" b="1" i="0" u="none" strike="noStrike" cap="none" dirty="0">
+              <a:rPr lang="es-419" sz="2800" b="1" i="0" u="none" strike="noStrike" cap="none">
                 <a:solidFill>
                   <a:srgbClr val="FFFF00"/>
                 </a:solidFill>
@@ -12502,7 +12350,7 @@
               <a:buSzPct val="25000"/>
             </a:pPr>
             <a:r>
-              <a:rPr lang="en-US" sz="2800" b="1" i="0" u="none" strike="noStrike" cap="none" dirty="0">
+              <a:rPr lang="es-419" sz="2800" b="1" i="0" u="none" strike="noStrike" cap="none">
                 <a:solidFill>
                   <a:srgbClr val="00FF00"/>
                 </a:solidFill>
@@ -12514,7 +12362,7 @@
               <a:t>&gt;&gt;&gt; </a:t>
             </a:r>
             <a:r>
-              <a:rPr lang="en-US" sz="2800" b="1" i="0" u="none" strike="noStrike" cap="none" dirty="0" smtClean="0">
+              <a:rPr lang="es-419" sz="2800" b="1" i="0" u="none" strike="noStrike" cap="none">
                 <a:solidFill>
                   <a:srgbClr val="FFFF00"/>
                 </a:solidFill>
@@ -12526,7 +12374,7 @@
               <a:t>print(</a:t>
             </a:r>
             <a:r>
-              <a:rPr lang="en-US" sz="2800" b="1" i="0" u="none" strike="noStrike" cap="none" dirty="0" err="1" smtClean="0">
+              <a:rPr lang="es-419" sz="2800" b="1" i="0" u="none" strike="noStrike" cap="none">
                 <a:solidFill>
                   <a:srgbClr val="00FF00"/>
                 </a:solidFill>
@@ -12538,7 +12386,7 @@
               <a:t>lst</a:t>
             </a:r>
             <a:r>
-              <a:rPr lang="en-US" sz="2800" b="1" dirty="0" smtClean="0">
+              <a:rPr lang="es-419" sz="2800" b="1">
                 <a:solidFill>
                   <a:srgbClr val="FFFF00"/>
                 </a:solidFill>
@@ -12549,7 +12397,7 @@
               </a:rPr>
               <a:t>)</a:t>
             </a:r>
-            <a:endParaRPr lang="en-US" sz="2800" b="1" i="0" u="none" strike="noStrike" cap="none" dirty="0">
+            <a:endParaRPr lang="es-419" sz="2800" b="1" i="0" u="none" strike="noStrike" cap="none">
               <a:solidFill>
                 <a:srgbClr val="00FF00"/>
               </a:solidFill>
@@ -12578,7 +12426,7 @@
               <a:buNone/>
             </a:pPr>
             <a:r>
-              <a:rPr lang="en-US" sz="2800" b="1" i="0" u="none" strike="noStrike" cap="none" dirty="0">
+              <a:rPr lang="es-419" sz="2800" b="1" i="0" u="none" strike="noStrike" cap="none">
                 <a:solidFill>
                   <a:srgbClr val="00FF00"/>
                 </a:solidFill>
@@ -12590,7 +12438,7 @@
               <a:t>[</a:t>
             </a:r>
             <a:r>
-              <a:rPr lang="en-US" sz="2800" b="1" i="0" u="none" strike="noStrike" cap="none" dirty="0">
+              <a:rPr lang="es-419" sz="2800" b="1" i="0" u="none" strike="noStrike" cap="none">
                 <a:solidFill>
                   <a:srgbClr val="FFFF00"/>
                 </a:solidFill>
@@ -12602,7 +12450,7 @@
               <a:t>23, 183</a:t>
             </a:r>
             <a:r>
-              <a:rPr lang="en-US" sz="2800" b="1" i="0" u="none" strike="noStrike" cap="none" dirty="0">
+              <a:rPr lang="es-419" sz="2800" b="1" i="0" u="none" strike="noStrike" cap="none">
                 <a:solidFill>
                   <a:srgbClr val="00FF00"/>
                 </a:solidFill>
@@ -12659,7 +12507,7 @@
               <a:buNone/>
             </a:pPr>
             <a:r>
-              <a:rPr lang="en-US" sz="2800" b="1" i="0" u="none" strike="noStrike" cap="none" dirty="0">
+              <a:rPr lang="es-419" sz="2800" b="1" i="0" u="none" strike="noStrike" cap="none" dirty="0">
                 <a:solidFill>
                   <a:srgbClr val="FF00FF"/>
                 </a:solidFill>
@@ -12671,7 +12519,7 @@
               <a:t>&gt;&gt;&gt; </a:t>
             </a:r>
             <a:r>
-              <a:rPr lang="en-US" sz="2800" b="1" i="0" u="none" strike="noStrike" cap="none" dirty="0" err="1">
+              <a:rPr lang="es-419" sz="2800" b="1" i="0" u="none" strike="noStrike" cap="none" dirty="0" err="1">
                 <a:solidFill>
                   <a:srgbClr val="FF00FF"/>
                 </a:solidFill>
@@ -12683,7 +12531,7 @@
               <a:t>ddd</a:t>
             </a:r>
             <a:r>
-              <a:rPr lang="en-US" sz="2800" b="1" i="0" u="none" strike="noStrike" cap="none" dirty="0">
+              <a:rPr lang="es-419" sz="2800" b="1" i="0" u="none" strike="noStrike" cap="none" dirty="0">
                 <a:solidFill>
                   <a:srgbClr val="FF00FF"/>
                 </a:solidFill>
@@ -12695,7 +12543,7 @@
               <a:t> = </a:t>
             </a:r>
             <a:r>
-              <a:rPr lang="en-US" sz="2800" b="1" i="0" u="none" strike="noStrike" cap="none" dirty="0" err="1">
+              <a:rPr lang="es-419" sz="2800" b="1" i="0" u="none" strike="noStrike" cap="none" dirty="0" err="1">
                 <a:solidFill>
                   <a:srgbClr val="00FFFF"/>
                 </a:solidFill>
@@ -12707,7 +12555,7 @@
               <a:t>dict</a:t>
             </a:r>
             <a:r>
-              <a:rPr lang="en-US" sz="2800" b="1" i="0" u="none" strike="noStrike" cap="none" dirty="0">
+              <a:rPr lang="es-419" sz="2800" b="1" i="0" u="none" strike="noStrike" cap="none" dirty="0">
                 <a:solidFill>
                   <a:srgbClr val="00FFFF"/>
                 </a:solidFill>
@@ -12717,188 +12565,6 @@
                 <a:sym typeface="Courier New"/>
               </a:rPr>
               <a:t>()</a:t>
-            </a:r>
-          </a:p>
-          <a:p>
-            <a:pPr marL="0" marR="0" lvl="0" indent="0" algn="l" rtl="0">
-              <a:lnSpc>
-                <a:spcPct val="100000"/>
-              </a:lnSpc>
-              <a:spcBef>
-                <a:spcPts val="0"/>
-              </a:spcBef>
-              <a:spcAft>
-                <a:spcPts val="0"/>
-              </a:spcAft>
-              <a:buClr>
-                <a:srgbClr val="FF00FF"/>
-              </a:buClr>
-              <a:buSzPct val="25000"/>
-              <a:buFont typeface="Cabin"/>
-              <a:buNone/>
-            </a:pPr>
-            <a:r>
-              <a:rPr lang="en-US" sz="2800" b="1" i="0" u="none" strike="noStrike" cap="none" dirty="0">
-                <a:solidFill>
-                  <a:srgbClr val="FF00FF"/>
-                </a:solidFill>
-                <a:latin typeface="Courier New"/>
-                <a:ea typeface="Courier New"/>
-                <a:cs typeface="Courier New"/>
-                <a:sym typeface="Courier New"/>
-              </a:rPr>
-              <a:t>&gt;&gt;&gt; </a:t>
-            </a:r>
-            <a:r>
-              <a:rPr lang="en-US" sz="2800" b="1" i="0" u="none" strike="noStrike" cap="none" dirty="0" err="1">
-                <a:solidFill>
-                  <a:srgbClr val="FF00FF"/>
-                </a:solidFill>
-                <a:latin typeface="Courier New"/>
-                <a:ea typeface="Courier New"/>
-                <a:cs typeface="Courier New"/>
-                <a:sym typeface="Courier New"/>
-              </a:rPr>
-              <a:t>ddd</a:t>
-            </a:r>
-            <a:r>
-              <a:rPr lang="en-US" sz="2800" b="1" i="0" u="none" strike="noStrike" cap="none" dirty="0">
-                <a:solidFill>
-                  <a:srgbClr val="FF00FF"/>
-                </a:solidFill>
-                <a:latin typeface="Courier New"/>
-                <a:ea typeface="Courier New"/>
-                <a:cs typeface="Courier New"/>
-                <a:sym typeface="Courier New"/>
-              </a:rPr>
-              <a:t>[</a:t>
-            </a:r>
-            <a:r>
-              <a:rPr lang="en-US" sz="2800" b="1" i="0" u="none" strike="noStrike" cap="none" dirty="0">
-                <a:solidFill>
-                  <a:srgbClr val="FF7F00"/>
-                </a:solidFill>
-                <a:latin typeface="Courier New"/>
-                <a:ea typeface="Courier New"/>
-                <a:cs typeface="Courier New"/>
-                <a:sym typeface="Courier New"/>
-              </a:rPr>
-              <a:t>'age'</a:t>
-            </a:r>
-            <a:r>
-              <a:rPr lang="en-US" sz="2800" b="1" i="0" u="none" strike="noStrike" cap="none" dirty="0">
-                <a:solidFill>
-                  <a:srgbClr val="FF00FF"/>
-                </a:solidFill>
-                <a:latin typeface="Courier New"/>
-                <a:ea typeface="Courier New"/>
-                <a:cs typeface="Courier New"/>
-                <a:sym typeface="Courier New"/>
-              </a:rPr>
-              <a:t>] = </a:t>
-            </a:r>
-            <a:r>
-              <a:rPr lang="en-US" sz="2800" b="1" i="0" u="none" strike="noStrike" cap="none" dirty="0">
-                <a:solidFill>
-                  <a:srgbClr val="FFFF00"/>
-                </a:solidFill>
-                <a:latin typeface="Courier New"/>
-                <a:ea typeface="Courier New"/>
-                <a:cs typeface="Courier New"/>
-                <a:sym typeface="Courier New"/>
-              </a:rPr>
-              <a:t>21</a:t>
-            </a:r>
-          </a:p>
-          <a:p>
-            <a:pPr marL="0" marR="0" lvl="0" indent="0" algn="l" rtl="0">
-              <a:lnSpc>
-                <a:spcPct val="100000"/>
-              </a:lnSpc>
-              <a:spcBef>
-                <a:spcPts val="0"/>
-              </a:spcBef>
-              <a:spcAft>
-                <a:spcPts val="0"/>
-              </a:spcAft>
-              <a:buClr>
-                <a:srgbClr val="FF00FF"/>
-              </a:buClr>
-              <a:buSzPct val="25000"/>
-              <a:buFont typeface="Cabin"/>
-              <a:buNone/>
-            </a:pPr>
-            <a:r>
-              <a:rPr lang="en-US" sz="2800" b="1" i="0" u="none" strike="noStrike" cap="none" dirty="0">
-                <a:solidFill>
-                  <a:srgbClr val="FF00FF"/>
-                </a:solidFill>
-                <a:latin typeface="Courier New"/>
-                <a:ea typeface="Courier New"/>
-                <a:cs typeface="Courier New"/>
-                <a:sym typeface="Courier New"/>
-              </a:rPr>
-              <a:t>&gt;&gt;&gt; </a:t>
-            </a:r>
-            <a:r>
-              <a:rPr lang="en-US" sz="2800" b="1" i="0" u="none" strike="noStrike" cap="none" dirty="0" err="1">
-                <a:solidFill>
-                  <a:srgbClr val="FF00FF"/>
-                </a:solidFill>
-                <a:latin typeface="Courier New"/>
-                <a:ea typeface="Courier New"/>
-                <a:cs typeface="Courier New"/>
-                <a:sym typeface="Courier New"/>
-              </a:rPr>
-              <a:t>ddd</a:t>
-            </a:r>
-            <a:r>
-              <a:rPr lang="en-US" sz="2800" b="1" i="0" u="none" strike="noStrike" cap="none" dirty="0">
-                <a:solidFill>
-                  <a:srgbClr val="FF00FF"/>
-                </a:solidFill>
-                <a:latin typeface="Courier New"/>
-                <a:ea typeface="Courier New"/>
-                <a:cs typeface="Courier New"/>
-                <a:sym typeface="Courier New"/>
-              </a:rPr>
-              <a:t>[</a:t>
-            </a:r>
-            <a:r>
-              <a:rPr lang="en-US" sz="2800" b="1" i="0" u="none" strike="noStrike" cap="none" dirty="0">
-                <a:solidFill>
-                  <a:srgbClr val="FF7F00"/>
-                </a:solidFill>
-                <a:latin typeface="Courier New"/>
-                <a:ea typeface="Courier New"/>
-                <a:cs typeface="Courier New"/>
-                <a:sym typeface="Courier New"/>
-              </a:rPr>
-              <a:t>'course'</a:t>
-            </a:r>
-            <a:r>
-              <a:rPr lang="en-US" sz="2800" b="1" i="0" u="none" strike="noStrike" cap="none" dirty="0">
-                <a:solidFill>
-                  <a:srgbClr val="FF00FF"/>
-                </a:solidFill>
-                <a:latin typeface="Courier New"/>
-                <a:ea typeface="Courier New"/>
-                <a:cs typeface="Courier New"/>
-                <a:sym typeface="Courier New"/>
-              </a:rPr>
-              <a:t>] = </a:t>
-            </a:r>
-            <a:r>
-              <a:rPr lang="en-US" sz="2800" b="1" i="0" u="none" strike="noStrike" cap="none" dirty="0">
-                <a:solidFill>
-                  <a:srgbClr val="FFFF00"/>
-                </a:solidFill>
-                <a:latin typeface="Courier New"/>
-                <a:ea typeface="Courier New"/>
-                <a:cs typeface="Courier New"/>
-                <a:sym typeface="Courier New"/>
-              </a:rPr>
-              <a:t>182</a:t>
             </a:r>
           </a:p>
           <a:p>
@@ -12909,7 +12575,7 @@
               <a:buSzPct val="25000"/>
             </a:pPr>
             <a:r>
-              <a:rPr lang="en-US" sz="2800" b="1" i="0" u="none" strike="noStrike" cap="none" dirty="0">
+              <a:rPr lang="es-419" sz="2800" b="1" i="0" u="none" strike="noStrike" cap="none" dirty="0">
                 <a:solidFill>
                   <a:srgbClr val="FF00FF"/>
                 </a:solidFill>
@@ -12921,7 +12587,55 @@
               <a:t>&gt;&gt;&gt; </a:t>
             </a:r>
             <a:r>
-              <a:rPr lang="en-US" sz="2800" b="1" i="0" u="none" strike="noStrike" cap="none" dirty="0" smtClean="0">
+              <a:rPr lang="es-419" sz="2800" b="1" i="0" u="none" strike="noStrike" cap="none" dirty="0" err="1">
+                <a:solidFill>
+                  <a:srgbClr val="FF00FF"/>
+                </a:solidFill>
+                <a:latin typeface="Courier New"/>
+                <a:ea typeface="Courier New"/>
+                <a:cs typeface="Courier New"/>
+                <a:sym typeface="Courier New"/>
+              </a:rPr>
+              <a:t>ddd</a:t>
+            </a:r>
+            <a:r>
+              <a:rPr lang="es-419" sz="2800" b="1" i="0" u="none" strike="noStrike" cap="none" dirty="0">
+                <a:solidFill>
+                  <a:srgbClr val="FF00FF"/>
+                </a:solidFill>
+                <a:latin typeface="Courier New"/>
+                <a:ea typeface="Courier New"/>
+                <a:cs typeface="Courier New"/>
+                <a:sym typeface="Courier New"/>
+              </a:rPr>
+              <a:t>[</a:t>
+            </a:r>
+            <a:r>
+              <a:rPr lang="es-419" sz="2800" b="1" dirty="0">
+                <a:solidFill>
+                  <a:srgbClr val="FF7F00"/>
+                </a:solidFill>
+                <a:latin typeface="Courier New"/>
+                <a:ea typeface="Courier New"/>
+                <a:cs typeface="Courier New"/>
+                <a:sym typeface="Courier New"/>
+              </a:rPr>
+              <a:t>'edad'</a:t>
+            </a:r>
+            <a:r>
+              <a:rPr lang="es-419" sz="2800" b="1" i="0" u="none" strike="noStrike" cap="none" dirty="0">
+                <a:solidFill>
+                  <a:srgbClr val="FF00FF"/>
+                </a:solidFill>
+                <a:latin typeface="Courier New"/>
+                <a:ea typeface="Courier New"/>
+                <a:cs typeface="Courier New"/>
+                <a:sym typeface="Courier New"/>
+              </a:rPr>
+              <a:t>] = </a:t>
+            </a:r>
+            <a:r>
+              <a:rPr lang="es-419" sz="2800" b="1" i="0" u="none" strike="noStrike" cap="none" dirty="0">
                 <a:solidFill>
                   <a:srgbClr val="FFFF00"/>
                 </a:solidFill>
@@ -12930,10 +12644,18 @@
                 <a:cs typeface="Courier New"/>
                 <a:sym typeface="Courier New"/>
               </a:rPr>
-              <a:t>print(</a:t>
-            </a:r>
-            <a:r>
-              <a:rPr lang="en-US" sz="2800" b="1" i="0" u="none" strike="noStrike" cap="none" dirty="0" err="1" smtClean="0">
+              <a:t>21</a:t>
+            </a:r>
+          </a:p>
+          <a:p>
+            <a:pPr lvl="0">
+              <a:buClr>
+                <a:srgbClr val="FF00FF"/>
+              </a:buClr>
+              <a:buSzPct val="25000"/>
+            </a:pPr>
+            <a:r>
+              <a:rPr lang="es-419" sz="2800" b="1" i="0" u="none" strike="noStrike" cap="none" dirty="0">
                 <a:solidFill>
                   <a:srgbClr val="FF00FF"/>
                 </a:solidFill>
@@ -12942,10 +12664,58 @@
                 <a:cs typeface="Courier New"/>
                 <a:sym typeface="Courier New"/>
               </a:rPr>
+              <a:t>&gt;&gt;&gt; </a:t>
+            </a:r>
+            <a:r>
+              <a:rPr lang="es-419" sz="2800" b="1" i="0" u="none" strike="noStrike" cap="none" dirty="0" err="1">
+                <a:solidFill>
+                  <a:srgbClr val="FF00FF"/>
+                </a:solidFill>
+                <a:latin typeface="Courier New"/>
+                <a:ea typeface="Courier New"/>
+                <a:cs typeface="Courier New"/>
+                <a:sym typeface="Courier New"/>
+              </a:rPr>
               <a:t>ddd</a:t>
             </a:r>
             <a:r>
-              <a:rPr lang="en-US" sz="2800" b="1" dirty="0" smtClean="0">
+              <a:rPr lang="es-419" sz="2800" b="1" i="0" u="none" strike="noStrike" cap="none" dirty="0">
+                <a:solidFill>
+                  <a:srgbClr val="FF00FF"/>
+                </a:solidFill>
+                <a:latin typeface="Courier New"/>
+                <a:ea typeface="Courier New"/>
+                <a:cs typeface="Courier New"/>
+                <a:sym typeface="Courier New"/>
+              </a:rPr>
+              <a:t>[</a:t>
+            </a:r>
+            <a:r>
+              <a:rPr lang="es-419" sz="2800" b="1" dirty="0">
+                <a:solidFill>
+                  <a:srgbClr val="FF7F00"/>
+                </a:solidFill>
+                <a:latin typeface="Courier New"/>
+                <a:ea typeface="Courier New"/>
+                <a:cs typeface="Courier New"/>
+                <a:sym typeface="Courier New"/>
+              </a:rPr>
+              <a:t>'curso'</a:t>
+            </a:r>
+            <a:r>
+              <a:rPr lang="es-419" sz="2800" b="1" i="0" u="none" strike="noStrike" cap="none" dirty="0">
+                <a:solidFill>
+                  <a:srgbClr val="FF00FF"/>
+                </a:solidFill>
+                <a:latin typeface="Courier New"/>
+                <a:ea typeface="Courier New"/>
+                <a:cs typeface="Courier New"/>
+                <a:sym typeface="Courier New"/>
+              </a:rPr>
+              <a:t>] = </a:t>
+            </a:r>
+            <a:r>
+              <a:rPr lang="es-419" sz="2800" b="1" i="0" u="none" strike="noStrike" cap="none" dirty="0">
                 <a:solidFill>
                   <a:srgbClr val="FFFF00"/>
                 </a:solidFill>
@@ -12954,9 +12724,77 @@
                 <a:cs typeface="Courier New"/>
                 <a:sym typeface="Courier New"/>
               </a:rPr>
+              <a:t>182</a:t>
+            </a:r>
+          </a:p>
+          <a:p>
+            <a:pPr lvl="0">
+              <a:buClr>
+                <a:srgbClr val="FF00FF"/>
+              </a:buClr>
+              <a:buSzPct val="25000"/>
+            </a:pPr>
+            <a:r>
+              <a:rPr lang="es-419" sz="2800" b="1" i="0" u="none" strike="noStrike" cap="none" dirty="0">
+                <a:solidFill>
+                  <a:srgbClr val="FF00FF"/>
+                </a:solidFill>
+                <a:latin typeface="Courier New"/>
+                <a:ea typeface="Courier New"/>
+                <a:cs typeface="Courier New"/>
+                <a:sym typeface="Courier New"/>
+              </a:rPr>
+              <a:t>&gt;&gt;&gt; </a:t>
+            </a:r>
+            <a:r>
+              <a:rPr lang="es-419" sz="2800" b="1" i="0" u="none" strike="noStrike" cap="none" dirty="0" err="1">
+                <a:solidFill>
+                  <a:srgbClr val="FFFF00"/>
+                </a:solidFill>
+                <a:latin typeface="Courier New"/>
+                <a:ea typeface="Courier New"/>
+                <a:cs typeface="Courier New"/>
+                <a:sym typeface="Courier New"/>
+              </a:rPr>
+              <a:t>print</a:t>
+            </a:r>
+            <a:r>
+              <a:rPr lang="es-419" sz="2800" b="1" i="0" u="none" strike="noStrike" cap="none" dirty="0">
+                <a:solidFill>
+                  <a:srgbClr val="FFFF00"/>
+                </a:solidFill>
+                <a:latin typeface="Courier New"/>
+                <a:ea typeface="Courier New"/>
+                <a:cs typeface="Courier New"/>
+                <a:sym typeface="Courier New"/>
+              </a:rPr>
+              <a:t>(</a:t>
+            </a:r>
+            <a:r>
+              <a:rPr lang="es-419" sz="2800" b="1" i="0" u="none" strike="noStrike" cap="none" dirty="0" err="1">
+                <a:solidFill>
+                  <a:srgbClr val="FF00FF"/>
+                </a:solidFill>
+                <a:latin typeface="Courier New"/>
+                <a:ea typeface="Courier New"/>
+                <a:cs typeface="Courier New"/>
+                <a:sym typeface="Courier New"/>
+              </a:rPr>
+              <a:t>ddd</a:t>
+            </a:r>
+            <a:r>
+              <a:rPr lang="es-419" sz="2800" b="1" dirty="0">
+                <a:solidFill>
+                  <a:srgbClr val="FFFF00"/>
+                </a:solidFill>
+                <a:latin typeface="Courier New"/>
+                <a:ea typeface="Courier New"/>
+                <a:cs typeface="Courier New"/>
+                <a:sym typeface="Courier New"/>
+              </a:rPr>
               <a:t>)</a:t>
             </a:r>
-            <a:endParaRPr lang="en-US" sz="2800" b="1" i="0" u="none" strike="noStrike" cap="none" dirty="0">
+            <a:endParaRPr lang="es-419" sz="2800" b="1" i="0" u="none" strike="noStrike" cap="none" dirty="0">
               <a:solidFill>
                 <a:srgbClr val="FF00FF"/>
               </a:solidFill>
@@ -12967,212 +12805,6 @@
             </a:endParaRPr>
           </a:p>
           <a:p>
-            <a:pPr marL="0" marR="0" lvl="0" indent="0" algn="l" rtl="0">
-              <a:lnSpc>
-                <a:spcPct val="100000"/>
-              </a:lnSpc>
-              <a:spcBef>
-                <a:spcPts val="0"/>
-              </a:spcBef>
-              <a:spcAft>
-                <a:spcPts val="0"/>
-              </a:spcAft>
-              <a:buClr>
-                <a:srgbClr val="FF00FF"/>
-              </a:buClr>
-              <a:buSzPct val="25000"/>
-              <a:buFont typeface="Cabin"/>
-              <a:buNone/>
-            </a:pPr>
-            <a:r>
-              <a:rPr lang="en-US" sz="2800" b="1" i="0" u="none" strike="noStrike" cap="none" dirty="0">
-                <a:solidFill>
-                  <a:srgbClr val="FF00FF"/>
-                </a:solidFill>
-                <a:latin typeface="Courier New"/>
-                <a:ea typeface="Courier New"/>
-                <a:cs typeface="Courier New"/>
-                <a:sym typeface="Courier New"/>
-              </a:rPr>
-              <a:t>{</a:t>
-            </a:r>
-            <a:r>
-              <a:rPr lang="en-US" sz="2800" b="1" i="0" u="none" strike="noStrike" cap="none" dirty="0">
-                <a:solidFill>
-                  <a:srgbClr val="FF7F00"/>
-                </a:solidFill>
-                <a:latin typeface="Courier New"/>
-                <a:ea typeface="Courier New"/>
-                <a:cs typeface="Courier New"/>
-                <a:sym typeface="Courier New"/>
-              </a:rPr>
-              <a:t>'course'</a:t>
-            </a:r>
-            <a:r>
-              <a:rPr lang="en-US" sz="2800" b="1" i="0" u="none" strike="noStrike" cap="none" dirty="0">
-                <a:solidFill>
-                  <a:srgbClr val="FF00FF"/>
-                </a:solidFill>
-                <a:latin typeface="Courier New"/>
-                <a:ea typeface="Courier New"/>
-                <a:cs typeface="Courier New"/>
-                <a:sym typeface="Courier New"/>
-              </a:rPr>
-              <a:t>: </a:t>
-            </a:r>
-            <a:r>
-              <a:rPr lang="en-US" sz="2800" b="1" i="0" u="none" strike="noStrike" cap="none" dirty="0">
-                <a:solidFill>
-                  <a:srgbClr val="FFFF00"/>
-                </a:solidFill>
-                <a:latin typeface="Courier New"/>
-                <a:ea typeface="Courier New"/>
-                <a:cs typeface="Courier New"/>
-                <a:sym typeface="Courier New"/>
-              </a:rPr>
-              <a:t>182</a:t>
-            </a:r>
-            <a:r>
-              <a:rPr lang="en-US" sz="2800" b="1" i="0" u="none" strike="noStrike" cap="none" dirty="0">
-                <a:solidFill>
-                  <a:srgbClr val="FF00FF"/>
-                </a:solidFill>
-                <a:latin typeface="Courier New"/>
-                <a:ea typeface="Courier New"/>
-                <a:cs typeface="Courier New"/>
-                <a:sym typeface="Courier New"/>
-              </a:rPr>
-              <a:t>, </a:t>
-            </a:r>
-            <a:r>
-              <a:rPr lang="en-US" sz="2800" b="1" i="0" u="none" strike="noStrike" cap="none" dirty="0">
-                <a:solidFill>
-                  <a:srgbClr val="FF7F00"/>
-                </a:solidFill>
-                <a:latin typeface="Courier New"/>
-                <a:ea typeface="Courier New"/>
-                <a:cs typeface="Courier New"/>
-                <a:sym typeface="Courier New"/>
-              </a:rPr>
-              <a:t>'age'</a:t>
-            </a:r>
-            <a:r>
-              <a:rPr lang="en-US" sz="2800" b="1" i="0" u="none" strike="noStrike" cap="none" dirty="0">
-                <a:solidFill>
-                  <a:srgbClr val="FF00FF"/>
-                </a:solidFill>
-                <a:latin typeface="Courier New"/>
-                <a:ea typeface="Courier New"/>
-                <a:cs typeface="Courier New"/>
-                <a:sym typeface="Courier New"/>
-              </a:rPr>
-              <a:t>: </a:t>
-            </a:r>
-            <a:r>
-              <a:rPr lang="en-US" sz="2800" b="1" i="0" u="none" strike="noStrike" cap="none" dirty="0">
-                <a:solidFill>
-                  <a:srgbClr val="FFFF00"/>
-                </a:solidFill>
-                <a:latin typeface="Courier New"/>
-                <a:ea typeface="Courier New"/>
-                <a:cs typeface="Courier New"/>
-                <a:sym typeface="Courier New"/>
-              </a:rPr>
-              <a:t>21</a:t>
-            </a:r>
-            <a:r>
-              <a:rPr lang="en-US" sz="2800" b="1" i="0" u="none" strike="noStrike" cap="none" dirty="0">
-                <a:solidFill>
-                  <a:srgbClr val="FF00FF"/>
-                </a:solidFill>
-                <a:latin typeface="Courier New"/>
-                <a:ea typeface="Courier New"/>
-                <a:cs typeface="Courier New"/>
-                <a:sym typeface="Courier New"/>
-              </a:rPr>
-              <a:t>}</a:t>
-            </a:r>
-          </a:p>
-          <a:p>
-            <a:pPr marL="0" marR="0" lvl="0" indent="0" algn="l" rtl="0">
-              <a:lnSpc>
-                <a:spcPct val="100000"/>
-              </a:lnSpc>
-              <a:spcBef>
-                <a:spcPts val="0"/>
-              </a:spcBef>
-              <a:spcAft>
-                <a:spcPts val="0"/>
-              </a:spcAft>
-              <a:buClr>
-                <a:srgbClr val="FF00FF"/>
-              </a:buClr>
-              <a:buSzPct val="25000"/>
-              <a:buFont typeface="Cabin"/>
-              <a:buNone/>
-            </a:pPr>
-            <a:r>
-              <a:rPr lang="en-US" sz="2800" b="1" i="0" u="none" strike="noStrike" cap="none" dirty="0">
-                <a:solidFill>
-                  <a:srgbClr val="FF00FF"/>
-                </a:solidFill>
-                <a:latin typeface="Courier New"/>
-                <a:ea typeface="Courier New"/>
-                <a:cs typeface="Courier New"/>
-                <a:sym typeface="Courier New"/>
-              </a:rPr>
-              <a:t>&gt;&gt;&gt; </a:t>
-            </a:r>
-            <a:r>
-              <a:rPr lang="en-US" sz="2800" b="1" i="0" u="none" strike="noStrike" cap="none" dirty="0" err="1">
-                <a:solidFill>
-                  <a:srgbClr val="FF00FF"/>
-                </a:solidFill>
-                <a:latin typeface="Courier New"/>
-                <a:ea typeface="Courier New"/>
-                <a:cs typeface="Courier New"/>
-                <a:sym typeface="Courier New"/>
-              </a:rPr>
-              <a:t>ddd</a:t>
-            </a:r>
-            <a:r>
-              <a:rPr lang="en-US" sz="2800" b="1" i="0" u="none" strike="noStrike" cap="none" dirty="0">
-                <a:solidFill>
-                  <a:srgbClr val="FF00FF"/>
-                </a:solidFill>
-                <a:latin typeface="Courier New"/>
-                <a:ea typeface="Courier New"/>
-                <a:cs typeface="Courier New"/>
-                <a:sym typeface="Courier New"/>
-              </a:rPr>
-              <a:t>[</a:t>
-            </a:r>
-            <a:r>
-              <a:rPr lang="en-US" sz="2800" b="1" i="0" u="none" strike="noStrike" cap="none" dirty="0">
-                <a:solidFill>
-                  <a:srgbClr val="FF7F00"/>
-                </a:solidFill>
-                <a:latin typeface="Courier New"/>
-                <a:ea typeface="Courier New"/>
-                <a:cs typeface="Courier New"/>
-                <a:sym typeface="Courier New"/>
-              </a:rPr>
-              <a:t>'age'</a:t>
-            </a:r>
-            <a:r>
-              <a:rPr lang="en-US" sz="2800" b="1" i="0" u="none" strike="noStrike" cap="none" dirty="0">
-                <a:solidFill>
-                  <a:srgbClr val="FF00FF"/>
-                </a:solidFill>
-                <a:latin typeface="Courier New"/>
-                <a:ea typeface="Courier New"/>
-                <a:cs typeface="Courier New"/>
-                <a:sym typeface="Courier New"/>
-              </a:rPr>
-              <a:t>] = 23</a:t>
-            </a:r>
-          </a:p>
-          <a:p>
             <a:pPr lvl="0">
               <a:buClr>
                 <a:srgbClr val="FF00FF"/>
@@ -13180,7 +12812,7 @@
               <a:buSzPct val="25000"/>
             </a:pPr>
             <a:r>
-              <a:rPr lang="en-US" sz="2800" b="1" i="0" u="none" strike="noStrike" cap="none" dirty="0">
+              <a:rPr lang="es-419" sz="2800" b="1" i="0" u="none" strike="noStrike" cap="none" dirty="0">
                 <a:solidFill>
                   <a:srgbClr val="FF00FF"/>
                 </a:solidFill>
@@ -13189,10 +12821,194 @@
                 <a:cs typeface="Courier New"/>
                 <a:sym typeface="Courier New"/>
               </a:rPr>
+              <a:t>{</a:t>
+            </a:r>
+            <a:r>
+              <a:rPr lang="es-419" sz="2800" b="1" dirty="0">
+                <a:solidFill>
+                  <a:srgbClr val="FF7F00"/>
+                </a:solidFill>
+                <a:latin typeface="Courier New"/>
+                <a:ea typeface="Courier New"/>
+                <a:cs typeface="Courier New"/>
+                <a:sym typeface="Courier New"/>
+              </a:rPr>
+              <a:t>'curso'</a:t>
+            </a:r>
+            <a:r>
+              <a:rPr lang="es-419" sz="2800" b="1" i="0" u="none" strike="noStrike" cap="none" dirty="0">
+                <a:solidFill>
+                  <a:srgbClr val="FF00FF"/>
+                </a:solidFill>
+                <a:latin typeface="Courier New"/>
+                <a:ea typeface="Courier New"/>
+                <a:cs typeface="Courier New"/>
+                <a:sym typeface="Courier New"/>
+              </a:rPr>
+              <a:t>: </a:t>
+            </a:r>
+            <a:r>
+              <a:rPr lang="es-419" sz="2800" b="1" i="0" u="none" strike="noStrike" cap="none" dirty="0">
+                <a:solidFill>
+                  <a:srgbClr val="FFFF00"/>
+                </a:solidFill>
+                <a:latin typeface="Courier New"/>
+                <a:ea typeface="Courier New"/>
+                <a:cs typeface="Courier New"/>
+                <a:sym typeface="Courier New"/>
+              </a:rPr>
+              <a:t>182</a:t>
+            </a:r>
+            <a:r>
+              <a:rPr lang="es-419" sz="2800" b="1" i="0" u="none" strike="noStrike" cap="none" dirty="0">
+                <a:solidFill>
+                  <a:srgbClr val="FF00FF"/>
+                </a:solidFill>
+                <a:latin typeface="Courier New"/>
+                <a:ea typeface="Courier New"/>
+                <a:cs typeface="Courier New"/>
+                <a:sym typeface="Courier New"/>
+              </a:rPr>
+              <a:t>, </a:t>
+            </a:r>
+            <a:r>
+              <a:rPr lang="es-419" sz="2800" b="1" dirty="0">
+                <a:solidFill>
+                  <a:srgbClr val="FF7F00"/>
+                </a:solidFill>
+                <a:latin typeface="Courier New"/>
+                <a:ea typeface="Courier New"/>
+                <a:cs typeface="Courier New"/>
+                <a:sym typeface="Courier New"/>
+              </a:rPr>
+              <a:t>'edad'</a:t>
+            </a:r>
+            <a:r>
+              <a:rPr lang="es-419" sz="2800" b="1" i="0" u="none" strike="noStrike" cap="none" dirty="0">
+                <a:solidFill>
+                  <a:srgbClr val="FF00FF"/>
+                </a:solidFill>
+                <a:latin typeface="Courier New"/>
+                <a:ea typeface="Courier New"/>
+                <a:cs typeface="Courier New"/>
+                <a:sym typeface="Courier New"/>
+              </a:rPr>
+              <a:t>: </a:t>
+            </a:r>
+            <a:r>
+              <a:rPr lang="es-419" sz="2800" b="1" i="0" u="none" strike="noStrike" cap="none" dirty="0">
+                <a:solidFill>
+                  <a:srgbClr val="FFFF00"/>
+                </a:solidFill>
+                <a:latin typeface="Courier New"/>
+                <a:ea typeface="Courier New"/>
+                <a:cs typeface="Courier New"/>
+                <a:sym typeface="Courier New"/>
+              </a:rPr>
+              <a:t>21</a:t>
+            </a:r>
+            <a:r>
+              <a:rPr lang="es-419" sz="2800" b="1" i="0" u="none" strike="noStrike" cap="none" dirty="0">
+                <a:solidFill>
+                  <a:srgbClr val="FF00FF"/>
+                </a:solidFill>
+                <a:latin typeface="Courier New"/>
+                <a:ea typeface="Courier New"/>
+                <a:cs typeface="Courier New"/>
+                <a:sym typeface="Courier New"/>
+              </a:rPr>
+              <a:t>}</a:t>
+            </a:r>
+          </a:p>
+          <a:p>
+            <a:pPr lvl="0">
+              <a:buClr>
+                <a:srgbClr val="FF00FF"/>
+              </a:buClr>
+              <a:buSzPct val="25000"/>
+            </a:pPr>
+            <a:r>
+              <a:rPr lang="es-419" sz="2800" b="1" i="0" u="none" strike="noStrike" cap="none" dirty="0">
+                <a:solidFill>
+                  <a:srgbClr val="FF00FF"/>
+                </a:solidFill>
+                <a:latin typeface="Courier New"/>
+                <a:ea typeface="Courier New"/>
+                <a:cs typeface="Courier New"/>
+                <a:sym typeface="Courier New"/>
+              </a:rPr>
               <a:t>&gt;&gt;&gt; </a:t>
             </a:r>
             <a:r>
-              <a:rPr lang="en-US" sz="2800" b="1" i="0" u="none" strike="noStrike" cap="none" dirty="0" smtClean="0">
+              <a:rPr lang="es-419" sz="2800" b="1" i="0" u="none" strike="noStrike" cap="none" dirty="0" err="1">
+                <a:solidFill>
+                  <a:srgbClr val="FF00FF"/>
+                </a:solidFill>
+                <a:latin typeface="Courier New"/>
+                <a:ea typeface="Courier New"/>
+                <a:cs typeface="Courier New"/>
+                <a:sym typeface="Courier New"/>
+              </a:rPr>
+              <a:t>ddd</a:t>
+            </a:r>
+            <a:r>
+              <a:rPr lang="es-419" sz="2800" b="1" i="0" u="none" strike="noStrike" cap="none" dirty="0">
+                <a:solidFill>
+                  <a:srgbClr val="FF00FF"/>
+                </a:solidFill>
+                <a:latin typeface="Courier New"/>
+                <a:ea typeface="Courier New"/>
+                <a:cs typeface="Courier New"/>
+                <a:sym typeface="Courier New"/>
+              </a:rPr>
+              <a:t>[</a:t>
+            </a:r>
+            <a:r>
+              <a:rPr lang="es-419" sz="2800" b="1" dirty="0">
+                <a:solidFill>
+                  <a:srgbClr val="FF7F00"/>
+                </a:solidFill>
+                <a:latin typeface="Courier New"/>
+                <a:ea typeface="Courier New"/>
+                <a:cs typeface="Courier New"/>
+                <a:sym typeface="Courier New"/>
+              </a:rPr>
+              <a:t>'edad'</a:t>
+            </a:r>
+            <a:r>
+              <a:rPr lang="es-419" sz="2800" b="1" i="0" u="none" strike="noStrike" cap="none" dirty="0">
+                <a:solidFill>
+                  <a:srgbClr val="FF00FF"/>
+                </a:solidFill>
+                <a:latin typeface="Courier New"/>
+                <a:ea typeface="Courier New"/>
+                <a:cs typeface="Courier New"/>
+                <a:sym typeface="Courier New"/>
+              </a:rPr>
+              <a:t>] = 23</a:t>
+            </a:r>
+          </a:p>
+          <a:p>
+            <a:pPr lvl="0">
+              <a:buClr>
+                <a:srgbClr val="FF00FF"/>
+              </a:buClr>
+              <a:buSzPct val="25000"/>
+            </a:pPr>
+            <a:r>
+              <a:rPr lang="es-419" sz="2800" b="1" i="0" u="none" strike="noStrike" cap="none" dirty="0">
+                <a:solidFill>
+                  <a:srgbClr val="FF00FF"/>
+                </a:solidFill>
+                <a:latin typeface="Courier New"/>
+                <a:ea typeface="Courier New"/>
+                <a:cs typeface="Courier New"/>
+                <a:sym typeface="Courier New"/>
+              </a:rPr>
+              <a:t>&gt;&gt;&gt; </a:t>
+            </a:r>
+            <a:r>
+              <a:rPr lang="es-419" sz="2800" b="1" i="0" u="none" strike="noStrike" cap="none" dirty="0" err="1">
                 <a:solidFill>
                   <a:srgbClr val="FFFF00"/>
                 </a:solidFill>
@@ -13201,10 +13017,22 @@
                 <a:cs typeface="Courier New"/>
                 <a:sym typeface="Courier New"/>
               </a:rPr>
-              <a:t>print(</a:t>
-            </a:r>
-            <a:r>
-              <a:rPr lang="en-US" sz="2800" b="1" i="0" u="none" strike="noStrike" cap="none" dirty="0" err="1" smtClean="0">
+              <a:t>print</a:t>
+            </a:r>
+            <a:r>
+              <a:rPr lang="es-419" sz="2800" b="1" i="0" u="none" strike="noStrike" cap="none" dirty="0">
+                <a:solidFill>
+                  <a:srgbClr val="FFFF00"/>
+                </a:solidFill>
+                <a:latin typeface="Courier New"/>
+                <a:ea typeface="Courier New"/>
+                <a:cs typeface="Courier New"/>
+                <a:sym typeface="Courier New"/>
+              </a:rPr>
+              <a:t>(</a:t>
+            </a:r>
+            <a:r>
+              <a:rPr lang="es-419" sz="2800" b="1" i="0" u="none" strike="noStrike" cap="none" dirty="0" err="1">
                 <a:solidFill>
                   <a:srgbClr val="FF00FF"/>
                 </a:solidFill>
@@ -13216,7 +13044,7 @@
               <a:t>ddd</a:t>
             </a:r>
             <a:r>
-              <a:rPr lang="en-US" sz="2800" b="1" dirty="0" smtClean="0">
+              <a:rPr lang="es-419" sz="2800" b="1" dirty="0">
                 <a:solidFill>
                   <a:srgbClr val="FFFF00"/>
                 </a:solidFill>
@@ -13227,7 +13055,7 @@
               </a:rPr>
               <a:t>)</a:t>
             </a:r>
-            <a:endParaRPr lang="en-US" sz="2800" b="1" i="0" u="none" strike="noStrike" cap="none" dirty="0">
+            <a:endParaRPr lang="es-419" sz="2800" b="1" i="0" u="none" strike="noStrike" cap="none" dirty="0">
               <a:solidFill>
                 <a:srgbClr val="FF00FF"/>
               </a:solidFill>
@@ -13238,25 +13066,14 @@
             </a:endParaRPr>
           </a:p>
           <a:p>
-            <a:pPr marL="0" marR="0" lvl="0" indent="0" algn="l" rtl="0">
-              <a:lnSpc>
-                <a:spcPct val="100000"/>
-              </a:lnSpc>
-              <a:spcBef>
-                <a:spcPts val="0"/>
-              </a:spcBef>
-              <a:spcAft>
-                <a:spcPts val="0"/>
-              </a:spcAft>
+            <a:pPr lvl="0">
               <a:buClr>
                 <a:srgbClr val="FF00FF"/>
               </a:buClr>
               <a:buSzPct val="25000"/>
-              <a:buFont typeface="Cabin"/>
-              <a:buNone/>
             </a:pPr>
             <a:r>
-              <a:rPr lang="en-US" sz="2800" b="1" i="0" u="none" strike="noStrike" cap="none" dirty="0">
+              <a:rPr lang="es-419" sz="2800" b="1" i="0" u="none" strike="noStrike" cap="none" dirty="0">
                 <a:solidFill>
                   <a:srgbClr val="FF00FF"/>
                 </a:solidFill>
@@ -13268,7 +13085,7 @@
               <a:t>{</a:t>
             </a:r>
             <a:r>
-              <a:rPr lang="en-US" sz="2800" b="1" i="0" u="none" strike="noStrike" cap="none" dirty="0">
+              <a:rPr lang="es-419" sz="2800" b="1" dirty="0">
                 <a:solidFill>
                   <a:srgbClr val="FF7F00"/>
                 </a:solidFill>
@@ -13277,10 +13094,10 @@
                 <a:cs typeface="Courier New"/>
                 <a:sym typeface="Courier New"/>
               </a:rPr>
-              <a:t>'course'</a:t>
-            </a:r>
-            <a:r>
-              <a:rPr lang="en-US" sz="2800" b="1" i="0" u="none" strike="noStrike" cap="none" dirty="0">
+              <a:t>'curso'</a:t>
+            </a:r>
+            <a:r>
+              <a:rPr lang="es-419" sz="2800" b="1" i="0" u="none" strike="noStrike" cap="none" dirty="0">
                 <a:solidFill>
                   <a:srgbClr val="FF00FF"/>
                 </a:solidFill>
@@ -13292,7 +13109,7 @@
               <a:t>: </a:t>
             </a:r>
             <a:r>
-              <a:rPr lang="en-US" sz="2800" b="1" i="0" u="none" strike="noStrike" cap="none" dirty="0">
+              <a:rPr lang="es-419" sz="2800" b="1" i="0" u="none" strike="noStrike" cap="none" dirty="0">
                 <a:solidFill>
                   <a:srgbClr val="FFFF00"/>
                 </a:solidFill>
@@ -13304,7 +13121,7 @@
               <a:t>182</a:t>
             </a:r>
             <a:r>
-              <a:rPr lang="en-US" sz="2800" b="1" i="0" u="none" strike="noStrike" cap="none" dirty="0">
+              <a:rPr lang="es-419" sz="2800" b="1" i="0" u="none" strike="noStrike" cap="none" dirty="0">
                 <a:solidFill>
                   <a:srgbClr val="FF00FF"/>
                 </a:solidFill>
@@ -13316,7 +13133,7 @@
               <a:t>, </a:t>
             </a:r>
             <a:r>
-              <a:rPr lang="en-US" sz="2800" b="1" i="0" u="none" strike="noStrike" cap="none" dirty="0">
+              <a:rPr lang="es-419" sz="2800" b="1" dirty="0">
                 <a:solidFill>
                   <a:srgbClr val="FF7F00"/>
                 </a:solidFill>
@@ -13325,10 +13142,10 @@
                 <a:cs typeface="Courier New"/>
                 <a:sym typeface="Courier New"/>
               </a:rPr>
-              <a:t>'age'</a:t>
-            </a:r>
-            <a:r>
-              <a:rPr lang="en-US" sz="2800" b="1" i="0" u="none" strike="noStrike" cap="none" dirty="0">
+              <a:t>'edad'</a:t>
+            </a:r>
+            <a:r>
+              <a:rPr lang="es-419" sz="2800" b="1" i="0" u="none" strike="noStrike" cap="none" dirty="0">
                 <a:solidFill>
                   <a:srgbClr val="FF00FF"/>
                 </a:solidFill>
@@ -13340,7 +13157,7 @@
               <a:t>: </a:t>
             </a:r>
             <a:r>
-              <a:rPr lang="en-US" sz="2800" b="1" i="0" u="none" strike="noStrike" cap="none" dirty="0">
+              <a:rPr lang="es-419" sz="2800" b="1" i="0" u="none" strike="noStrike" cap="none" dirty="0">
                 <a:solidFill>
                   <a:srgbClr val="FFFF00"/>
                 </a:solidFill>
@@ -13352,7 +13169,7 @@
               <a:t>23</a:t>
             </a:r>
             <a:r>
-              <a:rPr lang="en-US" sz="2800" b="1" i="0" u="none" strike="noStrike" cap="none" dirty="0">
+              <a:rPr lang="es-419" sz="2800" b="1" i="0" u="none" strike="noStrike" cap="none" dirty="0">
                 <a:solidFill>
                   <a:srgbClr val="FF00FF"/>
                 </a:solidFill>
@@ -13409,7 +13226,7 @@
               <a:buNone/>
             </a:pPr>
             <a:r>
-              <a:rPr lang="en-US" sz="3200" u="none" strike="noStrike" cap="none">
+              <a:rPr lang="es-419" sz="3200" u="none" strike="noStrike" cap="none">
                 <a:solidFill>
                   <a:srgbClr val="FF7F00"/>
                 </a:solidFill>
@@ -13472,7 +13289,7 @@
               <a:buNone/>
             </a:pPr>
             <a:r>
-              <a:rPr lang="en-US" sz="3200">
+              <a:rPr lang="es-419" sz="3200">
                 <a:solidFill>
                   <a:schemeClr val="lt1"/>
                 </a:solidFill>
@@ -13484,7 +13301,7 @@
               <a:t> </a:t>
             </a:r>
             <a:r>
-              <a:rPr lang="en-US" sz="3200" u="none" strike="noStrike" cap="none">
+              <a:rPr lang="es-419" sz="3200" u="none" strike="noStrike" cap="none">
                 <a:solidFill>
                   <a:schemeClr val="lt1"/>
                 </a:solidFill>
@@ -13541,7 +13358,7 @@
               <a:buNone/>
             </a:pPr>
             <a:r>
-              <a:rPr lang="en-US" sz="3200" u="none" strike="noStrike" cap="none">
+              <a:rPr lang="es-419" sz="3200" u="none" strike="noStrike" cap="none">
                 <a:solidFill>
                   <a:srgbClr val="FF7F00"/>
                 </a:solidFill>
@@ -13604,7 +13421,7 @@
               <a:buNone/>
             </a:pPr>
             <a:r>
-              <a:rPr lang="en-US" sz="3200">
+              <a:rPr lang="es-419" sz="3200">
                 <a:solidFill>
                   <a:schemeClr val="lt1"/>
                 </a:solidFill>
@@ -13616,7 +13433,7 @@
               <a:t> </a:t>
             </a:r>
             <a:r>
-              <a:rPr lang="en-US" sz="3200" u="none" strike="noStrike" cap="none">
+              <a:rPr lang="es-419" sz="3200" u="none" strike="noStrike" cap="none">
                 <a:solidFill>
                   <a:schemeClr val="lt1"/>
                 </a:solidFill>
@@ -13673,7 +13490,7 @@
               <a:buNone/>
             </a:pPr>
             <a:r>
-              <a:rPr lang="en-US" sz="3200" u="none" strike="noStrike" cap="none">
+              <a:rPr lang="es-419" sz="3200" u="none" strike="noStrike" cap="none">
                 <a:solidFill>
                   <a:srgbClr val="00FF00"/>
                 </a:solidFill>
@@ -13685,7 +13502,7 @@
               <a:t>l</a:t>
             </a:r>
             <a:r>
-              <a:rPr lang="en-US" sz="3200">
+              <a:rPr lang="es-419" sz="3200">
                 <a:solidFill>
                   <a:srgbClr val="00FF00"/>
                 </a:solidFill>
@@ -13708,7 +13525,7 @@
         <p:spPr>
           <a:xfrm>
             <a:off x="10186991" y="1452513"/>
-            <a:ext cx="798600" cy="622199"/>
+            <a:ext cx="1106486" cy="622199"/>
           </a:xfrm>
           <a:prstGeom prst="rect">
             <a:avLst/>
@@ -13742,7 +13559,7 @@
               <a:buNone/>
             </a:pPr>
             <a:r>
-              <a:rPr lang="en-US" sz="3200" u="none" strike="noStrike" cap="none">
+              <a:rPr lang="es-419" sz="3200" u="none" strike="noStrike" cap="none" dirty="0">
                 <a:solidFill>
                   <a:srgbClr val="FF7F00"/>
                 </a:solidFill>
@@ -13751,7 +13568,7 @@
                 <a:cs typeface="Arial" charset="0"/>
                 <a:sym typeface="Cabin"/>
               </a:rPr>
-              <a:t>Key</a:t>
+              <a:t>Clave</a:t>
             </a:r>
           </a:p>
         </p:txBody>
@@ -13799,7 +13616,7 @@
               <a:buNone/>
             </a:pPr>
             <a:r>
-              <a:rPr lang="en-US" sz="3200" u="none" strike="noStrike" cap="none">
+              <a:rPr lang="es-419" sz="3200" dirty="0">
                 <a:solidFill>
                   <a:srgbClr val="FFFF00"/>
                 </a:solidFill>
@@ -13808,8 +13625,17 @@
                 <a:cs typeface="Arial" charset="0"/>
                 <a:sym typeface="Cabin"/>
               </a:rPr>
-              <a:t>Value</a:t>
-            </a:r>
+              <a:t>Valor</a:t>
+            </a:r>
+            <a:endParaRPr lang="es-419" sz="3200" u="none" strike="noStrike" cap="none" dirty="0">
+              <a:solidFill>
+                <a:srgbClr val="FFFF00"/>
+              </a:solidFill>
+              <a:latin typeface="Arial" charset="0"/>
+              <a:ea typeface="Arial" charset="0"/>
+              <a:cs typeface="Arial" charset="0"/>
+              <a:sym typeface="Cabin"/>
+            </a:endParaRPr>
           </a:p>
         </p:txBody>
       </p:sp>
@@ -13838,25 +13664,14 @@
           </a:bodyPr>
           <a:lstStyle/>
           <a:p>
-            <a:pPr marL="0" marR="0" lvl="0" indent="0" algn="r" rtl="0">
-              <a:lnSpc>
-                <a:spcPct val="100000"/>
-              </a:lnSpc>
-              <a:spcBef>
-                <a:spcPts val="0"/>
-              </a:spcBef>
-              <a:spcAft>
-                <a:spcPts val="0"/>
-              </a:spcAft>
+            <a:pPr lvl="0" algn="r">
               <a:buClr>
                 <a:srgbClr val="FF7F00"/>
               </a:buClr>
               <a:buSzPct val="25000"/>
-              <a:buFont typeface="Cabin"/>
-              <a:buNone/>
             </a:pPr>
             <a:r>
-              <a:rPr lang="en-US" sz="3200" u="none" strike="noStrike" cap="none">
+              <a:rPr lang="es-419" sz="3200" dirty="0">
                 <a:solidFill>
                   <a:srgbClr val="FF7F00"/>
                 </a:solidFill>
@@ -13865,7 +13680,19 @@
                 <a:cs typeface="Arial" charset="0"/>
                 <a:sym typeface="Cabin"/>
               </a:rPr>
-              <a:t>['course']</a:t>
+              <a:t>['curso</a:t>
+            </a:r>
+            <a:r>
+              <a:rPr lang="es-419" sz="3200" u="none" strike="noStrike" cap="none" dirty="0">
+                <a:solidFill>
+                  <a:srgbClr val="FF7F00"/>
+                </a:solidFill>
+                <a:latin typeface="Arial" charset="0"/>
+                <a:ea typeface="Arial" charset="0"/>
+                <a:cs typeface="Arial" charset="0"/>
+                <a:sym typeface="Cabin"/>
+              </a:rPr>
+              <a:t>']</a:t>
             </a:r>
           </a:p>
         </p:txBody>
@@ -13919,7 +13746,7 @@
               <a:buNone/>
             </a:pPr>
             <a:r>
-              <a:rPr lang="en-US" sz="3200">
+              <a:rPr lang="es-419" sz="3200">
                 <a:solidFill>
                   <a:schemeClr val="lt1"/>
                 </a:solidFill>
@@ -13931,7 +13758,7 @@
               <a:t> </a:t>
             </a:r>
             <a:r>
-              <a:rPr lang="en-US" sz="3200" u="none" strike="noStrike" cap="none">
+              <a:rPr lang="es-419" sz="3200" u="none" strike="noStrike" cap="none">
                 <a:solidFill>
                   <a:schemeClr val="lt1"/>
                 </a:solidFill>
@@ -13943,7 +13770,7 @@
               <a:t>18</a:t>
             </a:r>
             <a:r>
-              <a:rPr lang="en-US" sz="3200">
+              <a:rPr lang="es-419" sz="3200">
                 <a:solidFill>
                   <a:schemeClr val="lt1"/>
                 </a:solidFill>
@@ -13965,8 +13792,8 @@
         </p:nvSpPr>
         <p:spPr>
           <a:xfrm>
-            <a:off x="10066341" y="7115121"/>
-            <a:ext cx="1200299" cy="622199"/>
+            <a:off x="9757775" y="7115121"/>
+            <a:ext cx="1508865" cy="622199"/>
           </a:xfrm>
           <a:prstGeom prst="rect">
             <a:avLst/>
@@ -13982,25 +13809,14 @@
           </a:bodyPr>
           <a:lstStyle/>
           <a:p>
-            <a:pPr marL="0" marR="0" lvl="0" indent="0" algn="r" rtl="0">
-              <a:lnSpc>
-                <a:spcPct val="100000"/>
-              </a:lnSpc>
-              <a:spcBef>
-                <a:spcPts val="0"/>
-              </a:spcBef>
-              <a:spcAft>
-                <a:spcPts val="0"/>
-              </a:spcAft>
+            <a:pPr lvl="0" algn="r">
               <a:buClr>
                 <a:srgbClr val="FF7F00"/>
               </a:buClr>
               <a:buSzPct val="25000"/>
-              <a:buFont typeface="Cabin"/>
-              <a:buNone/>
             </a:pPr>
             <a:r>
-              <a:rPr lang="en-US" sz="3200" u="none" strike="noStrike" cap="none">
+              <a:rPr lang="es-419" sz="3200" dirty="0">
                 <a:solidFill>
                   <a:srgbClr val="FF7F00"/>
                 </a:solidFill>
@@ -14009,8 +13825,17 @@
                 <a:cs typeface="Arial" charset="0"/>
                 <a:sym typeface="Cabin"/>
               </a:rPr>
-              <a:t>['age']</a:t>
-            </a:r>
+              <a:t>['edad']</a:t>
+            </a:r>
+            <a:endParaRPr lang="es-419" sz="3200" u="none" strike="noStrike" cap="none" dirty="0">
+              <a:solidFill>
+                <a:srgbClr val="FF7F00"/>
+              </a:solidFill>
+              <a:latin typeface="Arial" charset="0"/>
+              <a:ea typeface="Arial" charset="0"/>
+              <a:cs typeface="Arial" charset="0"/>
+              <a:sym typeface="Cabin"/>
+            </a:endParaRPr>
           </a:p>
         </p:txBody>
       </p:sp>
@@ -14063,7 +13888,7 @@
               <a:buNone/>
             </a:pPr>
             <a:r>
-              <a:rPr lang="en-US" sz="3200">
+              <a:rPr lang="es-419" sz="3200">
                 <a:solidFill>
                   <a:schemeClr val="lt1"/>
                 </a:solidFill>
@@ -14075,7 +13900,7 @@
               <a:t> </a:t>
             </a:r>
             <a:r>
-              <a:rPr lang="en-US" sz="3200" u="none" strike="noStrike" cap="none">
+              <a:rPr lang="es-419" sz="3200" u="none" strike="noStrike" cap="none">
                 <a:solidFill>
                   <a:schemeClr val="lt1"/>
                 </a:solidFill>
@@ -14132,7 +13957,7 @@
               <a:buNone/>
             </a:pPr>
             <a:r>
-              <a:rPr lang="en-US" sz="3200" u="none" strike="noStrike" cap="none">
+              <a:rPr lang="es-419" sz="3200" u="none" strike="noStrike" cap="none">
                 <a:solidFill>
                   <a:srgbClr val="FF00FF"/>
                 </a:solidFill>
@@ -14155,7 +13980,7 @@
         <p:spPr>
           <a:xfrm>
             <a:off x="10313991" y="5553021"/>
-            <a:ext cx="798512" cy="622299"/>
+            <a:ext cx="1106400" cy="622299"/>
           </a:xfrm>
           <a:prstGeom prst="rect">
             <a:avLst/>
@@ -14189,7 +14014,7 @@
               <a:buNone/>
             </a:pPr>
             <a:r>
-              <a:rPr lang="en-US" sz="3200" u="none" strike="noStrike" cap="none">
+              <a:rPr lang="es-419" sz="3200" u="none" strike="noStrike" cap="none" dirty="0">
                 <a:solidFill>
                   <a:srgbClr val="FF7F00"/>
                 </a:solidFill>
@@ -14198,7 +14023,7 @@
                 <a:cs typeface="Arial" charset="0"/>
                 <a:sym typeface="Cabin"/>
               </a:rPr>
-              <a:t>Key</a:t>
+              <a:t>Clave</a:t>
             </a:r>
           </a:p>
         </p:txBody>
@@ -14246,7 +14071,7 @@
               <a:buNone/>
             </a:pPr>
             <a:r>
-              <a:rPr lang="en-US" sz="3200" u="none" strike="noStrike" cap="none">
+              <a:rPr lang="es-419" sz="3200" u="none" strike="noStrike" cap="none" dirty="0">
                 <a:solidFill>
                   <a:srgbClr val="FFFF00"/>
                 </a:solidFill>
@@ -14255,7 +14080,7 @@
                 <a:cs typeface="Arial" charset="0"/>
                 <a:sym typeface="Cabin"/>
               </a:rPr>
-              <a:t>Value</a:t>
+              <a:t>Valor</a:t>
             </a:r>
           </a:p>
         </p:txBody>
@@ -14303,7 +14128,7 @@
               <a:buNone/>
             </a:pPr>
             <a:r>
-              <a:rPr lang="en-US" sz="3200" u="none" strike="noStrike" cap="none">
+              <a:rPr lang="es-419" sz="3200" u="none" strike="noStrike" cap="none" dirty="0">
                 <a:solidFill>
                   <a:srgbClr val="00FF00"/>
                 </a:solidFill>
@@ -14312,7 +14137,7 @@
                 <a:cs typeface="Arial" charset="0"/>
                 <a:sym typeface="Cabin"/>
               </a:rPr>
-              <a:t>List</a:t>
+              <a:t>Lista</a:t>
             </a:r>
           </a:p>
         </p:txBody>
@@ -14360,7 +14185,7 @@
               <a:buNone/>
             </a:pPr>
             <a:r>
-              <a:rPr lang="en-US" sz="3200" u="none" strike="noStrike" cap="none">
+              <a:rPr lang="es-419" sz="3200" u="none" strike="noStrike" cap="none" dirty="0">
                 <a:solidFill>
                   <a:srgbClr val="FF00FF"/>
                 </a:solidFill>
@@ -14369,7 +14194,7 @@
                 <a:cs typeface="Arial" charset="0"/>
                 <a:sym typeface="Cabin"/>
               </a:rPr>
-              <a:t>Dictionary</a:t>
+              <a:t>Diccionario</a:t>
             </a:r>
           </a:p>
         </p:txBody>
@@ -14379,13 +14204,6 @@
   <p:clrMapOvr>
     <a:masterClrMapping/>
   </p:clrMapOvr>
-  <p:timing>
-    <p:tnLst>
-      <p:par>
-        <p:cTn xmlns:p14="http://schemas.microsoft.com/office/powerpoint/2010/main" id="1" dur="indefinite" restart="never" nodeType="tmRoot"/>
-      </p:par>
-    </p:tnLst>
-  </p:timing>
 </p:sld>
 </file>
 
